--- a/slides/Woo_GBE3037_L04.pptx
+++ b/slides/Woo_GBE3037_L04.pptx
@@ -5,27 +5,25 @@
     <p:sldMasterId id="2147483648" r:id="rId1"/>
   </p:sldMasterIdLst>
   <p:notesMasterIdLst>
-    <p:notesMasterId r:id="rId20"/>
+    <p:notesMasterId r:id="rId18"/>
   </p:notesMasterIdLst>
   <p:sldIdLst>
     <p:sldId id="256" r:id="rId2"/>
-    <p:sldId id="259" r:id="rId3"/>
-    <p:sldId id="260" r:id="rId4"/>
-    <p:sldId id="261" r:id="rId5"/>
-    <p:sldId id="262" r:id="rId6"/>
-    <p:sldId id="263" r:id="rId7"/>
-    <p:sldId id="265" r:id="rId8"/>
-    <p:sldId id="267" r:id="rId9"/>
-    <p:sldId id="268" r:id="rId10"/>
-    <p:sldId id="266" r:id="rId11"/>
-    <p:sldId id="269" r:id="rId12"/>
-    <p:sldId id="271" r:id="rId13"/>
-    <p:sldId id="273" r:id="rId14"/>
-    <p:sldId id="274" r:id="rId15"/>
-    <p:sldId id="275" r:id="rId16"/>
-    <p:sldId id="276" r:id="rId17"/>
-    <p:sldId id="258" r:id="rId18"/>
-    <p:sldId id="277" r:id="rId19"/>
+    <p:sldId id="260" r:id="rId3"/>
+    <p:sldId id="261" r:id="rId4"/>
+    <p:sldId id="265" r:id="rId5"/>
+    <p:sldId id="267" r:id="rId6"/>
+    <p:sldId id="262" r:id="rId7"/>
+    <p:sldId id="263" r:id="rId8"/>
+    <p:sldId id="268" r:id="rId9"/>
+    <p:sldId id="266" r:id="rId10"/>
+    <p:sldId id="269" r:id="rId11"/>
+    <p:sldId id="271" r:id="rId12"/>
+    <p:sldId id="273" r:id="rId13"/>
+    <p:sldId id="274" r:id="rId14"/>
+    <p:sldId id="275" r:id="rId15"/>
+    <p:sldId id="258" r:id="rId16"/>
+    <p:sldId id="277" r:id="rId17"/>
   </p:sldIdLst>
   <p:sldSz cx="12192000" cy="6858000"/>
   <p:notesSz cx="6858000" cy="9144000"/>
@@ -214,7 +212,7 @@
           <a:p>
             <a:fld id="{65F32F1C-A509-984F-9E5B-E228248344CD}" type="datetimeFigureOut">
               <a:rPr kumimoji="1" lang="ko-KR" altLang="en-US" smtClean="0"/>
-              <a:t>2019. 3. 1.</a:t>
+              <a:t>2019. 3. 7.</a:t>
             </a:fld>
             <a:endParaRPr kumimoji="1" lang="ko-KR" altLang="en-US"/>
           </a:p>
@@ -481,6 +479,258 @@
 </p:notesMaster>
 </file>
 
+<file path=ppt/notesSlides/notesSlide1.xml><?xml version="1.0" encoding="utf-8"?>
+<p:notes xmlns:a="http://schemas.openxmlformats.org/drawingml/2006/main" xmlns:r="http://schemas.openxmlformats.org/officeDocument/2006/relationships" xmlns:p="http://schemas.openxmlformats.org/presentationml/2006/main">
+  <p:cSld>
+    <p:spTree>
+      <p:nvGrpSpPr>
+        <p:cNvPr id="1" name=""/>
+        <p:cNvGrpSpPr/>
+        <p:nvPr/>
+      </p:nvGrpSpPr>
+      <p:grpSpPr>
+        <a:xfrm>
+          <a:off x="0" y="0"/>
+          <a:ext cx="0" cy="0"/>
+          <a:chOff x="0" y="0"/>
+          <a:chExt cx="0" cy="0"/>
+        </a:xfrm>
+      </p:grpSpPr>
+      <p:sp>
+        <p:nvSpPr>
+          <p:cNvPr id="2" name="슬라이드 이미지 개체 틀 1"/>
+          <p:cNvSpPr>
+            <a:spLocks noGrp="1" noRot="1" noChangeAspect="1"/>
+          </p:cNvSpPr>
+          <p:nvPr>
+            <p:ph type="sldImg"/>
+          </p:nvPr>
+        </p:nvSpPr>
+        <p:spPr/>
+      </p:sp>
+      <p:sp>
+        <p:nvSpPr>
+          <p:cNvPr id="3" name="슬라이드 노트 개체 틀 2"/>
+          <p:cNvSpPr>
+            <a:spLocks noGrp="1"/>
+          </p:cNvSpPr>
+          <p:nvPr>
+            <p:ph type="body" idx="1"/>
+          </p:nvPr>
+        </p:nvSpPr>
+        <p:spPr/>
+        <p:txBody>
+          <a:bodyPr/>
+          <a:lstStyle/>
+          <a:p>
+            <a:endParaRPr kumimoji="1" lang="ko-KR" altLang="en-US" dirty="0"/>
+          </a:p>
+        </p:txBody>
+      </p:sp>
+      <p:sp>
+        <p:nvSpPr>
+          <p:cNvPr id="4" name="슬라이드 번호 개체 틀 3"/>
+          <p:cNvSpPr>
+            <a:spLocks noGrp="1"/>
+          </p:cNvSpPr>
+          <p:nvPr>
+            <p:ph type="sldNum" sz="quarter" idx="5"/>
+          </p:nvPr>
+        </p:nvSpPr>
+        <p:spPr/>
+        <p:txBody>
+          <a:bodyPr/>
+          <a:lstStyle/>
+          <a:p>
+            <a:fld id="{0783281F-892B-614E-B792-481EB2F7C5B7}" type="slidenum">
+              <a:rPr kumimoji="1" lang="ko-KR" altLang="en-US" smtClean="0"/>
+              <a:t>1</a:t>
+            </a:fld>
+            <a:endParaRPr kumimoji="1" lang="ko-KR" altLang="en-US"/>
+          </a:p>
+        </p:txBody>
+      </p:sp>
+    </p:spTree>
+    <p:extLst>
+      <p:ext uri="{BB962C8B-B14F-4D97-AF65-F5344CB8AC3E}">
+        <p14:creationId xmlns:p14="http://schemas.microsoft.com/office/powerpoint/2010/main" val="3757322567"/>
+      </p:ext>
+    </p:extLst>
+  </p:cSld>
+  <p:clrMapOvr>
+    <a:masterClrMapping/>
+  </p:clrMapOvr>
+</p:notes>
+</file>
+
+<file path=ppt/notesSlides/notesSlide2.xml><?xml version="1.0" encoding="utf-8"?>
+<p:notes xmlns:a="http://schemas.openxmlformats.org/drawingml/2006/main" xmlns:r="http://schemas.openxmlformats.org/officeDocument/2006/relationships" xmlns:p="http://schemas.openxmlformats.org/presentationml/2006/main">
+  <p:cSld>
+    <p:spTree>
+      <p:nvGrpSpPr>
+        <p:cNvPr id="1" name=""/>
+        <p:cNvGrpSpPr/>
+        <p:nvPr/>
+      </p:nvGrpSpPr>
+      <p:grpSpPr>
+        <a:xfrm>
+          <a:off x="0" y="0"/>
+          <a:ext cx="0" cy="0"/>
+          <a:chOff x="0" y="0"/>
+          <a:chExt cx="0" cy="0"/>
+        </a:xfrm>
+      </p:grpSpPr>
+      <p:sp>
+        <p:nvSpPr>
+          <p:cNvPr id="2" name="슬라이드 이미지 개체 틀 1"/>
+          <p:cNvSpPr>
+            <a:spLocks noGrp="1" noRot="1" noChangeAspect="1"/>
+          </p:cNvSpPr>
+          <p:nvPr>
+            <p:ph type="sldImg"/>
+          </p:nvPr>
+        </p:nvSpPr>
+        <p:spPr/>
+      </p:sp>
+      <p:sp>
+        <p:nvSpPr>
+          <p:cNvPr id="3" name="슬라이드 노트 개체 틀 2"/>
+          <p:cNvSpPr>
+            <a:spLocks noGrp="1"/>
+          </p:cNvSpPr>
+          <p:nvPr>
+            <p:ph type="body" idx="1"/>
+          </p:nvPr>
+        </p:nvSpPr>
+        <p:spPr/>
+        <p:txBody>
+          <a:bodyPr/>
+          <a:lstStyle/>
+          <a:p>
+            <a:endParaRPr kumimoji="1" lang="ko-KR" altLang="en-US" dirty="0"/>
+          </a:p>
+        </p:txBody>
+      </p:sp>
+      <p:sp>
+        <p:nvSpPr>
+          <p:cNvPr id="4" name="슬라이드 번호 개체 틀 3"/>
+          <p:cNvSpPr>
+            <a:spLocks noGrp="1"/>
+          </p:cNvSpPr>
+          <p:nvPr>
+            <p:ph type="sldNum" sz="quarter" idx="5"/>
+          </p:nvPr>
+        </p:nvSpPr>
+        <p:spPr/>
+        <p:txBody>
+          <a:bodyPr/>
+          <a:lstStyle/>
+          <a:p>
+            <a:fld id="{0783281F-892B-614E-B792-481EB2F7C5B7}" type="slidenum">
+              <a:rPr kumimoji="1" lang="ko-KR" altLang="en-US" smtClean="0"/>
+              <a:t>2</a:t>
+            </a:fld>
+            <a:endParaRPr kumimoji="1" lang="ko-KR" altLang="en-US"/>
+          </a:p>
+        </p:txBody>
+      </p:sp>
+    </p:spTree>
+    <p:extLst>
+      <p:ext uri="{BB962C8B-B14F-4D97-AF65-F5344CB8AC3E}">
+        <p14:creationId xmlns:p14="http://schemas.microsoft.com/office/powerpoint/2010/main" val="3925639317"/>
+      </p:ext>
+    </p:extLst>
+  </p:cSld>
+  <p:clrMapOvr>
+    <a:masterClrMapping/>
+  </p:clrMapOvr>
+</p:notes>
+</file>
+
+<file path=ppt/notesSlides/notesSlide3.xml><?xml version="1.0" encoding="utf-8"?>
+<p:notes xmlns:a="http://schemas.openxmlformats.org/drawingml/2006/main" xmlns:r="http://schemas.openxmlformats.org/officeDocument/2006/relationships" xmlns:p="http://schemas.openxmlformats.org/presentationml/2006/main">
+  <p:cSld>
+    <p:spTree>
+      <p:nvGrpSpPr>
+        <p:cNvPr id="1" name=""/>
+        <p:cNvGrpSpPr/>
+        <p:nvPr/>
+      </p:nvGrpSpPr>
+      <p:grpSpPr>
+        <a:xfrm>
+          <a:off x="0" y="0"/>
+          <a:ext cx="0" cy="0"/>
+          <a:chOff x="0" y="0"/>
+          <a:chExt cx="0" cy="0"/>
+        </a:xfrm>
+      </p:grpSpPr>
+      <p:sp>
+        <p:nvSpPr>
+          <p:cNvPr id="2" name="슬라이드 이미지 개체 틀 1"/>
+          <p:cNvSpPr>
+            <a:spLocks noGrp="1" noRot="1" noChangeAspect="1"/>
+          </p:cNvSpPr>
+          <p:nvPr>
+            <p:ph type="sldImg"/>
+          </p:nvPr>
+        </p:nvSpPr>
+        <p:spPr/>
+      </p:sp>
+      <p:sp>
+        <p:nvSpPr>
+          <p:cNvPr id="3" name="슬라이드 노트 개체 틀 2"/>
+          <p:cNvSpPr>
+            <a:spLocks noGrp="1"/>
+          </p:cNvSpPr>
+          <p:nvPr>
+            <p:ph type="body" idx="1"/>
+          </p:nvPr>
+        </p:nvSpPr>
+        <p:spPr/>
+        <p:txBody>
+          <a:bodyPr/>
+          <a:lstStyle/>
+          <a:p>
+            <a:endParaRPr kumimoji="1" lang="ko-KR" altLang="en-US" dirty="0"/>
+          </a:p>
+        </p:txBody>
+      </p:sp>
+      <p:sp>
+        <p:nvSpPr>
+          <p:cNvPr id="4" name="슬라이드 번호 개체 틀 3"/>
+          <p:cNvSpPr>
+            <a:spLocks noGrp="1"/>
+          </p:cNvSpPr>
+          <p:nvPr>
+            <p:ph type="sldNum" sz="quarter" idx="5"/>
+          </p:nvPr>
+        </p:nvSpPr>
+        <p:spPr/>
+        <p:txBody>
+          <a:bodyPr/>
+          <a:lstStyle/>
+          <a:p>
+            <a:fld id="{0783281F-892B-614E-B792-481EB2F7C5B7}" type="slidenum">
+              <a:rPr kumimoji="1" lang="ko-KR" altLang="en-US" smtClean="0"/>
+              <a:t>3</a:t>
+            </a:fld>
+            <a:endParaRPr kumimoji="1" lang="ko-KR" altLang="en-US"/>
+          </a:p>
+        </p:txBody>
+      </p:sp>
+    </p:spTree>
+    <p:extLst>
+      <p:ext uri="{BB962C8B-B14F-4D97-AF65-F5344CB8AC3E}">
+        <p14:creationId xmlns:p14="http://schemas.microsoft.com/office/powerpoint/2010/main" val="1085063879"/>
+      </p:ext>
+    </p:extLst>
+  </p:cSld>
+  <p:clrMapOvr>
+    <a:masterClrMapping/>
+  </p:clrMapOvr>
+</p:notes>
+</file>
+
 <file path=ppt/slideLayouts/slideLayout1.xml><?xml version="1.0" encoding="utf-8"?>
 <p:sldLayout xmlns:a="http://schemas.openxmlformats.org/drawingml/2006/main" xmlns:r="http://schemas.openxmlformats.org/officeDocument/2006/relationships" xmlns:p="http://schemas.openxmlformats.org/presentationml/2006/main" type="title" preserve="1">
   <p:cSld name="제목 슬라이드">
@@ -610,7 +860,7 @@
           <a:p>
             <a:fld id="{D1CBEE32-551C-D044-9ECF-F871403689A5}" type="datetimeFigureOut">
               <a:rPr kumimoji="1" lang="ko-KR" altLang="en-US" smtClean="0"/>
-              <a:t>2019. 3. 1.</a:t>
+              <a:t>2019. 3. 7.</a:t>
             </a:fld>
             <a:endParaRPr kumimoji="1" lang="ko-KR" altLang="en-US"/>
           </a:p>
@@ -778,7 +1028,7 @@
           <a:p>
             <a:fld id="{D1CBEE32-551C-D044-9ECF-F871403689A5}" type="datetimeFigureOut">
               <a:rPr kumimoji="1" lang="ko-KR" altLang="en-US" smtClean="0"/>
-              <a:t>2019. 3. 1.</a:t>
+              <a:t>2019. 3. 7.</a:t>
             </a:fld>
             <a:endParaRPr kumimoji="1" lang="ko-KR" altLang="en-US"/>
           </a:p>
@@ -956,7 +1206,7 @@
           <a:p>
             <a:fld id="{D1CBEE32-551C-D044-9ECF-F871403689A5}" type="datetimeFigureOut">
               <a:rPr kumimoji="1" lang="ko-KR" altLang="en-US" smtClean="0"/>
-              <a:t>2019. 3. 1.</a:t>
+              <a:t>2019. 3. 7.</a:t>
             </a:fld>
             <a:endParaRPr kumimoji="1" lang="ko-KR" altLang="en-US"/>
           </a:p>
@@ -1124,7 +1374,7 @@
           <a:p>
             <a:fld id="{D1CBEE32-551C-D044-9ECF-F871403689A5}" type="datetimeFigureOut">
               <a:rPr kumimoji="1" lang="ko-KR" altLang="en-US" smtClean="0"/>
-              <a:t>2019. 3. 1.</a:t>
+              <a:t>2019. 3. 7.</a:t>
             </a:fld>
             <a:endParaRPr kumimoji="1" lang="ko-KR" altLang="en-US"/>
           </a:p>
@@ -1369,7 +1619,7 @@
           <a:p>
             <a:fld id="{D1CBEE32-551C-D044-9ECF-F871403689A5}" type="datetimeFigureOut">
               <a:rPr kumimoji="1" lang="ko-KR" altLang="en-US" smtClean="0"/>
-              <a:t>2019. 3. 1.</a:t>
+              <a:t>2019. 3. 7.</a:t>
             </a:fld>
             <a:endParaRPr kumimoji="1" lang="ko-KR" altLang="en-US"/>
           </a:p>
@@ -1598,7 +1848,7 @@
           <a:p>
             <a:fld id="{D1CBEE32-551C-D044-9ECF-F871403689A5}" type="datetimeFigureOut">
               <a:rPr kumimoji="1" lang="ko-KR" altLang="en-US" smtClean="0"/>
-              <a:t>2019. 3. 1.</a:t>
+              <a:t>2019. 3. 7.</a:t>
             </a:fld>
             <a:endParaRPr kumimoji="1" lang="ko-KR" altLang="en-US"/>
           </a:p>
@@ -1962,7 +2212,7 @@
           <a:p>
             <a:fld id="{D1CBEE32-551C-D044-9ECF-F871403689A5}" type="datetimeFigureOut">
               <a:rPr kumimoji="1" lang="ko-KR" altLang="en-US" smtClean="0"/>
-              <a:t>2019. 3. 1.</a:t>
+              <a:t>2019. 3. 7.</a:t>
             </a:fld>
             <a:endParaRPr kumimoji="1" lang="ko-KR" altLang="en-US"/>
           </a:p>
@@ -2079,7 +2329,7 @@
           <a:p>
             <a:fld id="{D1CBEE32-551C-D044-9ECF-F871403689A5}" type="datetimeFigureOut">
               <a:rPr kumimoji="1" lang="ko-KR" altLang="en-US" smtClean="0"/>
-              <a:t>2019. 3. 1.</a:t>
+              <a:t>2019. 3. 7.</a:t>
             </a:fld>
             <a:endParaRPr kumimoji="1" lang="ko-KR" altLang="en-US"/>
           </a:p>
@@ -2174,7 +2424,7 @@
           <a:p>
             <a:fld id="{D1CBEE32-551C-D044-9ECF-F871403689A5}" type="datetimeFigureOut">
               <a:rPr kumimoji="1" lang="ko-KR" altLang="en-US" smtClean="0"/>
-              <a:t>2019. 3. 1.</a:t>
+              <a:t>2019. 3. 7.</a:t>
             </a:fld>
             <a:endParaRPr kumimoji="1" lang="ko-KR" altLang="en-US"/>
           </a:p>
@@ -2449,7 +2699,7 @@
           <a:p>
             <a:fld id="{D1CBEE32-551C-D044-9ECF-F871403689A5}" type="datetimeFigureOut">
               <a:rPr kumimoji="1" lang="ko-KR" altLang="en-US" smtClean="0"/>
-              <a:t>2019. 3. 1.</a:t>
+              <a:t>2019. 3. 7.</a:t>
             </a:fld>
             <a:endParaRPr kumimoji="1" lang="ko-KR" altLang="en-US"/>
           </a:p>
@@ -2701,7 +2951,7 @@
           <a:p>
             <a:fld id="{D1CBEE32-551C-D044-9ECF-F871403689A5}" type="datetimeFigureOut">
               <a:rPr kumimoji="1" lang="ko-KR" altLang="en-US" smtClean="0"/>
-              <a:t>2019. 3. 1.</a:t>
+              <a:t>2019. 3. 7.</a:t>
             </a:fld>
             <a:endParaRPr kumimoji="1" lang="ko-KR" altLang="en-US"/>
           </a:p>
@@ -2912,7 +3162,7 @@
           <a:p>
             <a:fld id="{D1CBEE32-551C-D044-9ECF-F871403689A5}" type="datetimeFigureOut">
               <a:rPr kumimoji="1" lang="ko-KR" altLang="en-US" smtClean="0"/>
-              <a:t>2019. 3. 1.</a:t>
+              <a:t>2019. 3. 7.</a:t>
             </a:fld>
             <a:endParaRPr kumimoji="1" lang="ko-KR" altLang="en-US"/>
           </a:p>
@@ -3340,7 +3590,7 @@
             <p:nvPr/>
           </p:nvPicPr>
           <p:blipFill>
-            <a:blip r:embed="rId2">
+            <a:blip r:embed="rId3">
               <a:extLst>
                 <a:ext uri="{28A0092B-C50C-407E-A947-70E740481C1C}">
                   <a14:useLocalDpi xmlns:a14="http://schemas.microsoft.com/office/drawing/2010/main" val="0"/>
@@ -3370,7 +3620,7 @@
             <p:nvPr/>
           </p:nvPicPr>
           <p:blipFill>
-            <a:blip r:embed="rId3"/>
+            <a:blip r:embed="rId4"/>
             <a:stretch>
               <a:fillRect/>
             </a:stretch>
@@ -3394,7 +3644,7 @@
             <p:nvPr/>
           </p:nvPicPr>
           <p:blipFill>
-            <a:blip r:embed="rId4">
+            <a:blip r:embed="rId5">
               <a:extLst>
                 <a:ext uri="{28A0092B-C50C-407E-A947-70E740481C1C}">
                   <a14:useLocalDpi xmlns:a14="http://schemas.microsoft.com/office/drawing/2010/main" val="0"/>
@@ -3504,21 +3754,8 @@
                 <a:ea typeface="Seravek Light" charset="0"/>
                 <a:cs typeface="Seravek Light" charset="0"/>
               </a:rPr>
-              <a:t>Probability and </a:t>
-            </a:r>
-            <a:r>
-              <a:rPr lang="ko-KR" altLang="en-US" sz="1600" dirty="0" err="1">
-                <a:latin typeface="Seravek Light" charset="0"/>
-                <a:ea typeface="Seravek Light" charset="0"/>
-                <a:cs typeface="Seravek Light" charset="0"/>
-              </a:rPr>
-              <a:t>Statistics</a:t>
-            </a:r>
-            <a:endParaRPr lang="ko-KR" altLang="en-US" sz="1600" dirty="0">
-              <a:latin typeface="Seravek Light" charset="0"/>
-              <a:ea typeface="Seravek Light" charset="0"/>
-              <a:cs typeface="Seravek Light" charset="0"/>
-            </a:endParaRPr>
+              <a:t>Probability and Statistics</a:t>
+            </a:r>
           </a:p>
         </p:txBody>
       </p:sp>
@@ -3594,7 +3831,7 @@
                 <a:latin typeface="Seravek Light" charset="0"/>
                 <a:ea typeface="Seravek Light" charset="0"/>
                 <a:cs typeface="Seravek Light" charset="0"/>
-                <a:hlinkClick r:id="rId5"/>
+                <a:hlinkClick r:id="rId6"/>
               </a:rPr>
               <a:t>http://cocoanlab.github.io</a:t>
             </a:r>
@@ -3674,882 +3911,6 @@
 </file>
 
 <file path=ppt/slides/slide10.xml><?xml version="1.0" encoding="utf-8"?>
-<p:sld xmlns:a="http://schemas.openxmlformats.org/drawingml/2006/main" xmlns:r="http://schemas.openxmlformats.org/officeDocument/2006/relationships" xmlns:p="http://schemas.openxmlformats.org/presentationml/2006/main">
-  <p:cSld>
-    <p:spTree>
-      <p:nvGrpSpPr>
-        <p:cNvPr id="1" name=""/>
-        <p:cNvGrpSpPr/>
-        <p:nvPr/>
-      </p:nvGrpSpPr>
-      <p:grpSpPr>
-        <a:xfrm>
-          <a:off x="0" y="0"/>
-          <a:ext cx="0" cy="0"/>
-          <a:chOff x="0" y="0"/>
-          <a:chExt cx="0" cy="0"/>
-        </a:xfrm>
-      </p:grpSpPr>
-      <p:grpSp>
-        <p:nvGrpSpPr>
-          <p:cNvPr id="8" name="그룹 7"/>
-          <p:cNvGrpSpPr/>
-          <p:nvPr/>
-        </p:nvGrpSpPr>
-        <p:grpSpPr>
-          <a:xfrm>
-            <a:off x="10422294" y="6186196"/>
-            <a:ext cx="1661681" cy="671804"/>
-            <a:chOff x="18662" y="6209254"/>
-            <a:chExt cx="1661681" cy="671804"/>
-          </a:xfrm>
-        </p:grpSpPr>
-        <p:pic>
-          <p:nvPicPr>
-            <p:cNvPr id="5" name="그림 4"/>
-            <p:cNvPicPr>
-              <a:picLocks noChangeAspect="1"/>
-            </p:cNvPicPr>
-            <p:nvPr/>
-          </p:nvPicPr>
-          <p:blipFill>
-            <a:blip r:embed="rId2">
-              <a:extLst>
-                <a:ext uri="{28A0092B-C50C-407E-A947-70E740481C1C}">
-                  <a14:useLocalDpi xmlns:a14="http://schemas.microsoft.com/office/drawing/2010/main" val="0"/>
-                </a:ext>
-              </a:extLst>
-            </a:blip>
-            <a:stretch>
-              <a:fillRect/>
-            </a:stretch>
-          </p:blipFill>
-          <p:spPr>
-            <a:xfrm>
-              <a:off x="18662" y="6209254"/>
-              <a:ext cx="671804" cy="671804"/>
-            </a:xfrm>
-            <a:prstGeom prst="rect">
-              <a:avLst/>
-            </a:prstGeom>
-          </p:spPr>
-        </p:pic>
-        <p:pic>
-          <p:nvPicPr>
-            <p:cNvPr id="6" name="그림 5"/>
-            <p:cNvPicPr>
-              <a:picLocks noChangeAspect="1"/>
-            </p:cNvPicPr>
-            <p:nvPr/>
-          </p:nvPicPr>
-          <p:blipFill>
-            <a:blip r:embed="rId3"/>
-            <a:stretch>
-              <a:fillRect/>
-            </a:stretch>
-          </p:blipFill>
-          <p:spPr>
-            <a:xfrm>
-              <a:off x="625149" y="6262887"/>
-              <a:ext cx="597215" cy="517044"/>
-            </a:xfrm>
-            <a:prstGeom prst="rect">
-              <a:avLst/>
-            </a:prstGeom>
-          </p:spPr>
-        </p:pic>
-        <p:pic>
-          <p:nvPicPr>
-            <p:cNvPr id="7" name="그림 6"/>
-            <p:cNvPicPr>
-              <a:picLocks noChangeAspect="1"/>
-            </p:cNvPicPr>
-            <p:nvPr/>
-          </p:nvPicPr>
-          <p:blipFill>
-            <a:blip r:embed="rId4">
-              <a:extLst>
-                <a:ext uri="{28A0092B-C50C-407E-A947-70E740481C1C}">
-                  <a14:useLocalDpi xmlns:a14="http://schemas.microsoft.com/office/drawing/2010/main" val="0"/>
-                </a:ext>
-              </a:extLst>
-            </a:blip>
-            <a:stretch>
-              <a:fillRect/>
-            </a:stretch>
-          </p:blipFill>
-          <p:spPr>
-            <a:xfrm>
-              <a:off x="1241804" y="6322730"/>
-              <a:ext cx="438539" cy="438539"/>
-            </a:xfrm>
-            <a:prstGeom prst="rect">
-              <a:avLst/>
-            </a:prstGeom>
-          </p:spPr>
-        </p:pic>
-      </p:grpSp>
-      <p:sp>
-        <p:nvSpPr>
-          <p:cNvPr id="9" name="직사각형 8"/>
-          <p:cNvSpPr/>
-          <p:nvPr/>
-        </p:nvSpPr>
-        <p:spPr>
-          <a:xfrm>
-            <a:off x="0" y="0"/>
-            <a:ext cx="12192000" cy="102769"/>
-          </a:xfrm>
-          <a:prstGeom prst="rect">
-            <a:avLst/>
-          </a:prstGeom>
-          <a:solidFill>
-            <a:schemeClr val="accent6">
-              <a:lumMod val="60000"/>
-              <a:lumOff val="40000"/>
-            </a:schemeClr>
-          </a:solidFill>
-          <a:ln>
-            <a:noFill/>
-          </a:ln>
-        </p:spPr>
-        <p:style>
-          <a:lnRef idx="2">
-            <a:schemeClr val="accent1">
-              <a:shade val="50000"/>
-            </a:schemeClr>
-          </a:lnRef>
-          <a:fillRef idx="1">
-            <a:schemeClr val="accent1"/>
-          </a:fillRef>
-          <a:effectRef idx="0">
-            <a:schemeClr val="accent1"/>
-          </a:effectRef>
-          <a:fontRef idx="minor">
-            <a:schemeClr val="lt1"/>
-          </a:fontRef>
-        </p:style>
-        <p:txBody>
-          <a:bodyPr rtlCol="0" anchor="ctr"/>
-          <a:lstStyle/>
-          <a:p>
-            <a:pPr algn="ctr"/>
-            <a:endParaRPr kumimoji="1" lang="ko-KR" altLang="en-US" dirty="0">
-              <a:latin typeface="PT Sans Narrow" charset="-52"/>
-              <a:ea typeface="PT Sans Narrow" charset="-52"/>
-              <a:cs typeface="PT Sans Narrow" charset="-52"/>
-            </a:endParaRPr>
-          </a:p>
-        </p:txBody>
-      </p:sp>
-      <p:sp>
-        <p:nvSpPr>
-          <p:cNvPr id="10" name="직사각형 9"/>
-          <p:cNvSpPr/>
-          <p:nvPr/>
-        </p:nvSpPr>
-        <p:spPr>
-          <a:xfrm>
-            <a:off x="9894433" y="84109"/>
-            <a:ext cx="2301508" cy="276999"/>
-          </a:xfrm>
-          <a:prstGeom prst="rect">
-            <a:avLst/>
-          </a:prstGeom>
-        </p:spPr>
-        <p:txBody>
-          <a:bodyPr wrap="square">
-            <a:spAutoFit/>
-          </a:bodyPr>
-          <a:lstStyle/>
-          <a:p>
-            <a:pPr algn="r"/>
-            <a:r>
-              <a:rPr lang="en-US" altLang="ko-KR" sz="1200" dirty="0">
-                <a:latin typeface="Seravek Light" charset="0"/>
-                <a:ea typeface="Seravek Light" charset="0"/>
-                <a:cs typeface="Seravek Light" charset="0"/>
-              </a:rPr>
-              <a:t>Lecture </a:t>
-            </a:r>
-            <a:r>
-              <a:rPr lang="en-US" altLang="ko-KR" sz="1200">
-                <a:latin typeface="Seravek Light" charset="0"/>
-                <a:ea typeface="Seravek Light" charset="0"/>
-                <a:cs typeface="Seravek Light" charset="0"/>
-              </a:rPr>
-              <a:t>04   </a:t>
-            </a:r>
-            <a:endParaRPr lang="ko-KR" altLang="en-US" sz="1200" dirty="0">
-              <a:latin typeface="Seravek Light" charset="0"/>
-              <a:ea typeface="Seravek Light" charset="0"/>
-              <a:cs typeface="Seravek Light" charset="0"/>
-            </a:endParaRPr>
-          </a:p>
-        </p:txBody>
-      </p:sp>
-      <p:sp>
-        <p:nvSpPr>
-          <p:cNvPr id="11" name="직사각형 10"/>
-          <p:cNvSpPr/>
-          <p:nvPr/>
-        </p:nvSpPr>
-        <p:spPr>
-          <a:xfrm>
-            <a:off x="69202" y="6518941"/>
-            <a:ext cx="4169731" cy="261610"/>
-          </a:xfrm>
-          <a:prstGeom prst="rect">
-            <a:avLst/>
-          </a:prstGeom>
-        </p:spPr>
-        <p:txBody>
-          <a:bodyPr wrap="none">
-            <a:spAutoFit/>
-          </a:bodyPr>
-          <a:lstStyle/>
-          <a:p>
-            <a:r>
-              <a:rPr lang="en-US" altLang="ko-KR" sz="1100" dirty="0">
-                <a:latin typeface="Seravek Light" charset="0"/>
-                <a:ea typeface="Seravek Light" charset="0"/>
-                <a:cs typeface="Seravek Light" charset="0"/>
-              </a:rPr>
-              <a:t>CHOONG-WAN WOO  |  COCOAN lab  |  </a:t>
-            </a:r>
-            <a:r>
-              <a:rPr lang="en-US" altLang="ko-KR" sz="1100" dirty="0">
-                <a:latin typeface="Seravek Light" charset="0"/>
-                <a:ea typeface="Seravek Light" charset="0"/>
-                <a:cs typeface="Seravek Light" charset="0"/>
-                <a:hlinkClick r:id="rId5"/>
-              </a:rPr>
-              <a:t>http://cocoanlab.github.io</a:t>
-            </a:r>
-            <a:endParaRPr lang="en-US" altLang="ko-KR" sz="1100" dirty="0">
-              <a:latin typeface="Seravek Light" charset="0"/>
-              <a:ea typeface="Seravek Light" charset="0"/>
-              <a:cs typeface="Seravek Light" charset="0"/>
-            </a:endParaRPr>
-          </a:p>
-        </p:txBody>
-      </p:sp>
-      <p:sp>
-        <p:nvSpPr>
-          <p:cNvPr id="2" name="직사각형 1"/>
-          <p:cNvSpPr/>
-          <p:nvPr/>
-        </p:nvSpPr>
-        <p:spPr>
-          <a:xfrm>
-            <a:off x="216491" y="222608"/>
-            <a:ext cx="1463862" cy="523220"/>
-          </a:xfrm>
-          <a:prstGeom prst="rect">
-            <a:avLst/>
-          </a:prstGeom>
-        </p:spPr>
-        <p:txBody>
-          <a:bodyPr wrap="none">
-            <a:spAutoFit/>
-          </a:bodyPr>
-          <a:lstStyle/>
-          <a:p>
-            <a:r>
-              <a:rPr lang="en-US" altLang="ko-KR" sz="2800" dirty="0">
-                <a:latin typeface="Seravek" charset="0"/>
-                <a:ea typeface="Seravek" charset="0"/>
-                <a:cs typeface="Seravek" charset="0"/>
-              </a:rPr>
-              <a:t>z-Scores</a:t>
-            </a:r>
-            <a:endParaRPr lang="ko-KR" altLang="en-US" sz="2800" dirty="0">
-              <a:latin typeface="Seravek" charset="0"/>
-              <a:ea typeface="Seravek" charset="0"/>
-              <a:cs typeface="Seravek" charset="0"/>
-            </a:endParaRPr>
-          </a:p>
-        </p:txBody>
-      </p:sp>
-      <p:sp>
-        <p:nvSpPr>
-          <p:cNvPr id="13" name="텍스트 상자 12"/>
-          <p:cNvSpPr txBox="1"/>
-          <p:nvPr/>
-        </p:nvSpPr>
-        <p:spPr>
-          <a:xfrm>
-            <a:off x="1136286" y="989045"/>
-            <a:ext cx="4896533" cy="4081117"/>
-          </a:xfrm>
-          <a:prstGeom prst="rect">
-            <a:avLst/>
-          </a:prstGeom>
-          <a:noFill/>
-        </p:spPr>
-        <p:txBody>
-          <a:bodyPr wrap="none" rtlCol="0">
-            <a:spAutoFit/>
-          </a:bodyPr>
-          <a:lstStyle/>
-          <a:p>
-            <a:pPr marL="314325" indent="-314325">
-              <a:lnSpc>
-                <a:spcPct val="160000"/>
-              </a:lnSpc>
-              <a:buFont typeface="Arial" charset="0"/>
-              <a:buChar char="•"/>
-            </a:pPr>
-            <a:r>
-              <a:rPr lang="en-US" altLang="ko-KR" dirty="0">
-                <a:latin typeface="Seravek Light" charset="0"/>
-                <a:ea typeface="Seravek Light" charset="0"/>
-                <a:cs typeface="Seravek Light" charset="0"/>
-              </a:rPr>
-              <a:t>To compare different values in different units,</a:t>
-            </a:r>
-          </a:p>
-          <a:p>
-            <a:pPr marL="314325" indent="-314325">
-              <a:lnSpc>
-                <a:spcPct val="160000"/>
-              </a:lnSpc>
-              <a:buFont typeface="Arial" charset="0"/>
-              <a:buChar char="•"/>
-            </a:pPr>
-            <a:r>
-              <a:rPr lang="en-US" altLang="ko-KR" dirty="0">
-                <a:latin typeface="Seravek Light" charset="0"/>
-                <a:ea typeface="Seravek Light" charset="0"/>
-                <a:cs typeface="Seravek Light" charset="0"/>
-              </a:rPr>
-              <a:t>the values should be </a:t>
-            </a:r>
-            <a:r>
-              <a:rPr lang="en-US" altLang="ko-KR" i="1" dirty="0">
-                <a:solidFill>
-                  <a:srgbClr val="C00000"/>
-                </a:solidFill>
-                <a:latin typeface="Seravek Light" charset="0"/>
-                <a:ea typeface="Seravek Light" charset="0"/>
-                <a:cs typeface="Seravek Light" charset="0"/>
-              </a:rPr>
-              <a:t>standardized!</a:t>
-            </a:r>
-          </a:p>
-          <a:p>
-            <a:pPr marL="314325" indent="-314325">
-              <a:lnSpc>
-                <a:spcPct val="160000"/>
-              </a:lnSpc>
-              <a:buFont typeface="Arial" charset="0"/>
-              <a:buChar char="•"/>
-            </a:pPr>
-            <a:endParaRPr lang="en-US" altLang="ko-KR" i="1" dirty="0">
-              <a:solidFill>
-                <a:srgbClr val="C00000"/>
-              </a:solidFill>
-              <a:latin typeface="Seravek Light" charset="0"/>
-              <a:ea typeface="Seravek Light" charset="0"/>
-              <a:cs typeface="Seravek Light" charset="0"/>
-            </a:endParaRPr>
-          </a:p>
-          <a:p>
-            <a:pPr marL="314325" indent="-314325">
-              <a:lnSpc>
-                <a:spcPct val="160000"/>
-              </a:lnSpc>
-              <a:buFont typeface="Arial" charset="0"/>
-              <a:buChar char="•"/>
-            </a:pPr>
-            <a:endParaRPr lang="en-US" altLang="ko-KR" i="1" dirty="0">
-              <a:solidFill>
-                <a:srgbClr val="C00000"/>
-              </a:solidFill>
-              <a:latin typeface="Seravek Light" charset="0"/>
-              <a:ea typeface="Seravek Light" charset="0"/>
-              <a:cs typeface="Seravek Light" charset="0"/>
-            </a:endParaRPr>
-          </a:p>
-          <a:p>
-            <a:pPr marL="771525" lvl="1" indent="-314325">
-              <a:lnSpc>
-                <a:spcPct val="160000"/>
-              </a:lnSpc>
-              <a:buFont typeface="Wingdings" charset="2"/>
-              <a:buChar char="§"/>
-            </a:pPr>
-            <a:r>
-              <a:rPr lang="en-US" altLang="ko-KR" dirty="0">
-                <a:latin typeface="Seravek Light" charset="0"/>
-                <a:ea typeface="Seravek Light" charset="0"/>
-                <a:cs typeface="Seravek Light" charset="0"/>
-              </a:rPr>
-              <a:t>standardized values</a:t>
-            </a:r>
-          </a:p>
-          <a:p>
-            <a:pPr marL="771525" lvl="1" indent="-314325">
-              <a:lnSpc>
-                <a:spcPct val="160000"/>
-              </a:lnSpc>
-              <a:buFont typeface="Wingdings" charset="2"/>
-              <a:buChar char="§"/>
-            </a:pPr>
-            <a:r>
-              <a:rPr lang="en-US" altLang="ko-KR" i="1" dirty="0">
-                <a:latin typeface="Seravek Light" charset="0"/>
-                <a:ea typeface="Seravek Light" charset="0"/>
-                <a:cs typeface="Seravek Light" charset="0"/>
-              </a:rPr>
-              <a:t>z</a:t>
-            </a:r>
-            <a:r>
-              <a:rPr lang="en-US" altLang="ko-KR" dirty="0">
-                <a:latin typeface="Seravek Light" charset="0"/>
-                <a:ea typeface="Seravek Light" charset="0"/>
-                <a:cs typeface="Seravek Light" charset="0"/>
-              </a:rPr>
-              <a:t>-scores</a:t>
-            </a:r>
-          </a:p>
-          <a:p>
-            <a:pPr marL="771525" lvl="1" indent="-314325">
-              <a:lnSpc>
-                <a:spcPct val="160000"/>
-              </a:lnSpc>
-              <a:buFont typeface="Wingdings" charset="2"/>
-              <a:buChar char="§"/>
-            </a:pPr>
-            <a:r>
-              <a:rPr lang="en-US" altLang="ko-KR" dirty="0">
-                <a:latin typeface="Seravek Light" charset="0"/>
-                <a:ea typeface="Seravek Light" charset="0"/>
-                <a:cs typeface="Seravek Light" charset="0"/>
-              </a:rPr>
-              <a:t>= using standard deviation as a </a:t>
-            </a:r>
-            <a:r>
-              <a:rPr lang="en-US" altLang="ko-KR" dirty="0">
-                <a:solidFill>
-                  <a:srgbClr val="C00000"/>
-                </a:solidFill>
-                <a:latin typeface="Seravek Light" charset="0"/>
-                <a:ea typeface="Seravek Light" charset="0"/>
-                <a:cs typeface="Seravek Light" charset="0"/>
-              </a:rPr>
-              <a:t>ruler</a:t>
-            </a:r>
-            <a:r>
-              <a:rPr lang="en-US" altLang="ko-KR" dirty="0">
-                <a:latin typeface="Seravek Light" charset="0"/>
-                <a:ea typeface="Seravek Light" charset="0"/>
-                <a:cs typeface="Seravek Light" charset="0"/>
-              </a:rPr>
-              <a:t>!</a:t>
-            </a:r>
-          </a:p>
-          <a:p>
-            <a:pPr marL="314325" indent="-314325">
-              <a:lnSpc>
-                <a:spcPct val="160000"/>
-              </a:lnSpc>
-              <a:buFont typeface="Arial" charset="0"/>
-              <a:buChar char="•"/>
-            </a:pPr>
-            <a:endParaRPr lang="en-US" altLang="ko-KR" dirty="0">
-              <a:latin typeface="Seravek Light" charset="0"/>
-              <a:ea typeface="Seravek Light" charset="0"/>
-              <a:cs typeface="Seravek Light" charset="0"/>
-            </a:endParaRPr>
-          </a:p>
-          <a:p>
-            <a:pPr marL="314325" indent="-314325">
-              <a:lnSpc>
-                <a:spcPct val="160000"/>
-              </a:lnSpc>
-              <a:buFont typeface="Arial" charset="0"/>
-              <a:buChar char="•"/>
-            </a:pPr>
-            <a:r>
-              <a:rPr lang="en-US" altLang="ko-KR" dirty="0">
-                <a:latin typeface="Seravek Light" charset="0"/>
-                <a:ea typeface="Seravek Light" charset="0"/>
-                <a:cs typeface="Seravek Light" charset="0"/>
-              </a:rPr>
-              <a:t>Two elements: </a:t>
-            </a:r>
-            <a:r>
-              <a:rPr lang="en-US" altLang="ko-KR" dirty="0">
-                <a:solidFill>
-                  <a:srgbClr val="C00000"/>
-                </a:solidFill>
-                <a:latin typeface="Seravek Light" charset="0"/>
-                <a:ea typeface="Seravek Light" charset="0"/>
-                <a:cs typeface="Seravek Light" charset="0"/>
-              </a:rPr>
-              <a:t>shifting</a:t>
-            </a:r>
-            <a:r>
-              <a:rPr lang="en-US" altLang="ko-KR" dirty="0">
-                <a:latin typeface="Seravek Light" charset="0"/>
-                <a:ea typeface="Seravek Light" charset="0"/>
-                <a:cs typeface="Seravek Light" charset="0"/>
-              </a:rPr>
-              <a:t> and </a:t>
-            </a:r>
-            <a:r>
-              <a:rPr lang="en-US" altLang="ko-KR" dirty="0">
-                <a:solidFill>
-                  <a:srgbClr val="C00000"/>
-                </a:solidFill>
-                <a:latin typeface="Seravek Light" charset="0"/>
-                <a:ea typeface="Seravek Light" charset="0"/>
-                <a:cs typeface="Seravek Light" charset="0"/>
-              </a:rPr>
-              <a:t>scaling</a:t>
-            </a:r>
-          </a:p>
-        </p:txBody>
-      </p:sp>
-      <p:pic>
-        <p:nvPicPr>
-          <p:cNvPr id="3" name="그림 2"/>
-          <p:cNvPicPr>
-            <a:picLocks noChangeAspect="1"/>
-          </p:cNvPicPr>
-          <p:nvPr/>
-        </p:nvPicPr>
-        <p:blipFill>
-          <a:blip r:embed="rId6"/>
-          <a:stretch>
-            <a:fillRect/>
-          </a:stretch>
-        </p:blipFill>
-        <p:spPr>
-          <a:xfrm>
-            <a:off x="1587047" y="1941828"/>
-            <a:ext cx="1347696" cy="845956"/>
-          </a:xfrm>
-          <a:prstGeom prst="rect">
-            <a:avLst/>
-          </a:prstGeom>
-        </p:spPr>
-      </p:pic>
-    </p:spTree>
-    <p:extLst>
-      <p:ext uri="{BB962C8B-B14F-4D97-AF65-F5344CB8AC3E}">
-        <p14:creationId xmlns:p14="http://schemas.microsoft.com/office/powerpoint/2010/main" val="865846821"/>
-      </p:ext>
-    </p:extLst>
-  </p:cSld>
-  <p:clrMapOvr>
-    <a:masterClrMapping/>
-  </p:clrMapOvr>
-  <p:timing>
-    <p:tnLst>
-      <p:par>
-        <p:cTn id="1" dur="indefinite" restart="never" nodeType="tmRoot">
-          <p:childTnLst>
-            <p:seq concurrent="1" nextAc="seek">
-              <p:cTn id="2" dur="indefinite" nodeType="mainSeq">
-                <p:childTnLst>
-                  <p:par>
-                    <p:cTn id="3" fill="hold">
-                      <p:stCondLst>
-                        <p:cond delay="indefinite"/>
-                      </p:stCondLst>
-                      <p:childTnLst>
-                        <p:par>
-                          <p:cTn id="4" fill="hold">
-                            <p:stCondLst>
-                              <p:cond delay="0"/>
-                            </p:stCondLst>
-                            <p:childTnLst>
-                              <p:par>
-                                <p:cTn id="5" presetID="1" presetClass="entr" presetSubtype="0" fill="hold" grpId="0" nodeType="clickEffect">
-                                  <p:stCondLst>
-                                    <p:cond delay="0"/>
-                                  </p:stCondLst>
-                                  <p:childTnLst>
-                                    <p:set>
-                                      <p:cBhvr>
-                                        <p:cTn id="6" dur="1" fill="hold">
-                                          <p:stCondLst>
-                                            <p:cond delay="0"/>
-                                          </p:stCondLst>
-                                        </p:cTn>
-                                        <p:tgtEl>
-                                          <p:spTgt spid="13">
-                                            <p:txEl>
-                                              <p:pRg st="0" end="0"/>
-                                            </p:txEl>
-                                          </p:spTgt>
-                                        </p:tgtEl>
-                                        <p:attrNameLst>
-                                          <p:attrName>style.visibility</p:attrName>
-                                        </p:attrNameLst>
-                                      </p:cBhvr>
-                                      <p:to>
-                                        <p:strVal val="visible"/>
-                                      </p:to>
-                                    </p:set>
-                                  </p:childTnLst>
-                                </p:cTn>
-                              </p:par>
-                            </p:childTnLst>
-                          </p:cTn>
-                        </p:par>
-                      </p:childTnLst>
-                    </p:cTn>
-                  </p:par>
-                  <p:par>
-                    <p:cTn id="7" fill="hold">
-                      <p:stCondLst>
-                        <p:cond delay="indefinite"/>
-                      </p:stCondLst>
-                      <p:childTnLst>
-                        <p:par>
-                          <p:cTn id="8" fill="hold">
-                            <p:stCondLst>
-                              <p:cond delay="0"/>
-                            </p:stCondLst>
-                            <p:childTnLst>
-                              <p:par>
-                                <p:cTn id="9" presetID="1" presetClass="entr" presetSubtype="0" fill="hold" grpId="0" nodeType="clickEffect">
-                                  <p:stCondLst>
-                                    <p:cond delay="0"/>
-                                  </p:stCondLst>
-                                  <p:childTnLst>
-                                    <p:set>
-                                      <p:cBhvr>
-                                        <p:cTn id="10" dur="1" fill="hold">
-                                          <p:stCondLst>
-                                            <p:cond delay="0"/>
-                                          </p:stCondLst>
-                                        </p:cTn>
-                                        <p:tgtEl>
-                                          <p:spTgt spid="13">
-                                            <p:txEl>
-                                              <p:pRg st="1" end="1"/>
-                                            </p:txEl>
-                                          </p:spTgt>
-                                        </p:tgtEl>
-                                        <p:attrNameLst>
-                                          <p:attrName>style.visibility</p:attrName>
-                                        </p:attrNameLst>
-                                      </p:cBhvr>
-                                      <p:to>
-                                        <p:strVal val="visible"/>
-                                      </p:to>
-                                    </p:set>
-                                  </p:childTnLst>
-                                </p:cTn>
-                              </p:par>
-                              <p:par>
-                                <p:cTn id="11" presetID="1" presetClass="entr" presetSubtype="0" fill="hold" nodeType="withEffect">
-                                  <p:stCondLst>
-                                    <p:cond delay="0"/>
-                                  </p:stCondLst>
-                                  <p:childTnLst>
-                                    <p:set>
-                                      <p:cBhvr>
-                                        <p:cTn id="12" dur="1" fill="hold">
-                                          <p:stCondLst>
-                                            <p:cond delay="0"/>
-                                          </p:stCondLst>
-                                        </p:cTn>
-                                        <p:tgtEl>
-                                          <p:spTgt spid="3"/>
-                                        </p:tgtEl>
-                                        <p:attrNameLst>
-                                          <p:attrName>style.visibility</p:attrName>
-                                        </p:attrNameLst>
-                                      </p:cBhvr>
-                                      <p:to>
-                                        <p:strVal val="visible"/>
-                                      </p:to>
-                                    </p:set>
-                                  </p:childTnLst>
-                                </p:cTn>
-                              </p:par>
-                              <p:par>
-                                <p:cTn id="13" presetID="1" presetClass="entr" presetSubtype="0" fill="hold" grpId="0" nodeType="withEffect">
-                                  <p:stCondLst>
-                                    <p:cond delay="0"/>
-                                  </p:stCondLst>
-                                  <p:childTnLst>
-                                    <p:set>
-                                      <p:cBhvr>
-                                        <p:cTn id="14" dur="1" fill="hold">
-                                          <p:stCondLst>
-                                            <p:cond delay="0"/>
-                                          </p:stCondLst>
-                                        </p:cTn>
-                                        <p:tgtEl>
-                                          <p:spTgt spid="13">
-                                            <p:txEl>
-                                              <p:pRg st="4" end="4"/>
-                                            </p:txEl>
-                                          </p:spTgt>
-                                        </p:tgtEl>
-                                        <p:attrNameLst>
-                                          <p:attrName>style.visibility</p:attrName>
-                                        </p:attrNameLst>
-                                      </p:cBhvr>
-                                      <p:to>
-                                        <p:strVal val="visible"/>
-                                      </p:to>
-                                    </p:set>
-                                  </p:childTnLst>
-                                </p:cTn>
-                              </p:par>
-                              <p:par>
-                                <p:cTn id="15" presetID="1" presetClass="entr" presetSubtype="0" fill="hold" grpId="0" nodeType="withEffect">
-                                  <p:stCondLst>
-                                    <p:cond delay="0"/>
-                                  </p:stCondLst>
-                                  <p:childTnLst>
-                                    <p:set>
-                                      <p:cBhvr>
-                                        <p:cTn id="16" dur="1" fill="hold">
-                                          <p:stCondLst>
-                                            <p:cond delay="0"/>
-                                          </p:stCondLst>
-                                        </p:cTn>
-                                        <p:tgtEl>
-                                          <p:spTgt spid="13">
-                                            <p:txEl>
-                                              <p:pRg st="5" end="5"/>
-                                            </p:txEl>
-                                          </p:spTgt>
-                                        </p:tgtEl>
-                                        <p:attrNameLst>
-                                          <p:attrName>style.visibility</p:attrName>
-                                        </p:attrNameLst>
-                                      </p:cBhvr>
-                                      <p:to>
-                                        <p:strVal val="visible"/>
-                                      </p:to>
-                                    </p:set>
-                                  </p:childTnLst>
-                                </p:cTn>
-                              </p:par>
-                              <p:par>
-                                <p:cTn id="17" presetID="1" presetClass="entr" presetSubtype="0" fill="hold" grpId="0" nodeType="withEffect">
-                                  <p:stCondLst>
-                                    <p:cond delay="0"/>
-                                  </p:stCondLst>
-                                  <p:childTnLst>
-                                    <p:set>
-                                      <p:cBhvr>
-                                        <p:cTn id="18" dur="1" fill="hold">
-                                          <p:stCondLst>
-                                            <p:cond delay="0"/>
-                                          </p:stCondLst>
-                                        </p:cTn>
-                                        <p:tgtEl>
-                                          <p:spTgt spid="13">
-                                            <p:txEl>
-                                              <p:pRg st="6" end="6"/>
-                                            </p:txEl>
-                                          </p:spTgt>
-                                        </p:tgtEl>
-                                        <p:attrNameLst>
-                                          <p:attrName>style.visibility</p:attrName>
-                                        </p:attrNameLst>
-                                      </p:cBhvr>
-                                      <p:to>
-                                        <p:strVal val="visible"/>
-                                      </p:to>
-                                    </p:set>
-                                  </p:childTnLst>
-                                </p:cTn>
-                              </p:par>
-                            </p:childTnLst>
-                          </p:cTn>
-                        </p:par>
-                      </p:childTnLst>
-                    </p:cTn>
-                  </p:par>
-                  <p:par>
-                    <p:cTn id="19" fill="hold">
-                      <p:stCondLst>
-                        <p:cond delay="indefinite"/>
-                      </p:stCondLst>
-                      <p:childTnLst>
-                        <p:par>
-                          <p:cTn id="20" fill="hold">
-                            <p:stCondLst>
-                              <p:cond delay="0"/>
-                            </p:stCondLst>
-                            <p:childTnLst>
-                              <p:par>
-                                <p:cTn id="21" presetID="1" presetClass="entr" presetSubtype="0" fill="hold" grpId="0" nodeType="clickEffect">
-                                  <p:stCondLst>
-                                    <p:cond delay="0"/>
-                                  </p:stCondLst>
-                                  <p:childTnLst>
-                                    <p:set>
-                                      <p:cBhvr>
-                                        <p:cTn id="22" dur="1" fill="hold">
-                                          <p:stCondLst>
-                                            <p:cond delay="0"/>
-                                          </p:stCondLst>
-                                        </p:cTn>
-                                        <p:tgtEl>
-                                          <p:spTgt spid="13">
-                                            <p:txEl>
-                                              <p:pRg st="8" end="8"/>
-                                            </p:txEl>
-                                          </p:spTgt>
-                                        </p:tgtEl>
-                                        <p:attrNameLst>
-                                          <p:attrName>style.visibility</p:attrName>
-                                        </p:attrNameLst>
-                                      </p:cBhvr>
-                                      <p:to>
-                                        <p:strVal val="visible"/>
-                                      </p:to>
-                                    </p:set>
-                                  </p:childTnLst>
-                                </p:cTn>
-                              </p:par>
-                            </p:childTnLst>
-                          </p:cTn>
-                        </p:par>
-                      </p:childTnLst>
-                    </p:cTn>
-                  </p:par>
-                </p:childTnLst>
-              </p:cTn>
-              <p:prevCondLst>
-                <p:cond evt="onPrev" delay="0">
-                  <p:tgtEl>
-                    <p:sldTgt/>
-                  </p:tgtEl>
-                </p:cond>
-              </p:prevCondLst>
-              <p:nextCondLst>
-                <p:cond evt="onNext" delay="0">
-                  <p:tgtEl>
-                    <p:sldTgt/>
-                  </p:tgtEl>
-                </p:cond>
-              </p:nextCondLst>
-            </p:seq>
-          </p:childTnLst>
-        </p:cTn>
-      </p:par>
-    </p:tnLst>
-    <p:bldLst>
-      <p:bldP spid="13" grpId="0" uiExpand="1" build="p"/>
-    </p:bldLst>
-  </p:timing>
-</p:sld>
-</file>
-
-<file path=ppt/slides/slide11.xml><?xml version="1.0" encoding="utf-8"?>
 <p:sld xmlns:a="http://schemas.openxmlformats.org/drawingml/2006/main" xmlns:r="http://schemas.openxmlformats.org/officeDocument/2006/relationships" xmlns:p="http://schemas.openxmlformats.org/presentationml/2006/main">
   <p:cSld>
     <p:spTree>
@@ -5341,7 +4702,7 @@
 </p:sld>
 </file>
 
-<file path=ppt/slides/slide12.xml><?xml version="1.0" encoding="utf-8"?>
+<file path=ppt/slides/slide11.xml><?xml version="1.0" encoding="utf-8"?>
 <p:sld xmlns:a="http://schemas.openxmlformats.org/drawingml/2006/main" xmlns:r="http://schemas.openxmlformats.org/officeDocument/2006/relationships" xmlns:p="http://schemas.openxmlformats.org/presentationml/2006/main">
   <p:cSld>
     <p:spTree>
@@ -6244,10 +5605,10 @@
               <a:prstGeom prst="rect">
                 <a:avLst/>
               </a:prstGeom>
-              <a:blipFill rotWithShape="0">
+              <a:blipFill>
                 <a:blip r:embed="rId6"/>
                 <a:stretch>
-                  <a:fillRect l="-418"/>
+                  <a:fillRect l="-290"/>
                 </a:stretch>
               </a:blipFill>
             </p:spPr>
@@ -6954,7 +6315,7 @@
 </p:sld>
 </file>
 
-<file path=ppt/slides/slide13.xml><?xml version="1.0" encoding="utf-8"?>
+<file path=ppt/slides/slide12.xml><?xml version="1.0" encoding="utf-8"?>
 <p:sld xmlns:a="http://schemas.openxmlformats.org/drawingml/2006/main" xmlns:r="http://schemas.openxmlformats.org/officeDocument/2006/relationships" xmlns:p="http://schemas.openxmlformats.org/presentationml/2006/main">
   <p:cSld>
     <p:spTree>
@@ -7261,7 +6622,7 @@
         <p:spPr>
           <a:xfrm>
             <a:off x="1136286" y="989045"/>
-            <a:ext cx="7123104" cy="3194721"/>
+            <a:ext cx="7123104" cy="2704202"/>
           </a:xfrm>
           <a:prstGeom prst="rect">
             <a:avLst/>
@@ -7421,37 +6782,10 @@
             </a:r>
           </a:p>
           <a:p>
-            <a:pPr marL="771525" lvl="1" indent="-314325">
+            <a:pPr lvl="1">
               <a:lnSpc>
                 <a:spcPct val="160000"/>
               </a:lnSpc>
-              <a:buFont typeface="Arial" charset="0"/>
-              <a:buChar char="•"/>
-            </a:pPr>
-            <a:r>
-              <a:rPr lang="en-US" altLang="ko-KR" dirty="0">
-                <a:latin typeface="Seravek Light" charset="0"/>
-                <a:ea typeface="Seravek Light" charset="0"/>
-                <a:cs typeface="Seravek Light" charset="0"/>
-              </a:rPr>
-              <a:t>and also by checking the associated </a:t>
-            </a:r>
-            <a:r>
-              <a:rPr lang="en-US" altLang="ko-KR" i="1" dirty="0">
-                <a:latin typeface="Seravek Light" charset="0"/>
-                <a:ea typeface="Seravek Light" charset="0"/>
-                <a:cs typeface="Seravek Light" charset="0"/>
-              </a:rPr>
-              <a:t>conditions</a:t>
-            </a:r>
-          </a:p>
-          <a:p>
-            <a:pPr marL="771525" lvl="1" indent="-314325">
-              <a:lnSpc>
-                <a:spcPct val="160000"/>
-              </a:lnSpc>
-              <a:buFont typeface="Arial" charset="0"/>
-              <a:buChar char="•"/>
             </a:pPr>
             <a:endParaRPr lang="en-US" altLang="ko-KR" dirty="0">
               <a:latin typeface="Seravek Light" charset="0"/>
@@ -7675,55 +7009,6 @@
                       </p:childTnLst>
                     </p:cTn>
                   </p:par>
-                  <p:par>
-                    <p:cTn id="19" fill="hold">
-                      <p:stCondLst>
-                        <p:cond delay="indefinite"/>
-                      </p:stCondLst>
-                      <p:childTnLst>
-                        <p:par>
-                          <p:cTn id="20" fill="hold">
-                            <p:stCondLst>
-                              <p:cond delay="0"/>
-                            </p:stCondLst>
-                            <p:childTnLst>
-                              <p:par>
-                                <p:cTn id="21" presetID="1" presetClass="entr" presetSubtype="0" fill="hold" grpId="0" nodeType="clickEffect">
-                                  <p:stCondLst>
-                                    <p:cond delay="0"/>
-                                  </p:stCondLst>
-                                  <p:childTnLst>
-                                    <p:set>
-                                      <p:cBhvr>
-                                        <p:cTn id="22" dur="1" fill="hold">
-                                          <p:stCondLst>
-                                            <p:cond delay="0"/>
-                                          </p:stCondLst>
-                                        </p:cTn>
-                                        <p:tgtEl>
-                                          <p:spTgt spid="17">
-                                            <p:txEl>
-                                              <p:pRg st="5" end="5"/>
-                                            </p:txEl>
-                                          </p:spTgt>
-                                        </p:tgtEl>
-                                        <p:attrNameLst>
-                                          <p:attrName>style.visibility</p:attrName>
-                                        </p:attrNameLst>
-                                      </p:cBhvr>
-                                      <p:to>
-                                        <p:strVal val="visible"/>
-                                      </p:to>
-                                    </p:set>
-                                  </p:childTnLst>
-                                </p:cTn>
-                              </p:par>
-                            </p:childTnLst>
-                          </p:cTn>
-                        </p:par>
-                      </p:childTnLst>
-                    </p:cTn>
-                  </p:par>
                 </p:childTnLst>
               </p:cTn>
               <p:prevCondLst>
@@ -7752,7 +7037,7 @@
 </p:sld>
 </file>
 
-<file path=ppt/slides/slide14.xml><?xml version="1.0" encoding="utf-8"?>
+<file path=ppt/slides/slide13.xml><?xml version="1.0" encoding="utf-8"?>
 <p:sld xmlns:a="http://schemas.openxmlformats.org/drawingml/2006/main" xmlns:r="http://schemas.openxmlformats.org/officeDocument/2006/relationships" xmlns:p="http://schemas.openxmlformats.org/presentationml/2006/main">
   <p:cSld>
     <p:spTree>
@@ -8187,6 +7472,36 @@
           </a:p>
         </p:txBody>
       </p:sp>
+      <p:pic>
+        <p:nvPicPr>
+          <p:cNvPr id="12" name="그림 11">
+            <a:extLst>
+              <a:ext uri="{FF2B5EF4-FFF2-40B4-BE49-F238E27FC236}">
+                <a16:creationId xmlns:a16="http://schemas.microsoft.com/office/drawing/2014/main" id="{9C35C3BD-96A6-9948-A947-CAEE1A6AEEAC}"/>
+              </a:ext>
+            </a:extLst>
+          </p:cNvPr>
+          <p:cNvPicPr>
+            <a:picLocks noChangeAspect="1"/>
+          </p:cNvPicPr>
+          <p:nvPr/>
+        </p:nvPicPr>
+        <p:blipFill>
+          <a:blip r:embed="rId7"/>
+          <a:stretch>
+            <a:fillRect/>
+          </a:stretch>
+        </p:blipFill>
+        <p:spPr>
+          <a:xfrm>
+            <a:off x="8345312" y="2034505"/>
+            <a:ext cx="3086100" cy="850900"/>
+          </a:xfrm>
+          <a:prstGeom prst="rect">
+            <a:avLst/>
+          </a:prstGeom>
+        </p:spPr>
+      </p:pic>
     </p:spTree>
     <p:extLst>
       <p:ext uri="{BB962C8B-B14F-4D97-AF65-F5344CB8AC3E}">
@@ -8377,7 +7692,7 @@
 </p:sld>
 </file>
 
-<file path=ppt/slides/slide15.xml><?xml version="1.0" encoding="utf-8"?>
+<file path=ppt/slides/slide14.xml><?xml version="1.0" encoding="utf-8"?>
 <p:sld xmlns:a="http://schemas.openxmlformats.org/drawingml/2006/main" xmlns:r="http://schemas.openxmlformats.org/officeDocument/2006/relationships" xmlns:p="http://schemas.openxmlformats.org/presentationml/2006/main">
   <p:cSld>
     <p:spTree>
@@ -8865,7 +8180,7 @@
         </p:blipFill>
         <p:spPr>
           <a:xfrm>
-            <a:off x="3138033" y="4398867"/>
+            <a:off x="4636559" y="4326296"/>
             <a:ext cx="6261596" cy="4501757"/>
           </a:xfrm>
           <a:prstGeom prst="rect">
@@ -8883,6 +8198,52 @@
           </a:effectLst>
         </p:spPr>
       </p:pic>
+      <p:sp>
+        <p:nvSpPr>
+          <p:cNvPr id="14" name="텍스트 상자 15">
+            <a:extLst>
+              <a:ext uri="{FF2B5EF4-FFF2-40B4-BE49-F238E27FC236}">
+                <a16:creationId xmlns:a16="http://schemas.microsoft.com/office/drawing/2014/main" id="{4351119E-8B14-9341-A7DB-C9E87790CA20}"/>
+              </a:ext>
+            </a:extLst>
+          </p:cNvPr>
+          <p:cNvSpPr txBox="1"/>
+          <p:nvPr/>
+        </p:nvSpPr>
+        <p:spPr>
+          <a:xfrm>
+            <a:off x="1136286" y="4991255"/>
+            <a:ext cx="3296415" cy="535531"/>
+          </a:xfrm>
+          <a:prstGeom prst="rect">
+            <a:avLst/>
+          </a:prstGeom>
+          <a:noFill/>
+        </p:spPr>
+        <p:txBody>
+          <a:bodyPr wrap="none" rtlCol="0">
+            <a:spAutoFit/>
+          </a:bodyPr>
+          <a:lstStyle/>
+          <a:p>
+            <a:pPr marL="314325" indent="-314325">
+              <a:lnSpc>
+                <a:spcPct val="160000"/>
+              </a:lnSpc>
+              <a:buFont typeface="Arial" charset="0"/>
+              <a:buChar char="•"/>
+            </a:pPr>
+            <a:r>
+              <a:rPr lang="en-US" altLang="ko-KR" dirty="0">
+                <a:latin typeface="Seravek Light" charset="0"/>
+                <a:ea typeface="Seravek Light" charset="0"/>
+                <a:cs typeface="Seravek Light" charset="0"/>
+              </a:rPr>
+              <a:t>p-to-z is same: Table Z again.</a:t>
+            </a:r>
+          </a:p>
+        </p:txBody>
+      </p:sp>
     </p:spTree>
     <p:extLst>
       <p:ext uri="{BB962C8B-B14F-4D97-AF65-F5344CB8AC3E}">
@@ -9089,559 +8450,33 @@
                       </p:childTnLst>
                     </p:cTn>
                   </p:par>
-                </p:childTnLst>
-              </p:cTn>
-              <p:prevCondLst>
-                <p:cond evt="onPrev" delay="0">
-                  <p:tgtEl>
-                    <p:sldTgt/>
-                  </p:tgtEl>
-                </p:cond>
-              </p:prevCondLst>
-              <p:nextCondLst>
-                <p:cond evt="onNext" delay="0">
-                  <p:tgtEl>
-                    <p:sldTgt/>
-                  </p:tgtEl>
-                </p:cond>
-              </p:nextCondLst>
-            </p:seq>
-          </p:childTnLst>
-        </p:cTn>
-      </p:par>
-    </p:tnLst>
-    <p:bldLst>
-      <p:bldP spid="17" grpId="0" uiExpand="1" build="p"/>
-    </p:bldLst>
-  </p:timing>
-</p:sld>
-</file>
-
-<file path=ppt/slides/slide16.xml><?xml version="1.0" encoding="utf-8"?>
-<p:sld xmlns:a="http://schemas.openxmlformats.org/drawingml/2006/main" xmlns:r="http://schemas.openxmlformats.org/officeDocument/2006/relationships" xmlns:p="http://schemas.openxmlformats.org/presentationml/2006/main">
-  <p:cSld>
-    <p:spTree>
-      <p:nvGrpSpPr>
-        <p:cNvPr id="1" name=""/>
-        <p:cNvGrpSpPr/>
-        <p:nvPr/>
-      </p:nvGrpSpPr>
-      <p:grpSpPr>
-        <a:xfrm>
-          <a:off x="0" y="0"/>
-          <a:ext cx="0" cy="0"/>
-          <a:chOff x="0" y="0"/>
-          <a:chExt cx="0" cy="0"/>
-        </a:xfrm>
-      </p:grpSpPr>
-      <p:grpSp>
-        <p:nvGrpSpPr>
-          <p:cNvPr id="8" name="그룹 7"/>
-          <p:cNvGrpSpPr/>
-          <p:nvPr/>
-        </p:nvGrpSpPr>
-        <p:grpSpPr>
-          <a:xfrm>
-            <a:off x="10422294" y="6186196"/>
-            <a:ext cx="1661681" cy="671804"/>
-            <a:chOff x="18662" y="6209254"/>
-            <a:chExt cx="1661681" cy="671804"/>
-          </a:xfrm>
-        </p:grpSpPr>
-        <p:pic>
-          <p:nvPicPr>
-            <p:cNvPr id="5" name="그림 4"/>
-            <p:cNvPicPr>
-              <a:picLocks noChangeAspect="1"/>
-            </p:cNvPicPr>
-            <p:nvPr/>
-          </p:nvPicPr>
-          <p:blipFill>
-            <a:blip r:embed="rId2">
-              <a:extLst>
-                <a:ext uri="{28A0092B-C50C-407E-A947-70E740481C1C}">
-                  <a14:useLocalDpi xmlns:a14="http://schemas.microsoft.com/office/drawing/2010/main" val="0"/>
-                </a:ext>
-              </a:extLst>
-            </a:blip>
-            <a:stretch>
-              <a:fillRect/>
-            </a:stretch>
-          </p:blipFill>
-          <p:spPr>
-            <a:xfrm>
-              <a:off x="18662" y="6209254"/>
-              <a:ext cx="671804" cy="671804"/>
-            </a:xfrm>
-            <a:prstGeom prst="rect">
-              <a:avLst/>
-            </a:prstGeom>
-          </p:spPr>
-        </p:pic>
-        <p:pic>
-          <p:nvPicPr>
-            <p:cNvPr id="6" name="그림 5"/>
-            <p:cNvPicPr>
-              <a:picLocks noChangeAspect="1"/>
-            </p:cNvPicPr>
-            <p:nvPr/>
-          </p:nvPicPr>
-          <p:blipFill>
-            <a:blip r:embed="rId3"/>
-            <a:stretch>
-              <a:fillRect/>
-            </a:stretch>
-          </p:blipFill>
-          <p:spPr>
-            <a:xfrm>
-              <a:off x="625149" y="6262887"/>
-              <a:ext cx="597215" cy="517044"/>
-            </a:xfrm>
-            <a:prstGeom prst="rect">
-              <a:avLst/>
-            </a:prstGeom>
-          </p:spPr>
-        </p:pic>
-        <p:pic>
-          <p:nvPicPr>
-            <p:cNvPr id="7" name="그림 6"/>
-            <p:cNvPicPr>
-              <a:picLocks noChangeAspect="1"/>
-            </p:cNvPicPr>
-            <p:nvPr/>
-          </p:nvPicPr>
-          <p:blipFill>
-            <a:blip r:embed="rId4">
-              <a:extLst>
-                <a:ext uri="{28A0092B-C50C-407E-A947-70E740481C1C}">
-                  <a14:useLocalDpi xmlns:a14="http://schemas.microsoft.com/office/drawing/2010/main" val="0"/>
-                </a:ext>
-              </a:extLst>
-            </a:blip>
-            <a:stretch>
-              <a:fillRect/>
-            </a:stretch>
-          </p:blipFill>
-          <p:spPr>
-            <a:xfrm>
-              <a:off x="1241804" y="6322730"/>
-              <a:ext cx="438539" cy="438539"/>
-            </a:xfrm>
-            <a:prstGeom prst="rect">
-              <a:avLst/>
-            </a:prstGeom>
-          </p:spPr>
-        </p:pic>
-      </p:grpSp>
-      <p:sp>
-        <p:nvSpPr>
-          <p:cNvPr id="9" name="직사각형 8"/>
-          <p:cNvSpPr/>
-          <p:nvPr/>
-        </p:nvSpPr>
-        <p:spPr>
-          <a:xfrm>
-            <a:off x="0" y="0"/>
-            <a:ext cx="12192000" cy="102769"/>
-          </a:xfrm>
-          <a:prstGeom prst="rect">
-            <a:avLst/>
-          </a:prstGeom>
-          <a:solidFill>
-            <a:schemeClr val="accent6">
-              <a:lumMod val="60000"/>
-              <a:lumOff val="40000"/>
-            </a:schemeClr>
-          </a:solidFill>
-          <a:ln>
-            <a:noFill/>
-          </a:ln>
-        </p:spPr>
-        <p:style>
-          <a:lnRef idx="2">
-            <a:schemeClr val="accent1">
-              <a:shade val="50000"/>
-            </a:schemeClr>
-          </a:lnRef>
-          <a:fillRef idx="1">
-            <a:schemeClr val="accent1"/>
-          </a:fillRef>
-          <a:effectRef idx="0">
-            <a:schemeClr val="accent1"/>
-          </a:effectRef>
-          <a:fontRef idx="minor">
-            <a:schemeClr val="lt1"/>
-          </a:fontRef>
-        </p:style>
-        <p:txBody>
-          <a:bodyPr rtlCol="0" anchor="ctr"/>
-          <a:lstStyle/>
-          <a:p>
-            <a:pPr algn="ctr"/>
-            <a:endParaRPr kumimoji="1" lang="ko-KR" altLang="en-US" dirty="0">
-              <a:latin typeface="PT Sans Narrow" charset="-52"/>
-              <a:ea typeface="PT Sans Narrow" charset="-52"/>
-              <a:cs typeface="PT Sans Narrow" charset="-52"/>
-            </a:endParaRPr>
-          </a:p>
-        </p:txBody>
-      </p:sp>
-      <p:sp>
-        <p:nvSpPr>
-          <p:cNvPr id="10" name="직사각형 9"/>
-          <p:cNvSpPr/>
-          <p:nvPr/>
-        </p:nvSpPr>
-        <p:spPr>
-          <a:xfrm>
-            <a:off x="9894433" y="84109"/>
-            <a:ext cx="2301508" cy="276999"/>
-          </a:xfrm>
-          <a:prstGeom prst="rect">
-            <a:avLst/>
-          </a:prstGeom>
-        </p:spPr>
-        <p:txBody>
-          <a:bodyPr wrap="square">
-            <a:spAutoFit/>
-          </a:bodyPr>
-          <a:lstStyle/>
-          <a:p>
-            <a:pPr algn="r"/>
-            <a:r>
-              <a:rPr lang="en-US" altLang="ko-KR" sz="1200" dirty="0">
-                <a:latin typeface="Seravek Light" charset="0"/>
-                <a:ea typeface="Seravek Light" charset="0"/>
-                <a:cs typeface="Seravek Light" charset="0"/>
-              </a:rPr>
-              <a:t>Lecture </a:t>
-            </a:r>
-            <a:r>
-              <a:rPr lang="en-US" altLang="ko-KR" sz="1200">
-                <a:latin typeface="Seravek Light" charset="0"/>
-                <a:ea typeface="Seravek Light" charset="0"/>
-                <a:cs typeface="Seravek Light" charset="0"/>
-              </a:rPr>
-              <a:t>04   </a:t>
-            </a:r>
-            <a:endParaRPr lang="ko-KR" altLang="en-US" sz="1200" dirty="0">
-              <a:latin typeface="Seravek Light" charset="0"/>
-              <a:ea typeface="Seravek Light" charset="0"/>
-              <a:cs typeface="Seravek Light" charset="0"/>
-            </a:endParaRPr>
-          </a:p>
-        </p:txBody>
-      </p:sp>
-      <p:sp>
-        <p:nvSpPr>
-          <p:cNvPr id="11" name="직사각형 10"/>
-          <p:cNvSpPr/>
-          <p:nvPr/>
-        </p:nvSpPr>
-        <p:spPr>
-          <a:xfrm>
-            <a:off x="69202" y="6518941"/>
-            <a:ext cx="4169731" cy="261610"/>
-          </a:xfrm>
-          <a:prstGeom prst="rect">
-            <a:avLst/>
-          </a:prstGeom>
-        </p:spPr>
-        <p:txBody>
-          <a:bodyPr wrap="none">
-            <a:spAutoFit/>
-          </a:bodyPr>
-          <a:lstStyle/>
-          <a:p>
-            <a:r>
-              <a:rPr lang="en-US" altLang="ko-KR" sz="1100" dirty="0">
-                <a:latin typeface="Seravek Light" charset="0"/>
-                <a:ea typeface="Seravek Light" charset="0"/>
-                <a:cs typeface="Seravek Light" charset="0"/>
-              </a:rPr>
-              <a:t>CHOONG-WAN WOO  |  COCOAN lab  |  </a:t>
-            </a:r>
-            <a:r>
-              <a:rPr lang="en-US" altLang="ko-KR" sz="1100" dirty="0">
-                <a:latin typeface="Seravek Light" charset="0"/>
-                <a:ea typeface="Seravek Light" charset="0"/>
-                <a:cs typeface="Seravek Light" charset="0"/>
-                <a:hlinkClick r:id="rId5"/>
-              </a:rPr>
-              <a:t>http://cocoanlab.github.io</a:t>
-            </a:r>
-            <a:endParaRPr lang="en-US" altLang="ko-KR" sz="1100" dirty="0">
-              <a:latin typeface="Seravek Light" charset="0"/>
-              <a:ea typeface="Seravek Light" charset="0"/>
-              <a:cs typeface="Seravek Light" charset="0"/>
-            </a:endParaRPr>
-          </a:p>
-        </p:txBody>
-      </p:sp>
-      <p:sp>
-        <p:nvSpPr>
-          <p:cNvPr id="2" name="직사각형 1"/>
-          <p:cNvSpPr/>
-          <p:nvPr/>
-        </p:nvSpPr>
-        <p:spPr>
-          <a:xfrm>
-            <a:off x="216491" y="222608"/>
-            <a:ext cx="4315605" cy="523220"/>
-          </a:xfrm>
-          <a:prstGeom prst="rect">
-            <a:avLst/>
-          </a:prstGeom>
-        </p:spPr>
-        <p:txBody>
-          <a:bodyPr wrap="none">
-            <a:spAutoFit/>
-          </a:bodyPr>
-          <a:lstStyle/>
-          <a:p>
-            <a:r>
-              <a:rPr lang="en-US" altLang="ko-KR" sz="2800" dirty="0">
-                <a:latin typeface="Seravek" charset="0"/>
-                <a:ea typeface="Seravek" charset="0"/>
-                <a:cs typeface="Seravek" charset="0"/>
-              </a:rPr>
-              <a:t>Finding Normal percentiles</a:t>
-            </a:r>
-          </a:p>
-        </p:txBody>
-      </p:sp>
-      <p:sp>
-        <p:nvSpPr>
-          <p:cNvPr id="4" name="직사각형 3"/>
-          <p:cNvSpPr/>
-          <p:nvPr/>
-        </p:nvSpPr>
-        <p:spPr>
-          <a:xfrm>
-            <a:off x="4851917" y="3312368"/>
-            <a:ext cx="2024743" cy="923730"/>
-          </a:xfrm>
-          <a:prstGeom prst="rect">
-            <a:avLst/>
-          </a:prstGeom>
-          <a:solidFill>
-            <a:schemeClr val="bg1"/>
-          </a:solidFill>
-          <a:ln>
-            <a:noFill/>
-          </a:ln>
-        </p:spPr>
-        <p:style>
-          <a:lnRef idx="2">
-            <a:schemeClr val="accent1">
-              <a:shade val="50000"/>
-            </a:schemeClr>
-          </a:lnRef>
-          <a:fillRef idx="1">
-            <a:schemeClr val="accent1"/>
-          </a:fillRef>
-          <a:effectRef idx="0">
-            <a:schemeClr val="accent1"/>
-          </a:effectRef>
-          <a:fontRef idx="minor">
-            <a:schemeClr val="lt1"/>
-          </a:fontRef>
-        </p:style>
-        <p:txBody>
-          <a:bodyPr rtlCol="0" anchor="ctr"/>
-          <a:lstStyle/>
-          <a:p>
-            <a:pPr algn="ctr"/>
-            <a:endParaRPr kumimoji="1" lang="ko-KR" altLang="en-US"/>
-          </a:p>
-        </p:txBody>
-      </p:sp>
-      <p:sp>
-        <p:nvSpPr>
-          <p:cNvPr id="16" name="텍스트 상자 15"/>
-          <p:cNvSpPr txBox="1"/>
-          <p:nvPr/>
-        </p:nvSpPr>
-        <p:spPr>
-          <a:xfrm>
-            <a:off x="576449" y="5458060"/>
-            <a:ext cx="3296415" cy="535531"/>
-          </a:xfrm>
-          <a:prstGeom prst="rect">
-            <a:avLst/>
-          </a:prstGeom>
-          <a:noFill/>
-        </p:spPr>
-        <p:txBody>
-          <a:bodyPr wrap="none" rtlCol="0">
-            <a:spAutoFit/>
-          </a:bodyPr>
-          <a:lstStyle/>
-          <a:p>
-            <a:pPr marL="314325" indent="-314325">
-              <a:lnSpc>
-                <a:spcPct val="160000"/>
-              </a:lnSpc>
-              <a:buFont typeface="Arial" charset="0"/>
-              <a:buChar char="•"/>
-            </a:pPr>
-            <a:r>
-              <a:rPr lang="en-US" altLang="ko-KR">
-                <a:latin typeface="Seravek Light" charset="0"/>
-                <a:ea typeface="Seravek Light" charset="0"/>
-                <a:cs typeface="Seravek Light" charset="0"/>
-              </a:rPr>
-              <a:t>p-to-z is same: Table Z again.</a:t>
-            </a:r>
-            <a:endParaRPr lang="en-US" altLang="ko-KR" dirty="0">
-              <a:latin typeface="Seravek Light" charset="0"/>
-              <a:ea typeface="Seravek Light" charset="0"/>
-              <a:cs typeface="Seravek Light" charset="0"/>
-            </a:endParaRPr>
-          </a:p>
-        </p:txBody>
-      </p:sp>
-      <p:sp>
-        <p:nvSpPr>
-          <p:cNvPr id="14" name="텍스트 상자 13"/>
-          <p:cNvSpPr txBox="1"/>
-          <p:nvPr/>
-        </p:nvSpPr>
-        <p:spPr>
-          <a:xfrm>
-            <a:off x="328459" y="906961"/>
-            <a:ext cx="4391523" cy="403893"/>
-          </a:xfrm>
-          <a:prstGeom prst="rect">
-            <a:avLst/>
-          </a:prstGeom>
-          <a:noFill/>
-        </p:spPr>
-        <p:txBody>
-          <a:bodyPr wrap="none" rtlCol="0">
-            <a:spAutoFit/>
-          </a:bodyPr>
-          <a:lstStyle/>
-          <a:p>
-            <a:pPr>
-              <a:lnSpc>
-                <a:spcPct val="160000"/>
-              </a:lnSpc>
-            </a:pPr>
-            <a:r>
-              <a:rPr lang="en-US" altLang="ko-KR" sz="1400" dirty="0">
-                <a:latin typeface="Seravek Light" charset="0"/>
-                <a:ea typeface="Seravek Light" charset="0"/>
-                <a:cs typeface="Seravek Light" charset="0"/>
-                <a:hlinkClick r:id="rId6"/>
-              </a:rPr>
-              <a:t>http</a:t>
-            </a:r>
-            <a:r>
-              <a:rPr lang="en-US" altLang="ko-KR" sz="1400">
-                <a:latin typeface="Seravek Light" charset="0"/>
-                <a:ea typeface="Seravek Light" charset="0"/>
-                <a:cs typeface="Seravek Light" charset="0"/>
-                <a:hlinkClick r:id="rId6"/>
-              </a:rPr>
-              <a:t>://</a:t>
-            </a:r>
-            <a:r>
-              <a:rPr lang="en-US" altLang="ko-KR" sz="1400" dirty="0">
-                <a:latin typeface="Seravek Light" charset="0"/>
-                <a:ea typeface="Seravek Light" charset="0"/>
-                <a:cs typeface="Seravek Light" charset="0"/>
-                <a:hlinkClick r:id="rId6"/>
-              </a:rPr>
-              <a:t>sampson.byu.edu/courses/z2p2z-calculator.html</a:t>
-            </a:r>
-            <a:endParaRPr lang="en-US" altLang="ko-KR" sz="1400" dirty="0">
-              <a:latin typeface="Seravek Light" charset="0"/>
-              <a:ea typeface="Seravek Light" charset="0"/>
-              <a:cs typeface="Seravek Light" charset="0"/>
-            </a:endParaRPr>
-          </a:p>
-        </p:txBody>
-      </p:sp>
-      <p:pic>
-        <p:nvPicPr>
-          <p:cNvPr id="18" name="그림 17"/>
-          <p:cNvPicPr>
-            <a:picLocks noChangeAspect="1"/>
-          </p:cNvPicPr>
-          <p:nvPr/>
-        </p:nvPicPr>
-        <p:blipFill>
-          <a:blip r:embed="rId7"/>
-          <a:stretch>
-            <a:fillRect/>
-          </a:stretch>
-        </p:blipFill>
-        <p:spPr>
-          <a:xfrm>
-            <a:off x="2127207" y="1550020"/>
-            <a:ext cx="7937586" cy="3550189"/>
-          </a:xfrm>
-          <a:prstGeom prst="rect">
-            <a:avLst/>
-          </a:prstGeom>
-          <a:ln>
-            <a:noFill/>
-          </a:ln>
-          <a:effectLst>
-            <a:outerShdw blurRad="292100" dist="139700" dir="2700000" algn="tl" rotWithShape="0">
-              <a:srgbClr val="333333">
-                <a:alpha val="65000"/>
-              </a:srgbClr>
-            </a:outerShdw>
-          </a:effectLst>
-        </p:spPr>
-      </p:pic>
-    </p:spTree>
-    <p:extLst>
-      <p:ext uri="{BB962C8B-B14F-4D97-AF65-F5344CB8AC3E}">
-        <p14:creationId xmlns:p14="http://schemas.microsoft.com/office/powerpoint/2010/main" val="681604562"/>
-      </p:ext>
-    </p:extLst>
-  </p:cSld>
-  <p:clrMapOvr>
-    <a:masterClrMapping/>
-  </p:clrMapOvr>
-  <p:timing>
-    <p:tnLst>
-      <p:par>
-        <p:cTn id="1" dur="indefinite" restart="never" nodeType="tmRoot">
-          <p:childTnLst>
-            <p:seq concurrent="1" nextAc="seek">
-              <p:cTn id="2" dur="indefinite" nodeType="mainSeq">
-                <p:childTnLst>
                   <p:par>
-                    <p:cTn id="3" fill="hold">
+                    <p:cTn id="19" fill="hold">
                       <p:stCondLst>
                         <p:cond delay="indefinite"/>
                       </p:stCondLst>
                       <p:childTnLst>
                         <p:par>
-                          <p:cTn id="4" fill="hold">
+                          <p:cTn id="20" fill="hold">
                             <p:stCondLst>
                               <p:cond delay="0"/>
                             </p:stCondLst>
                             <p:childTnLst>
                               <p:par>
-                                <p:cTn id="5" presetID="1" presetClass="entr" presetSubtype="0" fill="hold" grpId="0" nodeType="clickEffect">
+                                <p:cTn id="21" presetID="1" presetClass="entr" presetSubtype="0" fill="hold" grpId="0" nodeType="clickEffect">
                                   <p:stCondLst>
                                     <p:cond delay="0"/>
                                   </p:stCondLst>
                                   <p:childTnLst>
                                     <p:set>
                                       <p:cBhvr>
-                                        <p:cTn id="6" dur="1" fill="hold">
+                                        <p:cTn id="22" dur="1" fill="hold">
                                           <p:stCondLst>
                                             <p:cond delay="0"/>
                                           </p:stCondLst>
                                         </p:cTn>
                                         <p:tgtEl>
-                                          <p:spTgt spid="16"/>
+                                          <p:spTgt spid="14"/>
                                         </p:tgtEl>
                                         <p:attrNameLst>
                                           <p:attrName>style.visibility</p:attrName>
@@ -9682,13 +8517,14 @@
       </p:par>
     </p:tnLst>
     <p:bldLst>
-      <p:bldP spid="16" grpId="0"/>
+      <p:bldP spid="17" grpId="0" uiExpand="1" build="p"/>
+      <p:bldP spid="14" grpId="0"/>
     </p:bldLst>
   </p:timing>
 </p:sld>
 </file>
 
-<file path=ppt/slides/slide17.xml><?xml version="1.0" encoding="utf-8"?>
+<file path=ppt/slides/slide15.xml><?xml version="1.0" encoding="utf-8"?>
 <p:sld xmlns:a="http://schemas.openxmlformats.org/drawingml/2006/main" xmlns:r="http://schemas.openxmlformats.org/officeDocument/2006/relationships" xmlns:p="http://schemas.openxmlformats.org/presentationml/2006/main">
   <p:cSld>
     <p:spTree>
@@ -10340,6 +9176,51 @@
                       </p:childTnLst>
                     </p:cTn>
                   </p:par>
+                  <p:par>
+                    <p:cTn id="11" fill="hold">
+                      <p:stCondLst>
+                        <p:cond delay="indefinite"/>
+                      </p:stCondLst>
+                      <p:childTnLst>
+                        <p:par>
+                          <p:cTn id="12" fill="hold">
+                            <p:stCondLst>
+                              <p:cond delay="0"/>
+                            </p:stCondLst>
+                            <p:childTnLst>
+                              <p:par>
+                                <p:cTn id="13" presetID="1" presetClass="entr" presetSubtype="0" fill="hold" nodeType="clickEffect">
+                                  <p:stCondLst>
+                                    <p:cond delay="0"/>
+                                  </p:stCondLst>
+                                  <p:childTnLst>
+                                    <p:set>
+                                      <p:cBhvr>
+                                        <p:cTn id="14" dur="1" fill="hold">
+                                          <p:stCondLst>
+                                            <p:cond delay="0"/>
+                                          </p:stCondLst>
+                                        </p:cTn>
+                                        <p:tgtEl>
+                                          <p:spTgt spid="14"/>
+                                        </p:tgtEl>
+                                        <p:attrNameLst>
+                                          <p:attrName>style.visibility</p:attrName>
+                                        </p:attrNameLst>
+                                      </p:cBhvr>
+                                      <p:to>
+                                        <p:strVal val="visible"/>
+                                      </p:to>
+                                    </p:set>
+                                  </p:childTnLst>
+                                </p:cTn>
+                              </p:par>
+                            </p:childTnLst>
+                          </p:cTn>
+                        </p:par>
+                      </p:childTnLst>
+                    </p:cTn>
+                  </p:par>
                 </p:childTnLst>
               </p:cTn>
               <p:prevCondLst>
@@ -10368,7 +9249,7 @@
 </p:sld>
 </file>
 
-<file path=ppt/slides/slide18.xml><?xml version="1.0" encoding="utf-8"?>
+<file path=ppt/slides/slide16.xml><?xml version="1.0" encoding="utf-8"?>
 <p:sld xmlns:a="http://schemas.openxmlformats.org/drawingml/2006/main" xmlns:r="http://schemas.openxmlformats.org/officeDocument/2006/relationships" xmlns:p="http://schemas.openxmlformats.org/presentationml/2006/main">
   <p:cSld>
     <p:spTree>
@@ -10668,167 +9549,6 @@
       </p:sp>
       <p:sp>
         <p:nvSpPr>
-          <p:cNvPr id="18" name="텍스트 상자 17"/>
-          <p:cNvSpPr txBox="1"/>
-          <p:nvPr/>
-        </p:nvSpPr>
-        <p:spPr>
-          <a:xfrm>
-            <a:off x="1136286" y="989045"/>
-            <a:ext cx="3580019" cy="3194721"/>
-          </a:xfrm>
-          <a:prstGeom prst="rect">
-            <a:avLst/>
-          </a:prstGeom>
-          <a:noFill/>
-        </p:spPr>
-        <p:txBody>
-          <a:bodyPr wrap="none" rtlCol="0">
-            <a:spAutoFit/>
-          </a:bodyPr>
-          <a:lstStyle/>
-          <a:p>
-            <a:pPr>
-              <a:lnSpc>
-                <a:spcPct val="160000"/>
-              </a:lnSpc>
-            </a:pPr>
-            <a:r>
-              <a:rPr lang="en-US" altLang="ko-KR" b="1" dirty="0">
-                <a:latin typeface="Seravek Light" charset="0"/>
-                <a:ea typeface="Seravek Light" charset="0"/>
-                <a:cs typeface="Seravek Light" charset="0"/>
-              </a:rPr>
-              <a:t>Chapter 5: Comparing distributions</a:t>
-            </a:r>
-          </a:p>
-          <a:p>
-            <a:pPr marL="314325" indent="-314325">
-              <a:lnSpc>
-                <a:spcPct val="160000"/>
-              </a:lnSpc>
-              <a:buFont typeface="Arial" charset="0"/>
-              <a:buChar char="•"/>
-            </a:pPr>
-            <a:r>
-              <a:rPr lang="en-US" altLang="ko-KR" dirty="0">
-                <a:latin typeface="Seravek Light" charset="0"/>
-                <a:ea typeface="Seravek Light" charset="0"/>
-                <a:cs typeface="Seravek Light" charset="0"/>
-              </a:rPr>
-              <a:t>Outliers are context dependent</a:t>
-            </a:r>
-          </a:p>
-          <a:p>
-            <a:pPr marL="314325" indent="-314325">
-              <a:lnSpc>
-                <a:spcPct val="160000"/>
-              </a:lnSpc>
-              <a:buFont typeface="Arial" charset="0"/>
-              <a:buChar char="•"/>
-            </a:pPr>
-            <a:r>
-              <a:rPr lang="en-US" altLang="ko-KR" dirty="0" err="1">
-                <a:latin typeface="Seravek Light" charset="0"/>
-                <a:ea typeface="Seravek Light" charset="0"/>
-                <a:cs typeface="Seravek Light" charset="0"/>
-              </a:rPr>
-              <a:t>Timeplots</a:t>
-            </a:r>
-            <a:endParaRPr lang="en-US" altLang="ko-KR" dirty="0">
-              <a:latin typeface="Seravek Light" charset="0"/>
-              <a:ea typeface="Seravek Light" charset="0"/>
-              <a:cs typeface="Seravek Light" charset="0"/>
-            </a:endParaRPr>
-          </a:p>
-          <a:p>
-            <a:pPr marL="314325" indent="-314325">
-              <a:lnSpc>
-                <a:spcPct val="160000"/>
-              </a:lnSpc>
-              <a:buFont typeface="Arial" charset="0"/>
-              <a:buChar char="•"/>
-            </a:pPr>
-            <a:r>
-              <a:rPr lang="en-US" altLang="ko-KR" dirty="0">
-                <a:latin typeface="Seravek Light" charset="0"/>
-                <a:ea typeface="Seravek Light" charset="0"/>
-                <a:cs typeface="Seravek Light" charset="0"/>
-              </a:rPr>
-              <a:t>Moving-averages, smoothing</a:t>
-            </a:r>
-          </a:p>
-          <a:p>
-            <a:pPr marL="314325" indent="-314325">
-              <a:lnSpc>
-                <a:spcPct val="160000"/>
-              </a:lnSpc>
-              <a:buFont typeface="Arial" charset="0"/>
-              <a:buChar char="•"/>
-            </a:pPr>
-            <a:r>
-              <a:rPr lang="en-US" altLang="ko-KR" dirty="0">
-                <a:latin typeface="Seravek Light" charset="0"/>
-                <a:ea typeface="Seravek Light" charset="0"/>
-                <a:cs typeface="Seravek Light" charset="0"/>
-              </a:rPr>
-              <a:t>Re-expressing data (log, </a:t>
-            </a:r>
-            <a:r>
-              <a:rPr lang="en-US" altLang="ko-KR" dirty="0" err="1">
-                <a:latin typeface="Seravek Light" charset="0"/>
-                <a:ea typeface="Seravek Light" charset="0"/>
-                <a:cs typeface="Seravek Light" charset="0"/>
-              </a:rPr>
-              <a:t>sqrt</a:t>
-            </a:r>
-            <a:r>
-              <a:rPr lang="en-US" altLang="ko-KR" dirty="0">
-                <a:latin typeface="Seravek Light" charset="0"/>
-                <a:ea typeface="Seravek Light" charset="0"/>
-                <a:cs typeface="Seravek Light" charset="0"/>
-              </a:rPr>
-              <a:t>) </a:t>
-            </a:r>
-          </a:p>
-          <a:p>
-            <a:pPr marL="771525" lvl="1" indent="-314325">
-              <a:lnSpc>
-                <a:spcPct val="160000"/>
-              </a:lnSpc>
-              <a:buFont typeface="Arial" charset="0"/>
-              <a:buChar char="•"/>
-            </a:pPr>
-            <a:r>
-              <a:rPr lang="en-US" altLang="ko-KR" dirty="0">
-                <a:latin typeface="Seravek Light" charset="0"/>
-                <a:ea typeface="Seravek Light" charset="0"/>
-                <a:cs typeface="Seravek Light" charset="0"/>
-              </a:rPr>
-              <a:t>to improve symmetry</a:t>
-            </a:r>
-          </a:p>
-          <a:p>
-            <a:pPr marL="771525" lvl="1" indent="-314325">
-              <a:lnSpc>
-                <a:spcPct val="160000"/>
-              </a:lnSpc>
-              <a:buFont typeface="Arial" charset="0"/>
-              <a:buChar char="•"/>
-            </a:pPr>
-            <a:r>
-              <a:rPr lang="en-US" altLang="ko-KR" dirty="0">
-                <a:latin typeface="Seravek Light" charset="0"/>
-                <a:ea typeface="Seravek Light" charset="0"/>
-                <a:cs typeface="Seravek Light" charset="0"/>
-              </a:rPr>
-              <a:t>to equalize spread</a:t>
-            </a:r>
-          </a:p>
-        </p:txBody>
-      </p:sp>
-      <p:sp>
-        <p:nvSpPr>
           <p:cNvPr id="12" name="텍스트 상자 11"/>
           <p:cNvSpPr txBox="1"/>
           <p:nvPr/>
@@ -10894,7 +9614,7 @@
                 <a:ea typeface="Seravek Light" charset="0"/>
                 <a:cs typeface="Seravek Light" charset="0"/>
               </a:rPr>
-              <a:t>Normal model, </a:t>
+              <a:t>Normal model</a:t>
             </a:r>
           </a:p>
           <a:p>
@@ -10963,6 +9683,157 @@
                 <a:cs typeface="Seravek Light" charset="0"/>
               </a:rPr>
               <a:t>Normal probability plots</a:t>
+            </a:r>
+          </a:p>
+        </p:txBody>
+      </p:sp>
+      <p:sp>
+        <p:nvSpPr>
+          <p:cNvPr id="13" name="텍스트 상자 17">
+            <a:extLst>
+              <a:ext uri="{FF2B5EF4-FFF2-40B4-BE49-F238E27FC236}">
+                <a16:creationId xmlns:a16="http://schemas.microsoft.com/office/drawing/2014/main" id="{668D93F3-C9E2-5948-86AB-366FFEFAD0B6}"/>
+              </a:ext>
+            </a:extLst>
+          </p:cNvPr>
+          <p:cNvSpPr txBox="1"/>
+          <p:nvPr/>
+        </p:nvSpPr>
+        <p:spPr>
+          <a:xfrm>
+            <a:off x="1136286" y="989045"/>
+            <a:ext cx="5112938" cy="3147400"/>
+          </a:xfrm>
+          <a:prstGeom prst="rect">
+            <a:avLst/>
+          </a:prstGeom>
+          <a:noFill/>
+        </p:spPr>
+        <p:txBody>
+          <a:bodyPr wrap="none" rtlCol="0">
+            <a:spAutoFit/>
+          </a:bodyPr>
+          <a:lstStyle/>
+          <a:p>
+            <a:pPr>
+              <a:lnSpc>
+                <a:spcPct val="160000"/>
+              </a:lnSpc>
+            </a:pPr>
+            <a:r>
+              <a:rPr lang="en-US" altLang="ko-KR" b="1" dirty="0">
+                <a:latin typeface="Seravek Light" charset="0"/>
+                <a:ea typeface="Seravek Light" charset="0"/>
+                <a:cs typeface="Seravek Light" charset="0"/>
+              </a:rPr>
+              <a:t>Chapter 5: Comparing distributions: considerations</a:t>
+            </a:r>
+          </a:p>
+          <a:p>
+            <a:pPr marL="314325" indent="-314325">
+              <a:lnSpc>
+                <a:spcPct val="160000"/>
+              </a:lnSpc>
+              <a:buFont typeface="Arial" charset="0"/>
+              <a:buChar char="•"/>
+            </a:pPr>
+            <a:r>
+              <a:rPr lang="en-US" altLang="ko-KR" dirty="0">
+                <a:latin typeface="Seravek Light" charset="0"/>
+                <a:ea typeface="Seravek Light" charset="0"/>
+                <a:cs typeface="Seravek Light" charset="0"/>
+              </a:rPr>
+              <a:t>Outliers are context dependent</a:t>
+            </a:r>
+          </a:p>
+          <a:p>
+            <a:pPr marL="314325" indent="-314325">
+              <a:lnSpc>
+                <a:spcPct val="160000"/>
+              </a:lnSpc>
+              <a:buFont typeface="Arial" charset="0"/>
+              <a:buChar char="•"/>
+            </a:pPr>
+            <a:r>
+              <a:rPr lang="en-US" altLang="ko-KR" dirty="0">
+                <a:latin typeface="Seravek Light" charset="0"/>
+                <a:ea typeface="Seravek Light" charset="0"/>
+                <a:cs typeface="Seravek Light" charset="0"/>
+              </a:rPr>
+              <a:t>Re-expressing data (log, sqrt) </a:t>
+            </a:r>
+          </a:p>
+          <a:p>
+            <a:pPr marL="771525" lvl="1" indent="-314325">
+              <a:lnSpc>
+                <a:spcPct val="160000"/>
+              </a:lnSpc>
+              <a:buFont typeface="Arial" charset="0"/>
+              <a:buChar char="•"/>
+            </a:pPr>
+            <a:r>
+              <a:rPr lang="en-US" altLang="ko-KR" dirty="0">
+                <a:latin typeface="Seravek Light" charset="0"/>
+                <a:ea typeface="Seravek Light" charset="0"/>
+                <a:cs typeface="Seravek Light" charset="0"/>
+              </a:rPr>
+              <a:t>to improve symmetry</a:t>
+            </a:r>
+          </a:p>
+          <a:p>
+            <a:pPr marL="771525" lvl="1" indent="-314325">
+              <a:lnSpc>
+                <a:spcPct val="160000"/>
+              </a:lnSpc>
+              <a:buFont typeface="Arial" charset="0"/>
+              <a:buChar char="•"/>
+            </a:pPr>
+            <a:r>
+              <a:rPr lang="en-US" altLang="ko-KR" dirty="0">
+                <a:latin typeface="Seravek Light" charset="0"/>
+                <a:ea typeface="Seravek Light" charset="0"/>
+                <a:cs typeface="Seravek Light" charset="0"/>
+              </a:rPr>
+              <a:t>to equalize spread</a:t>
+            </a:r>
+          </a:p>
+          <a:p>
+            <a:pPr marL="314325" indent="-314325">
+              <a:lnSpc>
+                <a:spcPct val="160000"/>
+              </a:lnSpc>
+              <a:buFont typeface="Arial" charset="0"/>
+              <a:buChar char="•"/>
+            </a:pPr>
+            <a:r>
+              <a:rPr lang="en-US" altLang="ko-KR" dirty="0" err="1">
+                <a:latin typeface="Seravek Light" charset="0"/>
+                <a:ea typeface="Seravek Light" charset="0"/>
+                <a:cs typeface="Seravek Light" charset="0"/>
+              </a:rPr>
+              <a:t>Timeplots</a:t>
+            </a:r>
+            <a:endParaRPr lang="en-US" altLang="ko-KR" dirty="0">
+              <a:latin typeface="Seravek Light" charset="0"/>
+              <a:ea typeface="Seravek Light" charset="0"/>
+              <a:cs typeface="Seravek Light" charset="0"/>
+            </a:endParaRPr>
+          </a:p>
+          <a:p>
+            <a:pPr marL="314325" indent="-314325">
+              <a:lnSpc>
+                <a:spcPct val="160000"/>
+              </a:lnSpc>
+              <a:buFont typeface="Arial" charset="0"/>
+              <a:buChar char="•"/>
+            </a:pPr>
+            <a:r>
+              <a:rPr lang="en-US" altLang="ko-KR" dirty="0">
+                <a:latin typeface="Seravek Light" charset="0"/>
+                <a:ea typeface="Seravek Light" charset="0"/>
+                <a:cs typeface="Seravek Light" charset="0"/>
+              </a:rPr>
+              <a:t>Moving-averages, smoothing</a:t>
             </a:r>
           </a:p>
         </p:txBody>
@@ -10977,382 +9848,6 @@
   <p:clrMapOvr>
     <a:masterClrMapping/>
   </p:clrMapOvr>
-  <p:timing>
-    <p:tnLst>
-      <p:par>
-        <p:cTn id="1" dur="indefinite" restart="never" nodeType="tmRoot">
-          <p:childTnLst>
-            <p:seq concurrent="1" nextAc="seek">
-              <p:cTn id="2" dur="indefinite" nodeType="mainSeq">
-                <p:childTnLst>
-                  <p:par>
-                    <p:cTn id="3" fill="hold">
-                      <p:stCondLst>
-                        <p:cond delay="indefinite"/>
-                      </p:stCondLst>
-                      <p:childTnLst>
-                        <p:par>
-                          <p:cTn id="4" fill="hold">
-                            <p:stCondLst>
-                              <p:cond delay="0"/>
-                            </p:stCondLst>
-                            <p:childTnLst>
-                              <p:par>
-                                <p:cTn id="5" presetID="1" presetClass="entr" presetSubtype="0" fill="hold" grpId="0" nodeType="clickEffect">
-                                  <p:stCondLst>
-                                    <p:cond delay="0"/>
-                                  </p:stCondLst>
-                                  <p:childTnLst>
-                                    <p:set>
-                                      <p:cBhvr>
-                                        <p:cTn id="6" dur="1" fill="hold">
-                                          <p:stCondLst>
-                                            <p:cond delay="0"/>
-                                          </p:stCondLst>
-                                        </p:cTn>
-                                        <p:tgtEl>
-                                          <p:spTgt spid="12">
-                                            <p:txEl>
-                                              <p:pRg st="0" end="0"/>
-                                            </p:txEl>
-                                          </p:spTgt>
-                                        </p:tgtEl>
-                                        <p:attrNameLst>
-                                          <p:attrName>style.visibility</p:attrName>
-                                        </p:attrNameLst>
-                                      </p:cBhvr>
-                                      <p:to>
-                                        <p:strVal val="visible"/>
-                                      </p:to>
-                                    </p:set>
-                                  </p:childTnLst>
-                                </p:cTn>
-                              </p:par>
-                            </p:childTnLst>
-                          </p:cTn>
-                        </p:par>
-                      </p:childTnLst>
-                    </p:cTn>
-                  </p:par>
-                  <p:par>
-                    <p:cTn id="7" fill="hold">
-                      <p:stCondLst>
-                        <p:cond delay="indefinite"/>
-                      </p:stCondLst>
-                      <p:childTnLst>
-                        <p:par>
-                          <p:cTn id="8" fill="hold">
-                            <p:stCondLst>
-                              <p:cond delay="0"/>
-                            </p:stCondLst>
-                            <p:childTnLst>
-                              <p:par>
-                                <p:cTn id="9" presetID="1" presetClass="entr" presetSubtype="0" fill="hold" grpId="0" nodeType="clickEffect">
-                                  <p:stCondLst>
-                                    <p:cond delay="0"/>
-                                  </p:stCondLst>
-                                  <p:childTnLst>
-                                    <p:set>
-                                      <p:cBhvr>
-                                        <p:cTn id="10" dur="1" fill="hold">
-                                          <p:stCondLst>
-                                            <p:cond delay="0"/>
-                                          </p:stCondLst>
-                                        </p:cTn>
-                                        <p:tgtEl>
-                                          <p:spTgt spid="12">
-                                            <p:txEl>
-                                              <p:pRg st="1" end="1"/>
-                                            </p:txEl>
-                                          </p:spTgt>
-                                        </p:tgtEl>
-                                        <p:attrNameLst>
-                                          <p:attrName>style.visibility</p:attrName>
-                                        </p:attrNameLst>
-                                      </p:cBhvr>
-                                      <p:to>
-                                        <p:strVal val="visible"/>
-                                      </p:to>
-                                    </p:set>
-                                  </p:childTnLst>
-                                </p:cTn>
-                              </p:par>
-                            </p:childTnLst>
-                          </p:cTn>
-                        </p:par>
-                      </p:childTnLst>
-                    </p:cTn>
-                  </p:par>
-                  <p:par>
-                    <p:cTn id="11" fill="hold">
-                      <p:stCondLst>
-                        <p:cond delay="indefinite"/>
-                      </p:stCondLst>
-                      <p:childTnLst>
-                        <p:par>
-                          <p:cTn id="12" fill="hold">
-                            <p:stCondLst>
-                              <p:cond delay="0"/>
-                            </p:stCondLst>
-                            <p:childTnLst>
-                              <p:par>
-                                <p:cTn id="13" presetID="1" presetClass="entr" presetSubtype="0" fill="hold" grpId="0" nodeType="clickEffect">
-                                  <p:stCondLst>
-                                    <p:cond delay="0"/>
-                                  </p:stCondLst>
-                                  <p:childTnLst>
-                                    <p:set>
-                                      <p:cBhvr>
-                                        <p:cTn id="14" dur="1" fill="hold">
-                                          <p:stCondLst>
-                                            <p:cond delay="0"/>
-                                          </p:stCondLst>
-                                        </p:cTn>
-                                        <p:tgtEl>
-                                          <p:spTgt spid="12">
-                                            <p:txEl>
-                                              <p:pRg st="2" end="2"/>
-                                            </p:txEl>
-                                          </p:spTgt>
-                                        </p:tgtEl>
-                                        <p:attrNameLst>
-                                          <p:attrName>style.visibility</p:attrName>
-                                        </p:attrNameLst>
-                                      </p:cBhvr>
-                                      <p:to>
-                                        <p:strVal val="visible"/>
-                                      </p:to>
-                                    </p:set>
-                                  </p:childTnLst>
-                                </p:cTn>
-                              </p:par>
-                            </p:childTnLst>
-                          </p:cTn>
-                        </p:par>
-                      </p:childTnLst>
-                    </p:cTn>
-                  </p:par>
-                  <p:par>
-                    <p:cTn id="15" fill="hold">
-                      <p:stCondLst>
-                        <p:cond delay="indefinite"/>
-                      </p:stCondLst>
-                      <p:childTnLst>
-                        <p:par>
-                          <p:cTn id="16" fill="hold">
-                            <p:stCondLst>
-                              <p:cond delay="0"/>
-                            </p:stCondLst>
-                            <p:childTnLst>
-                              <p:par>
-                                <p:cTn id="17" presetID="1" presetClass="entr" presetSubtype="0" fill="hold" grpId="0" nodeType="clickEffect">
-                                  <p:stCondLst>
-                                    <p:cond delay="0"/>
-                                  </p:stCondLst>
-                                  <p:childTnLst>
-                                    <p:set>
-                                      <p:cBhvr>
-                                        <p:cTn id="18" dur="1" fill="hold">
-                                          <p:stCondLst>
-                                            <p:cond delay="0"/>
-                                          </p:stCondLst>
-                                        </p:cTn>
-                                        <p:tgtEl>
-                                          <p:spTgt spid="12">
-                                            <p:txEl>
-                                              <p:pRg st="3" end="3"/>
-                                            </p:txEl>
-                                          </p:spTgt>
-                                        </p:tgtEl>
-                                        <p:attrNameLst>
-                                          <p:attrName>style.visibility</p:attrName>
-                                        </p:attrNameLst>
-                                      </p:cBhvr>
-                                      <p:to>
-                                        <p:strVal val="visible"/>
-                                      </p:to>
-                                    </p:set>
-                                  </p:childTnLst>
-                                </p:cTn>
-                              </p:par>
-                            </p:childTnLst>
-                          </p:cTn>
-                        </p:par>
-                      </p:childTnLst>
-                    </p:cTn>
-                  </p:par>
-                  <p:par>
-                    <p:cTn id="19" fill="hold">
-                      <p:stCondLst>
-                        <p:cond delay="indefinite"/>
-                      </p:stCondLst>
-                      <p:childTnLst>
-                        <p:par>
-                          <p:cTn id="20" fill="hold">
-                            <p:stCondLst>
-                              <p:cond delay="0"/>
-                            </p:stCondLst>
-                            <p:childTnLst>
-                              <p:par>
-                                <p:cTn id="21" presetID="1" presetClass="entr" presetSubtype="0" fill="hold" grpId="0" nodeType="clickEffect">
-                                  <p:stCondLst>
-                                    <p:cond delay="0"/>
-                                  </p:stCondLst>
-                                  <p:childTnLst>
-                                    <p:set>
-                                      <p:cBhvr>
-                                        <p:cTn id="22" dur="1" fill="hold">
-                                          <p:stCondLst>
-                                            <p:cond delay="0"/>
-                                          </p:stCondLst>
-                                        </p:cTn>
-                                        <p:tgtEl>
-                                          <p:spTgt spid="12">
-                                            <p:txEl>
-                                              <p:pRg st="4" end="4"/>
-                                            </p:txEl>
-                                          </p:spTgt>
-                                        </p:tgtEl>
-                                        <p:attrNameLst>
-                                          <p:attrName>style.visibility</p:attrName>
-                                        </p:attrNameLst>
-                                      </p:cBhvr>
-                                      <p:to>
-                                        <p:strVal val="visible"/>
-                                      </p:to>
-                                    </p:set>
-                                  </p:childTnLst>
-                                </p:cTn>
-                              </p:par>
-                            </p:childTnLst>
-                          </p:cTn>
-                        </p:par>
-                      </p:childTnLst>
-                    </p:cTn>
-                  </p:par>
-                  <p:par>
-                    <p:cTn id="23" fill="hold">
-                      <p:stCondLst>
-                        <p:cond delay="indefinite"/>
-                      </p:stCondLst>
-                      <p:childTnLst>
-                        <p:par>
-                          <p:cTn id="24" fill="hold">
-                            <p:stCondLst>
-                              <p:cond delay="0"/>
-                            </p:stCondLst>
-                            <p:childTnLst>
-                              <p:par>
-                                <p:cTn id="25" presetID="1" presetClass="entr" presetSubtype="0" fill="hold" grpId="0" nodeType="clickEffect">
-                                  <p:stCondLst>
-                                    <p:cond delay="0"/>
-                                  </p:stCondLst>
-                                  <p:childTnLst>
-                                    <p:set>
-                                      <p:cBhvr>
-                                        <p:cTn id="26" dur="1" fill="hold">
-                                          <p:stCondLst>
-                                            <p:cond delay="0"/>
-                                          </p:stCondLst>
-                                        </p:cTn>
-                                        <p:tgtEl>
-                                          <p:spTgt spid="12">
-                                            <p:txEl>
-                                              <p:pRg st="5" end="5"/>
-                                            </p:txEl>
-                                          </p:spTgt>
-                                        </p:tgtEl>
-                                        <p:attrNameLst>
-                                          <p:attrName>style.visibility</p:attrName>
-                                        </p:attrNameLst>
-                                      </p:cBhvr>
-                                      <p:to>
-                                        <p:strVal val="visible"/>
-                                      </p:to>
-                                    </p:set>
-                                  </p:childTnLst>
-                                </p:cTn>
-                              </p:par>
-                            </p:childTnLst>
-                          </p:cTn>
-                        </p:par>
-                      </p:childTnLst>
-                    </p:cTn>
-                  </p:par>
-                  <p:par>
-                    <p:cTn id="27" fill="hold">
-                      <p:stCondLst>
-                        <p:cond delay="indefinite"/>
-                      </p:stCondLst>
-                      <p:childTnLst>
-                        <p:par>
-                          <p:cTn id="28" fill="hold">
-                            <p:stCondLst>
-                              <p:cond delay="0"/>
-                            </p:stCondLst>
-                            <p:childTnLst>
-                              <p:par>
-                                <p:cTn id="29" presetID="1" presetClass="entr" presetSubtype="0" fill="hold" grpId="0" nodeType="clickEffect">
-                                  <p:stCondLst>
-                                    <p:cond delay="0"/>
-                                  </p:stCondLst>
-                                  <p:childTnLst>
-                                    <p:set>
-                                      <p:cBhvr>
-                                        <p:cTn id="30" dur="1" fill="hold">
-                                          <p:stCondLst>
-                                            <p:cond delay="0"/>
-                                          </p:stCondLst>
-                                        </p:cTn>
-                                        <p:tgtEl>
-                                          <p:spTgt spid="12">
-                                            <p:txEl>
-                                              <p:pRg st="6" end="6"/>
-                                            </p:txEl>
-                                          </p:spTgt>
-                                        </p:tgtEl>
-                                        <p:attrNameLst>
-                                          <p:attrName>style.visibility</p:attrName>
-                                        </p:attrNameLst>
-                                      </p:cBhvr>
-                                      <p:to>
-                                        <p:strVal val="visible"/>
-                                      </p:to>
-                                    </p:set>
-                                  </p:childTnLst>
-                                </p:cTn>
-                              </p:par>
-                            </p:childTnLst>
-                          </p:cTn>
-                        </p:par>
-                      </p:childTnLst>
-                    </p:cTn>
-                  </p:par>
-                </p:childTnLst>
-              </p:cTn>
-              <p:prevCondLst>
-                <p:cond evt="onPrev" delay="0">
-                  <p:tgtEl>
-                    <p:sldTgt/>
-                  </p:tgtEl>
-                </p:cond>
-              </p:prevCondLst>
-              <p:nextCondLst>
-                <p:cond evt="onNext" delay="0">
-                  <p:tgtEl>
-                    <p:sldTgt/>
-                  </p:tgtEl>
-                </p:cond>
-              </p:nextCondLst>
-            </p:seq>
-          </p:childTnLst>
-        </p:cTn>
-      </p:par>
-    </p:tnLst>
-    <p:bldLst>
-      <p:bldP spid="12" grpId="0" build="p"/>
-    </p:bldLst>
-  </p:timing>
 </p:sld>
 </file>
 
@@ -11396,7 +9891,7 @@
             <p:nvPr/>
           </p:nvPicPr>
           <p:blipFill>
-            <a:blip r:embed="rId2">
+            <a:blip r:embed="rId3">
               <a:extLst>
                 <a:ext uri="{28A0092B-C50C-407E-A947-70E740481C1C}">
                   <a14:useLocalDpi xmlns:a14="http://schemas.microsoft.com/office/drawing/2010/main" val="0"/>
@@ -11426,7 +9921,7 @@
             <p:nvPr/>
           </p:nvPicPr>
           <p:blipFill>
-            <a:blip r:embed="rId3"/>
+            <a:blip r:embed="rId4"/>
             <a:stretch>
               <a:fillRect/>
             </a:stretch>
@@ -11450,7 +9945,7 @@
             <p:nvPr/>
           </p:nvPicPr>
           <p:blipFill>
-            <a:blip r:embed="rId4">
+            <a:blip r:embed="rId5">
               <a:extLst>
                 <a:ext uri="{28A0092B-C50C-407E-A947-70E740481C1C}">
                   <a14:useLocalDpi xmlns:a14="http://schemas.microsoft.com/office/drawing/2010/main" val="0"/>
@@ -11605,564 +10100,7 @@
                 <a:latin typeface="Seravek Light" charset="0"/>
                 <a:ea typeface="Seravek Light" charset="0"/>
                 <a:cs typeface="Seravek Light" charset="0"/>
-                <a:hlinkClick r:id="rId5"/>
-              </a:rPr>
-              <a:t>http://cocoanlab.github.io</a:t>
-            </a:r>
-            <a:endParaRPr lang="en-US" altLang="ko-KR" sz="1100" dirty="0">
-              <a:latin typeface="Seravek Light" charset="0"/>
-              <a:ea typeface="Seravek Light" charset="0"/>
-              <a:cs typeface="Seravek Light" charset="0"/>
-            </a:endParaRPr>
-          </a:p>
-        </p:txBody>
-      </p:sp>
-      <p:sp>
-        <p:nvSpPr>
-          <p:cNvPr id="2" name="직사각형 1"/>
-          <p:cNvSpPr/>
-          <p:nvPr/>
-        </p:nvSpPr>
-        <p:spPr>
-          <a:xfrm>
-            <a:off x="216491" y="222608"/>
-            <a:ext cx="1758238" cy="523220"/>
-          </a:xfrm>
-          <a:prstGeom prst="rect">
-            <a:avLst/>
-          </a:prstGeom>
-        </p:spPr>
-        <p:txBody>
-          <a:bodyPr wrap="none">
-            <a:spAutoFit/>
-          </a:bodyPr>
-          <a:lstStyle/>
-          <a:p>
-            <a:r>
-              <a:rPr lang="en-US" altLang="ko-KR" sz="2800" dirty="0">
-                <a:latin typeface="Seravek" charset="0"/>
-                <a:ea typeface="Seravek" charset="0"/>
-                <a:cs typeface="Seravek" charset="0"/>
-              </a:rPr>
-              <a:t>Key Points</a:t>
-            </a:r>
-            <a:endParaRPr lang="ko-KR" altLang="en-US" sz="2800" dirty="0">
-              <a:latin typeface="Seravek" charset="0"/>
-              <a:ea typeface="Seravek" charset="0"/>
-              <a:cs typeface="Seravek" charset="0"/>
-            </a:endParaRPr>
-          </a:p>
-        </p:txBody>
-      </p:sp>
-      <p:sp>
-        <p:nvSpPr>
-          <p:cNvPr id="18" name="텍스트 상자 17"/>
-          <p:cNvSpPr txBox="1"/>
-          <p:nvPr/>
-        </p:nvSpPr>
-        <p:spPr>
-          <a:xfrm>
-            <a:off x="1136286" y="989045"/>
-            <a:ext cx="4342599" cy="2751522"/>
-          </a:xfrm>
-          <a:prstGeom prst="rect">
-            <a:avLst/>
-          </a:prstGeom>
-          <a:noFill/>
-        </p:spPr>
-        <p:txBody>
-          <a:bodyPr wrap="none" rtlCol="0">
-            <a:spAutoFit/>
-          </a:bodyPr>
-          <a:lstStyle/>
-          <a:p>
-            <a:pPr>
-              <a:lnSpc>
-                <a:spcPct val="160000"/>
-              </a:lnSpc>
-            </a:pPr>
-            <a:r>
-              <a:rPr lang="en-US" altLang="ko-KR" b="1" dirty="0">
-                <a:latin typeface="Seravek Light" charset="0"/>
-                <a:ea typeface="Seravek Light" charset="0"/>
-                <a:cs typeface="Seravek Light" charset="0"/>
-              </a:rPr>
-              <a:t>Chapter 3: Displaying categorical data</a:t>
-            </a:r>
-          </a:p>
-          <a:p>
-            <a:pPr marL="314325" indent="-314325">
-              <a:lnSpc>
-                <a:spcPct val="160000"/>
-              </a:lnSpc>
-              <a:buFont typeface="Arial" charset="0"/>
-              <a:buChar char="•"/>
-            </a:pPr>
-            <a:r>
-              <a:rPr lang="en-US" altLang="ko-KR" dirty="0">
-                <a:latin typeface="Seravek Light" charset="0"/>
-                <a:ea typeface="Seravek Light" charset="0"/>
-                <a:cs typeface="Seravek Light" charset="0"/>
-              </a:rPr>
-              <a:t>Bar chart for categorical data</a:t>
-            </a:r>
-          </a:p>
-          <a:p>
-            <a:pPr marL="314325" indent="-314325">
-              <a:lnSpc>
-                <a:spcPct val="160000"/>
-              </a:lnSpc>
-              <a:buFont typeface="Arial" charset="0"/>
-              <a:buChar char="•"/>
-            </a:pPr>
-            <a:r>
-              <a:rPr lang="en-US" altLang="ko-KR" dirty="0">
-                <a:latin typeface="Seravek Light" charset="0"/>
-                <a:ea typeface="Seravek Light" charset="0"/>
-                <a:cs typeface="Seravek Light" charset="0"/>
-              </a:rPr>
-              <a:t>Pie chart for proportions of whole</a:t>
-            </a:r>
-          </a:p>
-          <a:p>
-            <a:pPr marL="314325" indent="-314325">
-              <a:lnSpc>
-                <a:spcPct val="160000"/>
-              </a:lnSpc>
-              <a:buFont typeface="Arial" charset="0"/>
-              <a:buChar char="•"/>
-            </a:pPr>
-            <a:r>
-              <a:rPr lang="en-US" altLang="ko-KR" dirty="0">
-                <a:latin typeface="Seravek Light" charset="0"/>
-                <a:ea typeface="Seravek Light" charset="0"/>
-                <a:cs typeface="Seravek Light" charset="0"/>
-              </a:rPr>
-              <a:t>Faithful reporting and the area principle</a:t>
-            </a:r>
-          </a:p>
-          <a:p>
-            <a:pPr marL="314325" indent="-314325">
-              <a:lnSpc>
-                <a:spcPct val="160000"/>
-              </a:lnSpc>
-              <a:buFont typeface="Arial" charset="0"/>
-              <a:buChar char="•"/>
-            </a:pPr>
-            <a:r>
-              <a:rPr lang="en-US" altLang="ko-KR" dirty="0">
-                <a:latin typeface="Seravek Light" charset="0"/>
-                <a:ea typeface="Seravek Light" charset="0"/>
-                <a:cs typeface="Seravek Light" charset="0"/>
-              </a:rPr>
-              <a:t>Contingency tables</a:t>
-            </a:r>
-          </a:p>
-          <a:p>
-            <a:pPr marL="314325" indent="-314325">
-              <a:lnSpc>
-                <a:spcPct val="160000"/>
-              </a:lnSpc>
-              <a:buFont typeface="Arial" charset="0"/>
-              <a:buChar char="•"/>
-            </a:pPr>
-            <a:r>
-              <a:rPr lang="en-US" altLang="ko-KR" dirty="0">
-                <a:latin typeface="Seravek Light" charset="0"/>
-                <a:ea typeface="Seravek Light" charset="0"/>
-                <a:cs typeface="Seravek Light" charset="0"/>
-              </a:rPr>
-              <a:t>Simpson’s paradox</a:t>
-            </a:r>
-          </a:p>
-        </p:txBody>
-      </p:sp>
-      <p:sp>
-        <p:nvSpPr>
-          <p:cNvPr id="12" name="텍스트 상자 11"/>
-          <p:cNvSpPr txBox="1"/>
-          <p:nvPr/>
-        </p:nvSpPr>
-        <p:spPr>
-          <a:xfrm>
-            <a:off x="6210641" y="2992823"/>
-            <a:ext cx="5139677" cy="2751522"/>
-          </a:xfrm>
-          <a:prstGeom prst="rect">
-            <a:avLst/>
-          </a:prstGeom>
-          <a:noFill/>
-        </p:spPr>
-        <p:txBody>
-          <a:bodyPr wrap="none" rtlCol="0">
-            <a:spAutoFit/>
-          </a:bodyPr>
-          <a:lstStyle/>
-          <a:p>
-            <a:pPr>
-              <a:lnSpc>
-                <a:spcPct val="160000"/>
-              </a:lnSpc>
-            </a:pPr>
-            <a:r>
-              <a:rPr lang="en-US" altLang="ko-KR" b="1" dirty="0">
-                <a:latin typeface="Seravek Light" charset="0"/>
-                <a:ea typeface="Seravek Light" charset="0"/>
-                <a:cs typeface="Seravek Light" charset="0"/>
-              </a:rPr>
-              <a:t>Chapter 4: Displaying quantitative data</a:t>
-            </a:r>
-          </a:p>
-          <a:p>
-            <a:pPr marL="314325" indent="-314325">
-              <a:lnSpc>
-                <a:spcPct val="160000"/>
-              </a:lnSpc>
-              <a:buFont typeface="Arial" charset="0"/>
-              <a:buChar char="•"/>
-            </a:pPr>
-            <a:r>
-              <a:rPr lang="en-US" altLang="ko-KR" dirty="0">
-                <a:latin typeface="Seravek Light" charset="0"/>
-                <a:ea typeface="Seravek Light" charset="0"/>
-                <a:cs typeface="Seravek Light" charset="0"/>
-              </a:rPr>
-              <a:t>Histograms, Stem-leaf, dot plots</a:t>
-            </a:r>
-          </a:p>
-          <a:p>
-            <a:pPr marL="314325" indent="-314325">
-              <a:lnSpc>
-                <a:spcPct val="160000"/>
-              </a:lnSpc>
-              <a:buFont typeface="Arial" charset="0"/>
-              <a:buChar char="•"/>
-            </a:pPr>
-            <a:r>
-              <a:rPr lang="en-US" altLang="ko-KR" dirty="0">
-                <a:latin typeface="Seravek Light" charset="0"/>
-                <a:ea typeface="Seravek Light" charset="0"/>
-                <a:cs typeface="Seravek Light" charset="0"/>
-              </a:rPr>
-              <a:t>Shape (mode, symmetrical)</a:t>
-            </a:r>
-          </a:p>
-          <a:p>
-            <a:pPr marL="314325" indent="-314325">
-              <a:lnSpc>
-                <a:spcPct val="160000"/>
-              </a:lnSpc>
-              <a:buFont typeface="Arial" charset="0"/>
-              <a:buChar char="•"/>
-            </a:pPr>
-            <a:r>
-              <a:rPr lang="en-US" altLang="ko-KR" dirty="0">
-                <a:latin typeface="Seravek Light" charset="0"/>
-                <a:ea typeface="Seravek Light" charset="0"/>
-                <a:cs typeface="Seravek Light" charset="0"/>
-              </a:rPr>
-              <a:t>Center (median, mean)</a:t>
-            </a:r>
-          </a:p>
-          <a:p>
-            <a:pPr marL="314325" indent="-314325">
-              <a:lnSpc>
-                <a:spcPct val="160000"/>
-              </a:lnSpc>
-              <a:buFont typeface="Arial" charset="0"/>
-              <a:buChar char="•"/>
-            </a:pPr>
-            <a:r>
-              <a:rPr lang="en-US" altLang="ko-KR" dirty="0">
-                <a:latin typeface="Seravek Light" charset="0"/>
-                <a:ea typeface="Seravek Light" charset="0"/>
-                <a:cs typeface="Seravek Light" charset="0"/>
-              </a:rPr>
-              <a:t>Spread (range, IQR, variance, standard deviation)</a:t>
-            </a:r>
-          </a:p>
-          <a:p>
-            <a:pPr marL="314325" indent="-314325">
-              <a:lnSpc>
-                <a:spcPct val="160000"/>
-              </a:lnSpc>
-              <a:buFont typeface="Arial" charset="0"/>
-              <a:buChar char="•"/>
-            </a:pPr>
-            <a:r>
-              <a:rPr lang="en-US" altLang="ko-KR" dirty="0">
-                <a:latin typeface="Seravek Light" charset="0"/>
-                <a:ea typeface="Seravek Light" charset="0"/>
-                <a:cs typeface="Seravek Light" charset="0"/>
-              </a:rPr>
-              <a:t>Box plots</a:t>
-            </a:r>
-          </a:p>
-        </p:txBody>
-      </p:sp>
-    </p:spTree>
-    <p:extLst>
-      <p:ext uri="{BB962C8B-B14F-4D97-AF65-F5344CB8AC3E}">
-        <p14:creationId xmlns:p14="http://schemas.microsoft.com/office/powerpoint/2010/main" val="1407788928"/>
-      </p:ext>
-    </p:extLst>
-  </p:cSld>
-  <p:clrMapOvr>
-    <a:masterClrMapping/>
-  </p:clrMapOvr>
-</p:sld>
-</file>
-
-<file path=ppt/slides/slide3.xml><?xml version="1.0" encoding="utf-8"?>
-<p:sld xmlns:a="http://schemas.openxmlformats.org/drawingml/2006/main" xmlns:r="http://schemas.openxmlformats.org/officeDocument/2006/relationships" xmlns:p="http://schemas.openxmlformats.org/presentationml/2006/main">
-  <p:cSld>
-    <p:spTree>
-      <p:nvGrpSpPr>
-        <p:cNvPr id="1" name=""/>
-        <p:cNvGrpSpPr/>
-        <p:nvPr/>
-      </p:nvGrpSpPr>
-      <p:grpSpPr>
-        <a:xfrm>
-          <a:off x="0" y="0"/>
-          <a:ext cx="0" cy="0"/>
-          <a:chOff x="0" y="0"/>
-          <a:chExt cx="0" cy="0"/>
-        </a:xfrm>
-      </p:grpSpPr>
-      <p:grpSp>
-        <p:nvGrpSpPr>
-          <p:cNvPr id="8" name="그룹 7"/>
-          <p:cNvGrpSpPr/>
-          <p:nvPr/>
-        </p:nvGrpSpPr>
-        <p:grpSpPr>
-          <a:xfrm>
-            <a:off x="10422294" y="6186196"/>
-            <a:ext cx="1661681" cy="671804"/>
-            <a:chOff x="18662" y="6209254"/>
-            <a:chExt cx="1661681" cy="671804"/>
-          </a:xfrm>
-        </p:grpSpPr>
-        <p:pic>
-          <p:nvPicPr>
-            <p:cNvPr id="5" name="그림 4"/>
-            <p:cNvPicPr>
-              <a:picLocks noChangeAspect="1"/>
-            </p:cNvPicPr>
-            <p:nvPr/>
-          </p:nvPicPr>
-          <p:blipFill>
-            <a:blip r:embed="rId2">
-              <a:extLst>
-                <a:ext uri="{28A0092B-C50C-407E-A947-70E740481C1C}">
-                  <a14:useLocalDpi xmlns:a14="http://schemas.microsoft.com/office/drawing/2010/main" val="0"/>
-                </a:ext>
-              </a:extLst>
-            </a:blip>
-            <a:stretch>
-              <a:fillRect/>
-            </a:stretch>
-          </p:blipFill>
-          <p:spPr>
-            <a:xfrm>
-              <a:off x="18662" y="6209254"/>
-              <a:ext cx="671804" cy="671804"/>
-            </a:xfrm>
-            <a:prstGeom prst="rect">
-              <a:avLst/>
-            </a:prstGeom>
-          </p:spPr>
-        </p:pic>
-        <p:pic>
-          <p:nvPicPr>
-            <p:cNvPr id="6" name="그림 5"/>
-            <p:cNvPicPr>
-              <a:picLocks noChangeAspect="1"/>
-            </p:cNvPicPr>
-            <p:nvPr/>
-          </p:nvPicPr>
-          <p:blipFill>
-            <a:blip r:embed="rId3"/>
-            <a:stretch>
-              <a:fillRect/>
-            </a:stretch>
-          </p:blipFill>
-          <p:spPr>
-            <a:xfrm>
-              <a:off x="625149" y="6262887"/>
-              <a:ext cx="597215" cy="517044"/>
-            </a:xfrm>
-            <a:prstGeom prst="rect">
-              <a:avLst/>
-            </a:prstGeom>
-          </p:spPr>
-        </p:pic>
-        <p:pic>
-          <p:nvPicPr>
-            <p:cNvPr id="7" name="그림 6"/>
-            <p:cNvPicPr>
-              <a:picLocks noChangeAspect="1"/>
-            </p:cNvPicPr>
-            <p:nvPr/>
-          </p:nvPicPr>
-          <p:blipFill>
-            <a:blip r:embed="rId4">
-              <a:extLst>
-                <a:ext uri="{28A0092B-C50C-407E-A947-70E740481C1C}">
-                  <a14:useLocalDpi xmlns:a14="http://schemas.microsoft.com/office/drawing/2010/main" val="0"/>
-                </a:ext>
-              </a:extLst>
-            </a:blip>
-            <a:stretch>
-              <a:fillRect/>
-            </a:stretch>
-          </p:blipFill>
-          <p:spPr>
-            <a:xfrm>
-              <a:off x="1241804" y="6322730"/>
-              <a:ext cx="438539" cy="438539"/>
-            </a:xfrm>
-            <a:prstGeom prst="rect">
-              <a:avLst/>
-            </a:prstGeom>
-          </p:spPr>
-        </p:pic>
-      </p:grpSp>
-      <p:sp>
-        <p:nvSpPr>
-          <p:cNvPr id="9" name="직사각형 8"/>
-          <p:cNvSpPr/>
-          <p:nvPr/>
-        </p:nvSpPr>
-        <p:spPr>
-          <a:xfrm>
-            <a:off x="0" y="0"/>
-            <a:ext cx="12192000" cy="102769"/>
-          </a:xfrm>
-          <a:prstGeom prst="rect">
-            <a:avLst/>
-          </a:prstGeom>
-          <a:solidFill>
-            <a:schemeClr val="accent6">
-              <a:lumMod val="60000"/>
-              <a:lumOff val="40000"/>
-            </a:schemeClr>
-          </a:solidFill>
-          <a:ln>
-            <a:noFill/>
-          </a:ln>
-        </p:spPr>
-        <p:style>
-          <a:lnRef idx="2">
-            <a:schemeClr val="accent1">
-              <a:shade val="50000"/>
-            </a:schemeClr>
-          </a:lnRef>
-          <a:fillRef idx="1">
-            <a:schemeClr val="accent1"/>
-          </a:fillRef>
-          <a:effectRef idx="0">
-            <a:schemeClr val="accent1"/>
-          </a:effectRef>
-          <a:fontRef idx="minor">
-            <a:schemeClr val="lt1"/>
-          </a:fontRef>
-        </p:style>
-        <p:txBody>
-          <a:bodyPr rtlCol="0" anchor="ctr"/>
-          <a:lstStyle/>
-          <a:p>
-            <a:pPr algn="ctr"/>
-            <a:endParaRPr kumimoji="1" lang="ko-KR" altLang="en-US" dirty="0">
-              <a:latin typeface="PT Sans Narrow" charset="-52"/>
-              <a:ea typeface="PT Sans Narrow" charset="-52"/>
-              <a:cs typeface="PT Sans Narrow" charset="-52"/>
-            </a:endParaRPr>
-          </a:p>
-        </p:txBody>
-      </p:sp>
-      <p:sp>
-        <p:nvSpPr>
-          <p:cNvPr id="10" name="직사각형 9"/>
-          <p:cNvSpPr/>
-          <p:nvPr/>
-        </p:nvSpPr>
-        <p:spPr>
-          <a:xfrm>
-            <a:off x="9894433" y="84109"/>
-            <a:ext cx="2301508" cy="276999"/>
-          </a:xfrm>
-          <a:prstGeom prst="rect">
-            <a:avLst/>
-          </a:prstGeom>
-        </p:spPr>
-        <p:txBody>
-          <a:bodyPr wrap="square">
-            <a:spAutoFit/>
-          </a:bodyPr>
-          <a:lstStyle/>
-          <a:p>
-            <a:pPr algn="r"/>
-            <a:r>
-              <a:rPr lang="en-US" altLang="ko-KR" sz="1200" dirty="0">
-                <a:latin typeface="Seravek Light" charset="0"/>
-                <a:ea typeface="Seravek Light" charset="0"/>
-                <a:cs typeface="Seravek Light" charset="0"/>
-              </a:rPr>
-              <a:t>Lecture </a:t>
-            </a:r>
-            <a:r>
-              <a:rPr lang="en-US" altLang="ko-KR" sz="1200">
-                <a:latin typeface="Seravek Light" charset="0"/>
-                <a:ea typeface="Seravek Light" charset="0"/>
-                <a:cs typeface="Seravek Light" charset="0"/>
-              </a:rPr>
-              <a:t>04   </a:t>
-            </a:r>
-            <a:endParaRPr lang="ko-KR" altLang="en-US" sz="1200" dirty="0">
-              <a:latin typeface="Seravek Light" charset="0"/>
-              <a:ea typeface="Seravek Light" charset="0"/>
-              <a:cs typeface="Seravek Light" charset="0"/>
-            </a:endParaRPr>
-          </a:p>
-        </p:txBody>
-      </p:sp>
-      <p:sp>
-        <p:nvSpPr>
-          <p:cNvPr id="11" name="직사각형 10"/>
-          <p:cNvSpPr/>
-          <p:nvPr/>
-        </p:nvSpPr>
-        <p:spPr>
-          <a:xfrm>
-            <a:off x="69202" y="6518941"/>
-            <a:ext cx="4169731" cy="261610"/>
-          </a:xfrm>
-          <a:prstGeom prst="rect">
-            <a:avLst/>
-          </a:prstGeom>
-        </p:spPr>
-        <p:txBody>
-          <a:bodyPr wrap="none">
-            <a:spAutoFit/>
-          </a:bodyPr>
-          <a:lstStyle/>
-          <a:p>
-            <a:r>
-              <a:rPr lang="en-US" altLang="ko-KR" sz="1100" dirty="0">
-                <a:latin typeface="Seravek Light" charset="0"/>
-                <a:ea typeface="Seravek Light" charset="0"/>
-                <a:cs typeface="Seravek Light" charset="0"/>
-              </a:rPr>
-              <a:t>CHOONG-WAN WOO  |  COCOAN lab  |  </a:t>
-            </a:r>
-            <a:r>
-              <a:rPr lang="en-US" altLang="ko-KR" sz="1100" dirty="0">
-                <a:latin typeface="Seravek Light" charset="0"/>
-                <a:ea typeface="Seravek Light" charset="0"/>
-                <a:cs typeface="Seravek Light" charset="0"/>
-                <a:hlinkClick r:id="rId5"/>
+                <a:hlinkClick r:id="rId6"/>
               </a:rPr>
               <a:t>http://cocoanlab.github.io</a:t>
             </a:r>
@@ -12220,7 +10158,7 @@
           <p:nvPr/>
         </p:nvPicPr>
         <p:blipFill>
-          <a:blip r:embed="rId6"/>
+          <a:blip r:embed="rId7"/>
           <a:stretch>
             <a:fillRect/>
           </a:stretch>
@@ -12244,7 +10182,7 @@
         <p:spPr>
           <a:xfrm>
             <a:off x="517377" y="1013598"/>
-            <a:ext cx="4272965" cy="1914370"/>
+            <a:ext cx="4272965" cy="1587358"/>
           </a:xfrm>
           <a:prstGeom prst="rect">
             <a:avLst/>
@@ -12285,24 +10223,7 @@
                 <a:ea typeface="Seravek Light" charset="0"/>
                 <a:cs typeface="Seravek Light" charset="0"/>
               </a:rPr>
-              <a:t>Who: Days during 2011</a:t>
-            </a:r>
-          </a:p>
-          <a:p>
-            <a:pPr marL="285750" indent="-285750">
-              <a:lnSpc>
-                <a:spcPct val="160000"/>
-              </a:lnSpc>
-              <a:buFont typeface="Arial" charset="0"/>
-              <a:buChar char="•"/>
-            </a:pPr>
-            <a:r>
-              <a:rPr lang="en-US" altLang="ko-KR" sz="1200" dirty="0">
-                <a:latin typeface="Seravek Light" charset="0"/>
-                <a:ea typeface="Seravek Light" charset="0"/>
-                <a:cs typeface="Seravek Light" charset="0"/>
-              </a:rPr>
-              <a:t>When: 2011</a:t>
+              <a:t>When: Days during 2011</a:t>
             </a:r>
           </a:p>
           <a:p>
@@ -12367,7 +10288,7 @@
           <p:nvPr/>
         </p:nvPicPr>
         <p:blipFill>
-          <a:blip r:embed="rId7"/>
+          <a:blip r:embed="rId8"/>
           <a:stretch>
             <a:fillRect/>
           </a:stretch>
@@ -12391,7 +10312,7 @@
           <p:nvPr/>
         </p:nvPicPr>
         <p:blipFill>
-          <a:blip r:embed="rId8"/>
+          <a:blip r:embed="rId9"/>
           <a:stretch>
             <a:fillRect/>
           </a:stretch>
@@ -12727,7 +10648,7 @@
 </p:sld>
 </file>
 
-<file path=ppt/slides/slide4.xml><?xml version="1.0" encoding="utf-8"?>
+<file path=ppt/slides/slide3.xml><?xml version="1.0" encoding="utf-8"?>
 <p:sld xmlns:a="http://schemas.openxmlformats.org/drawingml/2006/main" xmlns:r="http://schemas.openxmlformats.org/officeDocument/2006/relationships" xmlns:p="http://schemas.openxmlformats.org/presentationml/2006/main">
   <p:cSld>
     <p:spTree>
@@ -12767,7 +10688,7 @@
             <p:nvPr/>
           </p:nvPicPr>
           <p:blipFill>
-            <a:blip r:embed="rId2">
+            <a:blip r:embed="rId3">
               <a:extLst>
                 <a:ext uri="{28A0092B-C50C-407E-A947-70E740481C1C}">
                   <a14:useLocalDpi xmlns:a14="http://schemas.microsoft.com/office/drawing/2010/main" val="0"/>
@@ -12797,7 +10718,7 @@
             <p:nvPr/>
           </p:nvPicPr>
           <p:blipFill>
-            <a:blip r:embed="rId3"/>
+            <a:blip r:embed="rId4"/>
             <a:stretch>
               <a:fillRect/>
             </a:stretch>
@@ -12821,7 +10742,7 @@
             <p:nvPr/>
           </p:nvPicPr>
           <p:blipFill>
-            <a:blip r:embed="rId4">
+            <a:blip r:embed="rId5">
               <a:extLst>
                 <a:ext uri="{28A0092B-C50C-407E-A947-70E740481C1C}">
                   <a14:useLocalDpi xmlns:a14="http://schemas.microsoft.com/office/drawing/2010/main" val="0"/>
@@ -12976,7 +10897,7 @@
                 <a:latin typeface="Seravek Light" charset="0"/>
                 <a:ea typeface="Seravek Light" charset="0"/>
                 <a:cs typeface="Seravek Light" charset="0"/>
-                <a:hlinkClick r:id="rId5"/>
+                <a:hlinkClick r:id="rId6"/>
               </a:rPr>
               <a:t>http://cocoanlab.github.io</a:t>
             </a:r>
@@ -13716,7 +11637,1502 @@
 </p:sld>
 </file>
 
+<file path=ppt/slides/slide4.xml><?xml version="1.0" encoding="utf-8"?>
+<p:sld xmlns:a="http://schemas.openxmlformats.org/drawingml/2006/main" xmlns:r="http://schemas.openxmlformats.org/officeDocument/2006/relationships" xmlns:p="http://schemas.openxmlformats.org/presentationml/2006/main">
+  <p:cSld>
+    <p:spTree>
+      <p:nvGrpSpPr>
+        <p:cNvPr id="1" name=""/>
+        <p:cNvGrpSpPr/>
+        <p:nvPr/>
+      </p:nvGrpSpPr>
+      <p:grpSpPr>
+        <a:xfrm>
+          <a:off x="0" y="0"/>
+          <a:ext cx="0" cy="0"/>
+          <a:chOff x="0" y="0"/>
+          <a:chExt cx="0" cy="0"/>
+        </a:xfrm>
+      </p:grpSpPr>
+      <p:grpSp>
+        <p:nvGrpSpPr>
+          <p:cNvPr id="8" name="그룹 7"/>
+          <p:cNvGrpSpPr/>
+          <p:nvPr/>
+        </p:nvGrpSpPr>
+        <p:grpSpPr>
+          <a:xfrm>
+            <a:off x="10422294" y="6186196"/>
+            <a:ext cx="1661681" cy="671804"/>
+            <a:chOff x="18662" y="6209254"/>
+            <a:chExt cx="1661681" cy="671804"/>
+          </a:xfrm>
+        </p:grpSpPr>
+        <p:pic>
+          <p:nvPicPr>
+            <p:cNvPr id="5" name="그림 4"/>
+            <p:cNvPicPr>
+              <a:picLocks noChangeAspect="1"/>
+            </p:cNvPicPr>
+            <p:nvPr/>
+          </p:nvPicPr>
+          <p:blipFill>
+            <a:blip r:embed="rId2">
+              <a:extLst>
+                <a:ext uri="{28A0092B-C50C-407E-A947-70E740481C1C}">
+                  <a14:useLocalDpi xmlns:a14="http://schemas.microsoft.com/office/drawing/2010/main" val="0"/>
+                </a:ext>
+              </a:extLst>
+            </a:blip>
+            <a:stretch>
+              <a:fillRect/>
+            </a:stretch>
+          </p:blipFill>
+          <p:spPr>
+            <a:xfrm>
+              <a:off x="18662" y="6209254"/>
+              <a:ext cx="671804" cy="671804"/>
+            </a:xfrm>
+            <a:prstGeom prst="rect">
+              <a:avLst/>
+            </a:prstGeom>
+          </p:spPr>
+        </p:pic>
+        <p:pic>
+          <p:nvPicPr>
+            <p:cNvPr id="6" name="그림 5"/>
+            <p:cNvPicPr>
+              <a:picLocks noChangeAspect="1"/>
+            </p:cNvPicPr>
+            <p:nvPr/>
+          </p:nvPicPr>
+          <p:blipFill>
+            <a:blip r:embed="rId3"/>
+            <a:stretch>
+              <a:fillRect/>
+            </a:stretch>
+          </p:blipFill>
+          <p:spPr>
+            <a:xfrm>
+              <a:off x="625149" y="6262887"/>
+              <a:ext cx="597215" cy="517044"/>
+            </a:xfrm>
+            <a:prstGeom prst="rect">
+              <a:avLst/>
+            </a:prstGeom>
+          </p:spPr>
+        </p:pic>
+        <p:pic>
+          <p:nvPicPr>
+            <p:cNvPr id="7" name="그림 6"/>
+            <p:cNvPicPr>
+              <a:picLocks noChangeAspect="1"/>
+            </p:cNvPicPr>
+            <p:nvPr/>
+          </p:nvPicPr>
+          <p:blipFill>
+            <a:blip r:embed="rId4">
+              <a:extLst>
+                <a:ext uri="{28A0092B-C50C-407E-A947-70E740481C1C}">
+                  <a14:useLocalDpi xmlns:a14="http://schemas.microsoft.com/office/drawing/2010/main" val="0"/>
+                </a:ext>
+              </a:extLst>
+            </a:blip>
+            <a:stretch>
+              <a:fillRect/>
+            </a:stretch>
+          </p:blipFill>
+          <p:spPr>
+            <a:xfrm>
+              <a:off x="1241804" y="6322730"/>
+              <a:ext cx="438539" cy="438539"/>
+            </a:xfrm>
+            <a:prstGeom prst="rect">
+              <a:avLst/>
+            </a:prstGeom>
+          </p:spPr>
+        </p:pic>
+      </p:grpSp>
+      <p:sp>
+        <p:nvSpPr>
+          <p:cNvPr id="9" name="직사각형 8"/>
+          <p:cNvSpPr/>
+          <p:nvPr/>
+        </p:nvSpPr>
+        <p:spPr>
+          <a:xfrm>
+            <a:off x="0" y="0"/>
+            <a:ext cx="12192000" cy="102769"/>
+          </a:xfrm>
+          <a:prstGeom prst="rect">
+            <a:avLst/>
+          </a:prstGeom>
+          <a:solidFill>
+            <a:schemeClr val="accent6">
+              <a:lumMod val="60000"/>
+              <a:lumOff val="40000"/>
+            </a:schemeClr>
+          </a:solidFill>
+          <a:ln>
+            <a:noFill/>
+          </a:ln>
+        </p:spPr>
+        <p:style>
+          <a:lnRef idx="2">
+            <a:schemeClr val="accent1">
+              <a:shade val="50000"/>
+            </a:schemeClr>
+          </a:lnRef>
+          <a:fillRef idx="1">
+            <a:schemeClr val="accent1"/>
+          </a:fillRef>
+          <a:effectRef idx="0">
+            <a:schemeClr val="accent1"/>
+          </a:effectRef>
+          <a:fontRef idx="minor">
+            <a:schemeClr val="lt1"/>
+          </a:fontRef>
+        </p:style>
+        <p:txBody>
+          <a:bodyPr rtlCol="0" anchor="ctr"/>
+          <a:lstStyle/>
+          <a:p>
+            <a:pPr algn="ctr"/>
+            <a:endParaRPr kumimoji="1" lang="ko-KR" altLang="en-US" dirty="0">
+              <a:latin typeface="PT Sans Narrow" charset="-52"/>
+              <a:ea typeface="PT Sans Narrow" charset="-52"/>
+              <a:cs typeface="PT Sans Narrow" charset="-52"/>
+            </a:endParaRPr>
+          </a:p>
+        </p:txBody>
+      </p:sp>
+      <p:sp>
+        <p:nvSpPr>
+          <p:cNvPr id="10" name="직사각형 9"/>
+          <p:cNvSpPr/>
+          <p:nvPr/>
+        </p:nvSpPr>
+        <p:spPr>
+          <a:xfrm>
+            <a:off x="9894433" y="84109"/>
+            <a:ext cx="2301508" cy="276999"/>
+          </a:xfrm>
+          <a:prstGeom prst="rect">
+            <a:avLst/>
+          </a:prstGeom>
+        </p:spPr>
+        <p:txBody>
+          <a:bodyPr wrap="square">
+            <a:spAutoFit/>
+          </a:bodyPr>
+          <a:lstStyle/>
+          <a:p>
+            <a:pPr algn="r"/>
+            <a:r>
+              <a:rPr lang="en-US" altLang="ko-KR" sz="1200" dirty="0">
+                <a:latin typeface="Seravek Light" charset="0"/>
+                <a:ea typeface="Seravek Light" charset="0"/>
+                <a:cs typeface="Seravek Light" charset="0"/>
+              </a:rPr>
+              <a:t>Lecture </a:t>
+            </a:r>
+            <a:r>
+              <a:rPr lang="en-US" altLang="ko-KR" sz="1200">
+                <a:latin typeface="Seravek Light" charset="0"/>
+                <a:ea typeface="Seravek Light" charset="0"/>
+                <a:cs typeface="Seravek Light" charset="0"/>
+              </a:rPr>
+              <a:t>04   </a:t>
+            </a:r>
+            <a:endParaRPr lang="ko-KR" altLang="en-US" sz="1200" dirty="0">
+              <a:latin typeface="Seravek Light" charset="0"/>
+              <a:ea typeface="Seravek Light" charset="0"/>
+              <a:cs typeface="Seravek Light" charset="0"/>
+            </a:endParaRPr>
+          </a:p>
+        </p:txBody>
+      </p:sp>
+      <p:sp>
+        <p:nvSpPr>
+          <p:cNvPr id="11" name="직사각형 10"/>
+          <p:cNvSpPr/>
+          <p:nvPr/>
+        </p:nvSpPr>
+        <p:spPr>
+          <a:xfrm>
+            <a:off x="69202" y="6518941"/>
+            <a:ext cx="4169731" cy="261610"/>
+          </a:xfrm>
+          <a:prstGeom prst="rect">
+            <a:avLst/>
+          </a:prstGeom>
+        </p:spPr>
+        <p:txBody>
+          <a:bodyPr wrap="none">
+            <a:spAutoFit/>
+          </a:bodyPr>
+          <a:lstStyle/>
+          <a:p>
+            <a:r>
+              <a:rPr lang="en-US" altLang="ko-KR" sz="1100" dirty="0">
+                <a:latin typeface="Seravek Light" charset="0"/>
+                <a:ea typeface="Seravek Light" charset="0"/>
+                <a:cs typeface="Seravek Light" charset="0"/>
+              </a:rPr>
+              <a:t>CHOONG-WAN WOO  |  COCOAN lab  |  </a:t>
+            </a:r>
+            <a:r>
+              <a:rPr lang="en-US" altLang="ko-KR" sz="1100" dirty="0">
+                <a:latin typeface="Seravek Light" charset="0"/>
+                <a:ea typeface="Seravek Light" charset="0"/>
+                <a:cs typeface="Seravek Light" charset="0"/>
+                <a:hlinkClick r:id="rId5"/>
+              </a:rPr>
+              <a:t>http://cocoanlab.github.io</a:t>
+            </a:r>
+            <a:endParaRPr lang="en-US" altLang="ko-KR" sz="1100" dirty="0">
+              <a:latin typeface="Seravek Light" charset="0"/>
+              <a:ea typeface="Seravek Light" charset="0"/>
+              <a:cs typeface="Seravek Light" charset="0"/>
+            </a:endParaRPr>
+          </a:p>
+        </p:txBody>
+      </p:sp>
+      <p:sp>
+        <p:nvSpPr>
+          <p:cNvPr id="2" name="직사각형 1"/>
+          <p:cNvSpPr/>
+          <p:nvPr/>
+        </p:nvSpPr>
+        <p:spPr>
+          <a:xfrm>
+            <a:off x="216491" y="222608"/>
+            <a:ext cx="3135795" cy="523220"/>
+          </a:xfrm>
+          <a:prstGeom prst="rect">
+            <a:avLst/>
+          </a:prstGeom>
+        </p:spPr>
+        <p:txBody>
+          <a:bodyPr wrap="none">
+            <a:spAutoFit/>
+          </a:bodyPr>
+          <a:lstStyle/>
+          <a:p>
+            <a:r>
+              <a:rPr lang="en-US" altLang="ko-KR" sz="2800" dirty="0">
+                <a:latin typeface="Seravek" charset="0"/>
+                <a:ea typeface="Seravek" charset="0"/>
+                <a:cs typeface="Seravek" charset="0"/>
+              </a:rPr>
+              <a:t>Re-expressing Data</a:t>
+            </a:r>
+            <a:endParaRPr lang="ko-KR" altLang="en-US" sz="2800" dirty="0">
+              <a:latin typeface="Seravek" charset="0"/>
+              <a:ea typeface="Seravek" charset="0"/>
+              <a:cs typeface="Seravek" charset="0"/>
+            </a:endParaRPr>
+          </a:p>
+        </p:txBody>
+      </p:sp>
+      <p:sp>
+        <p:nvSpPr>
+          <p:cNvPr id="13" name="텍스트 상자 12"/>
+          <p:cNvSpPr txBox="1"/>
+          <p:nvPr/>
+        </p:nvSpPr>
+        <p:spPr>
+          <a:xfrm>
+            <a:off x="1136286" y="989045"/>
+            <a:ext cx="2655663" cy="535531"/>
+          </a:xfrm>
+          <a:prstGeom prst="rect">
+            <a:avLst/>
+          </a:prstGeom>
+          <a:noFill/>
+        </p:spPr>
+        <p:txBody>
+          <a:bodyPr wrap="none" rtlCol="0">
+            <a:spAutoFit/>
+          </a:bodyPr>
+          <a:lstStyle/>
+          <a:p>
+            <a:pPr marL="314325" indent="-314325">
+              <a:lnSpc>
+                <a:spcPct val="160000"/>
+              </a:lnSpc>
+              <a:buFont typeface="Arial" charset="0"/>
+              <a:buChar char="•"/>
+            </a:pPr>
+            <a:r>
+              <a:rPr lang="en-US" altLang="ko-KR" dirty="0">
+                <a:latin typeface="Seravek Light" charset="0"/>
+                <a:ea typeface="Seravek Light" charset="0"/>
+                <a:cs typeface="Seravek Light" charset="0"/>
+              </a:rPr>
+              <a:t>To improve symmetry:</a:t>
+            </a:r>
+          </a:p>
+        </p:txBody>
+      </p:sp>
+      <p:pic>
+        <p:nvPicPr>
+          <p:cNvPr id="12" name="그림 11"/>
+          <p:cNvPicPr>
+            <a:picLocks noChangeAspect="1"/>
+          </p:cNvPicPr>
+          <p:nvPr/>
+        </p:nvPicPr>
+        <p:blipFill>
+          <a:blip r:embed="rId6"/>
+          <a:stretch>
+            <a:fillRect/>
+          </a:stretch>
+        </p:blipFill>
+        <p:spPr>
+          <a:xfrm>
+            <a:off x="702931" y="1725154"/>
+            <a:ext cx="8478391" cy="2803877"/>
+          </a:xfrm>
+          <a:prstGeom prst="rect">
+            <a:avLst/>
+          </a:prstGeom>
+        </p:spPr>
+      </p:pic>
+      <p:grpSp>
+        <p:nvGrpSpPr>
+          <p:cNvPr id="16" name="그룹 15"/>
+          <p:cNvGrpSpPr/>
+          <p:nvPr/>
+        </p:nvGrpSpPr>
+        <p:grpSpPr>
+          <a:xfrm>
+            <a:off x="7932378" y="2569497"/>
+            <a:ext cx="3580297" cy="3147094"/>
+            <a:chOff x="7932378" y="2569497"/>
+            <a:chExt cx="3580297" cy="3147094"/>
+          </a:xfrm>
+        </p:grpSpPr>
+        <p:pic>
+          <p:nvPicPr>
+            <p:cNvPr id="14" name="그림 13"/>
+            <p:cNvPicPr>
+              <a:picLocks noChangeAspect="1"/>
+            </p:cNvPicPr>
+            <p:nvPr/>
+          </p:nvPicPr>
+          <p:blipFill>
+            <a:blip r:embed="rId7"/>
+            <a:stretch>
+              <a:fillRect/>
+            </a:stretch>
+          </p:blipFill>
+          <p:spPr>
+            <a:xfrm>
+              <a:off x="7932378" y="3038705"/>
+              <a:ext cx="3580297" cy="2677886"/>
+            </a:xfrm>
+            <a:prstGeom prst="rect">
+              <a:avLst/>
+            </a:prstGeom>
+            <a:ln w="19050">
+              <a:solidFill>
+                <a:schemeClr val="bg1">
+                  <a:lumMod val="65000"/>
+                </a:schemeClr>
+              </a:solidFill>
+            </a:ln>
+          </p:spPr>
+        </p:pic>
+        <p:sp>
+          <p:nvSpPr>
+            <p:cNvPr id="15" name="텍스트 상자 14"/>
+            <p:cNvSpPr txBox="1"/>
+            <p:nvPr/>
+          </p:nvSpPr>
+          <p:spPr>
+            <a:xfrm>
+              <a:off x="8117663" y="2569497"/>
+              <a:ext cx="3209725" cy="403893"/>
+            </a:xfrm>
+            <a:prstGeom prst="rect">
+              <a:avLst/>
+            </a:prstGeom>
+            <a:noFill/>
+          </p:spPr>
+          <p:txBody>
+            <a:bodyPr wrap="none" rtlCol="0">
+              <a:spAutoFit/>
+            </a:bodyPr>
+            <a:lstStyle/>
+            <a:p>
+              <a:pPr>
+                <a:lnSpc>
+                  <a:spcPct val="160000"/>
+                </a:lnSpc>
+              </a:pPr>
+              <a:r>
+                <a:rPr lang="en-US" altLang="ko-KR" sz="1400" b="1" dirty="0">
+                  <a:solidFill>
+                    <a:srgbClr val="C00000"/>
+                  </a:solidFill>
+                  <a:latin typeface="Seravek Light" charset="0"/>
+                  <a:ea typeface="Seravek Light" charset="0"/>
+                  <a:cs typeface="Seravek Light" charset="0"/>
+                </a:rPr>
+                <a:t>Logarithms</a:t>
+              </a:r>
+              <a:r>
+                <a:rPr lang="en-US" altLang="ko-KR" sz="1400" dirty="0">
+                  <a:solidFill>
+                    <a:srgbClr val="C00000"/>
+                  </a:solidFill>
+                  <a:latin typeface="Seravek Light" charset="0"/>
+                  <a:ea typeface="Seravek Light" charset="0"/>
+                  <a:cs typeface="Seravek Light" charset="0"/>
+                </a:rPr>
+                <a:t> of 2005 CEO compensations</a:t>
+              </a:r>
+            </a:p>
+          </p:txBody>
+        </p:sp>
+      </p:grpSp>
+      <p:sp>
+        <p:nvSpPr>
+          <p:cNvPr id="17" name="텍스트 상자 16"/>
+          <p:cNvSpPr txBox="1"/>
+          <p:nvPr/>
+        </p:nvSpPr>
+        <p:spPr>
+          <a:xfrm>
+            <a:off x="1136285" y="4720899"/>
+            <a:ext cx="5154168" cy="978729"/>
+          </a:xfrm>
+          <a:prstGeom prst="rect">
+            <a:avLst/>
+          </a:prstGeom>
+          <a:noFill/>
+        </p:spPr>
+        <p:txBody>
+          <a:bodyPr wrap="none" rtlCol="0">
+            <a:spAutoFit/>
+          </a:bodyPr>
+          <a:lstStyle/>
+          <a:p>
+            <a:pPr marL="314325" indent="-314325">
+              <a:lnSpc>
+                <a:spcPct val="160000"/>
+              </a:lnSpc>
+              <a:buFont typeface="Arial" charset="0"/>
+              <a:buChar char="•"/>
+            </a:pPr>
+            <a:r>
+              <a:rPr lang="en-US" altLang="ko-KR" dirty="0">
+                <a:latin typeface="Seravek Light" charset="0"/>
+                <a:ea typeface="Seravek Light" charset="0"/>
+                <a:cs typeface="Seravek Light" charset="0"/>
+              </a:rPr>
+              <a:t>Very common in physio data preprocessing </a:t>
+            </a:r>
+          </a:p>
+          <a:p>
+            <a:pPr marL="771525" lvl="1" indent="-314325">
+              <a:lnSpc>
+                <a:spcPct val="160000"/>
+              </a:lnSpc>
+              <a:buFont typeface="Arial" charset="0"/>
+              <a:buChar char="•"/>
+            </a:pPr>
+            <a:r>
+              <a:rPr lang="en-US" altLang="ko-KR" dirty="0">
+                <a:latin typeface="Seravek Light" charset="0"/>
+                <a:ea typeface="Seravek Light" charset="0"/>
+                <a:cs typeface="Seravek Light" charset="0"/>
+              </a:rPr>
+              <a:t>E.g., logarithm, square root (normalization)</a:t>
+            </a:r>
+          </a:p>
+        </p:txBody>
+      </p:sp>
+    </p:spTree>
+    <p:extLst>
+      <p:ext uri="{BB962C8B-B14F-4D97-AF65-F5344CB8AC3E}">
+        <p14:creationId xmlns:p14="http://schemas.microsoft.com/office/powerpoint/2010/main" val="837920117"/>
+      </p:ext>
+    </p:extLst>
+  </p:cSld>
+  <p:clrMapOvr>
+    <a:masterClrMapping/>
+  </p:clrMapOvr>
+  <p:timing>
+    <p:tnLst>
+      <p:par>
+        <p:cTn id="1" dur="indefinite" restart="never" nodeType="tmRoot">
+          <p:childTnLst>
+            <p:seq concurrent="1" nextAc="seek">
+              <p:cTn id="2" dur="indefinite" nodeType="mainSeq">
+                <p:childTnLst>
+                  <p:par>
+                    <p:cTn id="3" fill="hold">
+                      <p:stCondLst>
+                        <p:cond delay="indefinite"/>
+                      </p:stCondLst>
+                      <p:childTnLst>
+                        <p:par>
+                          <p:cTn id="4" fill="hold">
+                            <p:stCondLst>
+                              <p:cond delay="0"/>
+                            </p:stCondLst>
+                            <p:childTnLst>
+                              <p:par>
+                                <p:cTn id="5" presetID="1" presetClass="entr" presetSubtype="0" fill="hold" grpId="0" nodeType="clickEffect">
+                                  <p:stCondLst>
+                                    <p:cond delay="0"/>
+                                  </p:stCondLst>
+                                  <p:childTnLst>
+                                    <p:set>
+                                      <p:cBhvr>
+                                        <p:cTn id="6" dur="1" fill="hold">
+                                          <p:stCondLst>
+                                            <p:cond delay="0"/>
+                                          </p:stCondLst>
+                                        </p:cTn>
+                                        <p:tgtEl>
+                                          <p:spTgt spid="13"/>
+                                        </p:tgtEl>
+                                        <p:attrNameLst>
+                                          <p:attrName>style.visibility</p:attrName>
+                                        </p:attrNameLst>
+                                      </p:cBhvr>
+                                      <p:to>
+                                        <p:strVal val="visible"/>
+                                      </p:to>
+                                    </p:set>
+                                  </p:childTnLst>
+                                </p:cTn>
+                              </p:par>
+                            </p:childTnLst>
+                          </p:cTn>
+                        </p:par>
+                      </p:childTnLst>
+                    </p:cTn>
+                  </p:par>
+                  <p:par>
+                    <p:cTn id="7" fill="hold">
+                      <p:stCondLst>
+                        <p:cond delay="indefinite"/>
+                      </p:stCondLst>
+                      <p:childTnLst>
+                        <p:par>
+                          <p:cTn id="8" fill="hold">
+                            <p:stCondLst>
+                              <p:cond delay="0"/>
+                            </p:stCondLst>
+                            <p:childTnLst>
+                              <p:par>
+                                <p:cTn id="9" presetID="1" presetClass="entr" presetSubtype="0" fill="hold" nodeType="clickEffect">
+                                  <p:stCondLst>
+                                    <p:cond delay="0"/>
+                                  </p:stCondLst>
+                                  <p:childTnLst>
+                                    <p:set>
+                                      <p:cBhvr>
+                                        <p:cTn id="10" dur="1" fill="hold">
+                                          <p:stCondLst>
+                                            <p:cond delay="0"/>
+                                          </p:stCondLst>
+                                        </p:cTn>
+                                        <p:tgtEl>
+                                          <p:spTgt spid="12"/>
+                                        </p:tgtEl>
+                                        <p:attrNameLst>
+                                          <p:attrName>style.visibility</p:attrName>
+                                        </p:attrNameLst>
+                                      </p:cBhvr>
+                                      <p:to>
+                                        <p:strVal val="visible"/>
+                                      </p:to>
+                                    </p:set>
+                                  </p:childTnLst>
+                                </p:cTn>
+                              </p:par>
+                            </p:childTnLst>
+                          </p:cTn>
+                        </p:par>
+                      </p:childTnLst>
+                    </p:cTn>
+                  </p:par>
+                  <p:par>
+                    <p:cTn id="11" fill="hold">
+                      <p:stCondLst>
+                        <p:cond delay="indefinite"/>
+                      </p:stCondLst>
+                      <p:childTnLst>
+                        <p:par>
+                          <p:cTn id="12" fill="hold">
+                            <p:stCondLst>
+                              <p:cond delay="0"/>
+                            </p:stCondLst>
+                            <p:childTnLst>
+                              <p:par>
+                                <p:cTn id="13" presetID="1" presetClass="entr" presetSubtype="0" fill="hold" nodeType="clickEffect">
+                                  <p:stCondLst>
+                                    <p:cond delay="0"/>
+                                  </p:stCondLst>
+                                  <p:childTnLst>
+                                    <p:set>
+                                      <p:cBhvr>
+                                        <p:cTn id="14" dur="1" fill="hold">
+                                          <p:stCondLst>
+                                            <p:cond delay="0"/>
+                                          </p:stCondLst>
+                                        </p:cTn>
+                                        <p:tgtEl>
+                                          <p:spTgt spid="16"/>
+                                        </p:tgtEl>
+                                        <p:attrNameLst>
+                                          <p:attrName>style.visibility</p:attrName>
+                                        </p:attrNameLst>
+                                      </p:cBhvr>
+                                      <p:to>
+                                        <p:strVal val="visible"/>
+                                      </p:to>
+                                    </p:set>
+                                  </p:childTnLst>
+                                </p:cTn>
+                              </p:par>
+                            </p:childTnLst>
+                          </p:cTn>
+                        </p:par>
+                      </p:childTnLst>
+                    </p:cTn>
+                  </p:par>
+                  <p:par>
+                    <p:cTn id="15" fill="hold">
+                      <p:stCondLst>
+                        <p:cond delay="indefinite"/>
+                      </p:stCondLst>
+                      <p:childTnLst>
+                        <p:par>
+                          <p:cTn id="16" fill="hold">
+                            <p:stCondLst>
+                              <p:cond delay="0"/>
+                            </p:stCondLst>
+                            <p:childTnLst>
+                              <p:par>
+                                <p:cTn id="17" presetID="1" presetClass="entr" presetSubtype="0" fill="hold" grpId="0" nodeType="clickEffect">
+                                  <p:stCondLst>
+                                    <p:cond delay="0"/>
+                                  </p:stCondLst>
+                                  <p:childTnLst>
+                                    <p:set>
+                                      <p:cBhvr>
+                                        <p:cTn id="18" dur="1" fill="hold">
+                                          <p:stCondLst>
+                                            <p:cond delay="0"/>
+                                          </p:stCondLst>
+                                        </p:cTn>
+                                        <p:tgtEl>
+                                          <p:spTgt spid="17"/>
+                                        </p:tgtEl>
+                                        <p:attrNameLst>
+                                          <p:attrName>style.visibility</p:attrName>
+                                        </p:attrNameLst>
+                                      </p:cBhvr>
+                                      <p:to>
+                                        <p:strVal val="visible"/>
+                                      </p:to>
+                                    </p:set>
+                                  </p:childTnLst>
+                                </p:cTn>
+                              </p:par>
+                            </p:childTnLst>
+                          </p:cTn>
+                        </p:par>
+                      </p:childTnLst>
+                    </p:cTn>
+                  </p:par>
+                </p:childTnLst>
+              </p:cTn>
+              <p:prevCondLst>
+                <p:cond evt="onPrev" delay="0">
+                  <p:tgtEl>
+                    <p:sldTgt/>
+                  </p:tgtEl>
+                </p:cond>
+              </p:prevCondLst>
+              <p:nextCondLst>
+                <p:cond evt="onNext" delay="0">
+                  <p:tgtEl>
+                    <p:sldTgt/>
+                  </p:tgtEl>
+                </p:cond>
+              </p:nextCondLst>
+            </p:seq>
+          </p:childTnLst>
+        </p:cTn>
+      </p:par>
+    </p:tnLst>
+    <p:bldLst>
+      <p:bldP spid="13" grpId="0"/>
+      <p:bldP spid="17" grpId="0"/>
+    </p:bldLst>
+  </p:timing>
+</p:sld>
+</file>
+
 <file path=ppt/slides/slide5.xml><?xml version="1.0" encoding="utf-8"?>
+<p:sld xmlns:a="http://schemas.openxmlformats.org/drawingml/2006/main" xmlns:r="http://schemas.openxmlformats.org/officeDocument/2006/relationships" xmlns:p="http://schemas.openxmlformats.org/presentationml/2006/main">
+  <p:cSld>
+    <p:spTree>
+      <p:nvGrpSpPr>
+        <p:cNvPr id="1" name=""/>
+        <p:cNvGrpSpPr/>
+        <p:nvPr/>
+      </p:nvGrpSpPr>
+      <p:grpSpPr>
+        <a:xfrm>
+          <a:off x="0" y="0"/>
+          <a:ext cx="0" cy="0"/>
+          <a:chOff x="0" y="0"/>
+          <a:chExt cx="0" cy="0"/>
+        </a:xfrm>
+      </p:grpSpPr>
+      <p:grpSp>
+        <p:nvGrpSpPr>
+          <p:cNvPr id="8" name="그룹 7"/>
+          <p:cNvGrpSpPr/>
+          <p:nvPr/>
+        </p:nvGrpSpPr>
+        <p:grpSpPr>
+          <a:xfrm>
+            <a:off x="10422294" y="6186196"/>
+            <a:ext cx="1661681" cy="671804"/>
+            <a:chOff x="18662" y="6209254"/>
+            <a:chExt cx="1661681" cy="671804"/>
+          </a:xfrm>
+        </p:grpSpPr>
+        <p:pic>
+          <p:nvPicPr>
+            <p:cNvPr id="5" name="그림 4"/>
+            <p:cNvPicPr>
+              <a:picLocks noChangeAspect="1"/>
+            </p:cNvPicPr>
+            <p:nvPr/>
+          </p:nvPicPr>
+          <p:blipFill>
+            <a:blip r:embed="rId2">
+              <a:extLst>
+                <a:ext uri="{28A0092B-C50C-407E-A947-70E740481C1C}">
+                  <a14:useLocalDpi xmlns:a14="http://schemas.microsoft.com/office/drawing/2010/main" val="0"/>
+                </a:ext>
+              </a:extLst>
+            </a:blip>
+            <a:stretch>
+              <a:fillRect/>
+            </a:stretch>
+          </p:blipFill>
+          <p:spPr>
+            <a:xfrm>
+              <a:off x="18662" y="6209254"/>
+              <a:ext cx="671804" cy="671804"/>
+            </a:xfrm>
+            <a:prstGeom prst="rect">
+              <a:avLst/>
+            </a:prstGeom>
+          </p:spPr>
+        </p:pic>
+        <p:pic>
+          <p:nvPicPr>
+            <p:cNvPr id="6" name="그림 5"/>
+            <p:cNvPicPr>
+              <a:picLocks noChangeAspect="1"/>
+            </p:cNvPicPr>
+            <p:nvPr/>
+          </p:nvPicPr>
+          <p:blipFill>
+            <a:blip r:embed="rId3"/>
+            <a:stretch>
+              <a:fillRect/>
+            </a:stretch>
+          </p:blipFill>
+          <p:spPr>
+            <a:xfrm>
+              <a:off x="625149" y="6262887"/>
+              <a:ext cx="597215" cy="517044"/>
+            </a:xfrm>
+            <a:prstGeom prst="rect">
+              <a:avLst/>
+            </a:prstGeom>
+          </p:spPr>
+        </p:pic>
+        <p:pic>
+          <p:nvPicPr>
+            <p:cNvPr id="7" name="그림 6"/>
+            <p:cNvPicPr>
+              <a:picLocks noChangeAspect="1"/>
+            </p:cNvPicPr>
+            <p:nvPr/>
+          </p:nvPicPr>
+          <p:blipFill>
+            <a:blip r:embed="rId4">
+              <a:extLst>
+                <a:ext uri="{28A0092B-C50C-407E-A947-70E740481C1C}">
+                  <a14:useLocalDpi xmlns:a14="http://schemas.microsoft.com/office/drawing/2010/main" val="0"/>
+                </a:ext>
+              </a:extLst>
+            </a:blip>
+            <a:stretch>
+              <a:fillRect/>
+            </a:stretch>
+          </p:blipFill>
+          <p:spPr>
+            <a:xfrm>
+              <a:off x="1241804" y="6322730"/>
+              <a:ext cx="438539" cy="438539"/>
+            </a:xfrm>
+            <a:prstGeom prst="rect">
+              <a:avLst/>
+            </a:prstGeom>
+          </p:spPr>
+        </p:pic>
+      </p:grpSp>
+      <p:sp>
+        <p:nvSpPr>
+          <p:cNvPr id="9" name="직사각형 8"/>
+          <p:cNvSpPr/>
+          <p:nvPr/>
+        </p:nvSpPr>
+        <p:spPr>
+          <a:xfrm>
+            <a:off x="0" y="0"/>
+            <a:ext cx="12192000" cy="102769"/>
+          </a:xfrm>
+          <a:prstGeom prst="rect">
+            <a:avLst/>
+          </a:prstGeom>
+          <a:solidFill>
+            <a:schemeClr val="accent6">
+              <a:lumMod val="60000"/>
+              <a:lumOff val="40000"/>
+            </a:schemeClr>
+          </a:solidFill>
+          <a:ln>
+            <a:noFill/>
+          </a:ln>
+        </p:spPr>
+        <p:style>
+          <a:lnRef idx="2">
+            <a:schemeClr val="accent1">
+              <a:shade val="50000"/>
+            </a:schemeClr>
+          </a:lnRef>
+          <a:fillRef idx="1">
+            <a:schemeClr val="accent1"/>
+          </a:fillRef>
+          <a:effectRef idx="0">
+            <a:schemeClr val="accent1"/>
+          </a:effectRef>
+          <a:fontRef idx="minor">
+            <a:schemeClr val="lt1"/>
+          </a:fontRef>
+        </p:style>
+        <p:txBody>
+          <a:bodyPr rtlCol="0" anchor="ctr"/>
+          <a:lstStyle/>
+          <a:p>
+            <a:pPr algn="ctr"/>
+            <a:endParaRPr kumimoji="1" lang="ko-KR" altLang="en-US" dirty="0">
+              <a:latin typeface="PT Sans Narrow" charset="-52"/>
+              <a:ea typeface="PT Sans Narrow" charset="-52"/>
+              <a:cs typeface="PT Sans Narrow" charset="-52"/>
+            </a:endParaRPr>
+          </a:p>
+        </p:txBody>
+      </p:sp>
+      <p:sp>
+        <p:nvSpPr>
+          <p:cNvPr id="10" name="직사각형 9"/>
+          <p:cNvSpPr/>
+          <p:nvPr/>
+        </p:nvSpPr>
+        <p:spPr>
+          <a:xfrm>
+            <a:off x="9894433" y="84109"/>
+            <a:ext cx="2301508" cy="276999"/>
+          </a:xfrm>
+          <a:prstGeom prst="rect">
+            <a:avLst/>
+          </a:prstGeom>
+        </p:spPr>
+        <p:txBody>
+          <a:bodyPr wrap="square">
+            <a:spAutoFit/>
+          </a:bodyPr>
+          <a:lstStyle/>
+          <a:p>
+            <a:pPr algn="r"/>
+            <a:r>
+              <a:rPr lang="en-US" altLang="ko-KR" sz="1200" dirty="0">
+                <a:latin typeface="Seravek Light" charset="0"/>
+                <a:ea typeface="Seravek Light" charset="0"/>
+                <a:cs typeface="Seravek Light" charset="0"/>
+              </a:rPr>
+              <a:t>Lecture </a:t>
+            </a:r>
+            <a:r>
+              <a:rPr lang="en-US" altLang="ko-KR" sz="1200">
+                <a:latin typeface="Seravek Light" charset="0"/>
+                <a:ea typeface="Seravek Light" charset="0"/>
+                <a:cs typeface="Seravek Light" charset="0"/>
+              </a:rPr>
+              <a:t>04   </a:t>
+            </a:r>
+            <a:endParaRPr lang="ko-KR" altLang="en-US" sz="1200" dirty="0">
+              <a:latin typeface="Seravek Light" charset="0"/>
+              <a:ea typeface="Seravek Light" charset="0"/>
+              <a:cs typeface="Seravek Light" charset="0"/>
+            </a:endParaRPr>
+          </a:p>
+        </p:txBody>
+      </p:sp>
+      <p:sp>
+        <p:nvSpPr>
+          <p:cNvPr id="11" name="직사각형 10"/>
+          <p:cNvSpPr/>
+          <p:nvPr/>
+        </p:nvSpPr>
+        <p:spPr>
+          <a:xfrm>
+            <a:off x="69202" y="6518941"/>
+            <a:ext cx="4169731" cy="261610"/>
+          </a:xfrm>
+          <a:prstGeom prst="rect">
+            <a:avLst/>
+          </a:prstGeom>
+        </p:spPr>
+        <p:txBody>
+          <a:bodyPr wrap="none">
+            <a:spAutoFit/>
+          </a:bodyPr>
+          <a:lstStyle/>
+          <a:p>
+            <a:r>
+              <a:rPr lang="en-US" altLang="ko-KR" sz="1100" dirty="0">
+                <a:latin typeface="Seravek Light" charset="0"/>
+                <a:ea typeface="Seravek Light" charset="0"/>
+                <a:cs typeface="Seravek Light" charset="0"/>
+              </a:rPr>
+              <a:t>CHOONG-WAN WOO  |  COCOAN lab  |  </a:t>
+            </a:r>
+            <a:r>
+              <a:rPr lang="en-US" altLang="ko-KR" sz="1100" dirty="0">
+                <a:latin typeface="Seravek Light" charset="0"/>
+                <a:ea typeface="Seravek Light" charset="0"/>
+                <a:cs typeface="Seravek Light" charset="0"/>
+                <a:hlinkClick r:id="rId5"/>
+              </a:rPr>
+              <a:t>http://cocoanlab.github.io</a:t>
+            </a:r>
+            <a:endParaRPr lang="en-US" altLang="ko-KR" sz="1100" dirty="0">
+              <a:latin typeface="Seravek Light" charset="0"/>
+              <a:ea typeface="Seravek Light" charset="0"/>
+              <a:cs typeface="Seravek Light" charset="0"/>
+            </a:endParaRPr>
+          </a:p>
+        </p:txBody>
+      </p:sp>
+      <p:sp>
+        <p:nvSpPr>
+          <p:cNvPr id="2" name="직사각형 1"/>
+          <p:cNvSpPr/>
+          <p:nvPr/>
+        </p:nvSpPr>
+        <p:spPr>
+          <a:xfrm>
+            <a:off x="216491" y="222608"/>
+            <a:ext cx="3135795" cy="523220"/>
+          </a:xfrm>
+          <a:prstGeom prst="rect">
+            <a:avLst/>
+          </a:prstGeom>
+        </p:spPr>
+        <p:txBody>
+          <a:bodyPr wrap="none">
+            <a:spAutoFit/>
+          </a:bodyPr>
+          <a:lstStyle/>
+          <a:p>
+            <a:r>
+              <a:rPr lang="en-US" altLang="ko-KR" sz="2800" dirty="0">
+                <a:latin typeface="Seravek" charset="0"/>
+                <a:ea typeface="Seravek" charset="0"/>
+                <a:cs typeface="Seravek" charset="0"/>
+              </a:rPr>
+              <a:t>Re-expressing Data</a:t>
+            </a:r>
+            <a:endParaRPr lang="ko-KR" altLang="en-US" sz="2800" dirty="0">
+              <a:latin typeface="Seravek" charset="0"/>
+              <a:ea typeface="Seravek" charset="0"/>
+              <a:cs typeface="Seravek" charset="0"/>
+            </a:endParaRPr>
+          </a:p>
+        </p:txBody>
+      </p:sp>
+      <p:sp>
+        <p:nvSpPr>
+          <p:cNvPr id="13" name="텍스트 상자 12"/>
+          <p:cNvSpPr txBox="1"/>
+          <p:nvPr/>
+        </p:nvSpPr>
+        <p:spPr>
+          <a:xfrm>
+            <a:off x="1136286" y="989045"/>
+            <a:ext cx="3653372" cy="535531"/>
+          </a:xfrm>
+          <a:prstGeom prst="rect">
+            <a:avLst/>
+          </a:prstGeom>
+          <a:noFill/>
+        </p:spPr>
+        <p:txBody>
+          <a:bodyPr wrap="none" rtlCol="0">
+            <a:spAutoFit/>
+          </a:bodyPr>
+          <a:lstStyle/>
+          <a:p>
+            <a:pPr marL="314325" indent="-314325">
+              <a:lnSpc>
+                <a:spcPct val="160000"/>
+              </a:lnSpc>
+              <a:buFont typeface="Arial" charset="0"/>
+              <a:buChar char="•"/>
+            </a:pPr>
+            <a:r>
+              <a:rPr lang="en-US" altLang="ko-KR" dirty="0">
+                <a:latin typeface="Seravek Light" charset="0"/>
+                <a:ea typeface="Seravek Light" charset="0"/>
+                <a:cs typeface="Seravek Light" charset="0"/>
+              </a:rPr>
+              <a:t>To equalize spread across groups</a:t>
+            </a:r>
+          </a:p>
+        </p:txBody>
+      </p:sp>
+      <p:grpSp>
+        <p:nvGrpSpPr>
+          <p:cNvPr id="19" name="그룹 18"/>
+          <p:cNvGrpSpPr/>
+          <p:nvPr/>
+        </p:nvGrpSpPr>
+        <p:grpSpPr>
+          <a:xfrm>
+            <a:off x="1907020" y="1677107"/>
+            <a:ext cx="3537992" cy="3781623"/>
+            <a:chOff x="2532170" y="1677107"/>
+            <a:chExt cx="3537992" cy="3781623"/>
+          </a:xfrm>
+        </p:grpSpPr>
+        <p:pic>
+          <p:nvPicPr>
+            <p:cNvPr id="3" name="그림 2"/>
+            <p:cNvPicPr>
+              <a:picLocks noChangeAspect="1"/>
+            </p:cNvPicPr>
+            <p:nvPr/>
+          </p:nvPicPr>
+          <p:blipFill>
+            <a:blip r:embed="rId6"/>
+            <a:stretch>
+              <a:fillRect/>
+            </a:stretch>
+          </p:blipFill>
+          <p:spPr>
+            <a:xfrm>
+              <a:off x="2532170" y="1677107"/>
+              <a:ext cx="3151789" cy="3420027"/>
+            </a:xfrm>
+            <a:prstGeom prst="rect">
+              <a:avLst/>
+            </a:prstGeom>
+          </p:spPr>
+        </p:pic>
+        <p:sp>
+          <p:nvSpPr>
+            <p:cNvPr id="4" name="직사각형 3"/>
+            <p:cNvSpPr/>
+            <p:nvPr/>
+          </p:nvSpPr>
+          <p:spPr>
+            <a:xfrm>
+              <a:off x="4261654" y="5181731"/>
+              <a:ext cx="1808508" cy="276999"/>
+            </a:xfrm>
+            <a:prstGeom prst="rect">
+              <a:avLst/>
+            </a:prstGeom>
+          </p:spPr>
+          <p:txBody>
+            <a:bodyPr wrap="none">
+              <a:spAutoFit/>
+            </a:bodyPr>
+            <a:lstStyle/>
+            <a:p>
+              <a:r>
+                <a:rPr lang="en-US" altLang="ko-KR" sz="1200">
+                  <a:latin typeface="Palatino" charset="0"/>
+                </a:rPr>
+                <a:t>*ETS</a:t>
+              </a:r>
+              <a:r>
+                <a:rPr lang="en-US" altLang="ko-KR" sz="1200" dirty="0">
+                  <a:latin typeface="Palatino" charset="0"/>
+                </a:rPr>
+                <a:t>: exposed </a:t>
+              </a:r>
+              <a:r>
+                <a:rPr lang="en-US" altLang="ko-KR" sz="1200">
+                  <a:latin typeface="Palatino" charset="0"/>
+                </a:rPr>
+                <a:t>to smoke</a:t>
+              </a:r>
+              <a:endParaRPr lang="en-US" altLang="ko-KR" sz="1200" dirty="0"/>
+            </a:p>
+          </p:txBody>
+        </p:sp>
+      </p:grpSp>
+      <p:grpSp>
+        <p:nvGrpSpPr>
+          <p:cNvPr id="12" name="그룹 11"/>
+          <p:cNvGrpSpPr/>
+          <p:nvPr/>
+        </p:nvGrpSpPr>
+        <p:grpSpPr>
+          <a:xfrm>
+            <a:off x="6396009" y="1449929"/>
+            <a:ext cx="3312113" cy="3647205"/>
+            <a:chOff x="6396009" y="1449929"/>
+            <a:chExt cx="3312113" cy="3647205"/>
+          </a:xfrm>
+        </p:grpSpPr>
+        <p:pic>
+          <p:nvPicPr>
+            <p:cNvPr id="18" name="그림 17"/>
+            <p:cNvPicPr>
+              <a:picLocks noChangeAspect="1"/>
+            </p:cNvPicPr>
+            <p:nvPr/>
+          </p:nvPicPr>
+          <p:blipFill>
+            <a:blip r:embed="rId7"/>
+            <a:stretch>
+              <a:fillRect/>
+            </a:stretch>
+          </p:blipFill>
+          <p:spPr>
+            <a:xfrm>
+              <a:off x="6396009" y="1677107"/>
+              <a:ext cx="3312113" cy="3420027"/>
+            </a:xfrm>
+            <a:prstGeom prst="rect">
+              <a:avLst/>
+            </a:prstGeom>
+          </p:spPr>
+        </p:pic>
+        <p:sp>
+          <p:nvSpPr>
+            <p:cNvPr id="20" name="텍스트 상자 19"/>
+            <p:cNvSpPr txBox="1"/>
+            <p:nvPr/>
+          </p:nvSpPr>
+          <p:spPr>
+            <a:xfrm>
+              <a:off x="7707090" y="1449929"/>
+              <a:ext cx="1279133" cy="403893"/>
+            </a:xfrm>
+            <a:prstGeom prst="rect">
+              <a:avLst/>
+            </a:prstGeom>
+            <a:noFill/>
+          </p:spPr>
+          <p:txBody>
+            <a:bodyPr wrap="none" rtlCol="0">
+              <a:spAutoFit/>
+            </a:bodyPr>
+            <a:lstStyle/>
+            <a:p>
+              <a:pPr>
+                <a:lnSpc>
+                  <a:spcPct val="160000"/>
+                </a:lnSpc>
+              </a:pPr>
+              <a:r>
+                <a:rPr lang="en-US" altLang="ko-KR" sz="1400" b="1" dirty="0">
+                  <a:solidFill>
+                    <a:srgbClr val="C00000"/>
+                  </a:solidFill>
+                  <a:latin typeface="Seravek Light" charset="0"/>
+                  <a:ea typeface="Seravek Light" charset="0"/>
+                  <a:cs typeface="Seravek Light" charset="0"/>
+                </a:rPr>
+                <a:t>Log-transform</a:t>
+              </a:r>
+              <a:endParaRPr lang="en-US" altLang="ko-KR" sz="1400" dirty="0">
+                <a:solidFill>
+                  <a:srgbClr val="C00000"/>
+                </a:solidFill>
+                <a:latin typeface="Seravek Light" charset="0"/>
+                <a:ea typeface="Seravek Light" charset="0"/>
+                <a:cs typeface="Seravek Light" charset="0"/>
+              </a:endParaRPr>
+            </a:p>
+          </p:txBody>
+        </p:sp>
+      </p:grpSp>
+      <p:sp>
+        <p:nvSpPr>
+          <p:cNvPr id="21" name="텍스트 상자 20"/>
+          <p:cNvSpPr txBox="1"/>
+          <p:nvPr/>
+        </p:nvSpPr>
+        <p:spPr>
+          <a:xfrm>
+            <a:off x="1136286" y="5562918"/>
+            <a:ext cx="10427983" cy="488211"/>
+          </a:xfrm>
+          <a:prstGeom prst="rect">
+            <a:avLst/>
+          </a:prstGeom>
+          <a:noFill/>
+        </p:spPr>
+        <p:txBody>
+          <a:bodyPr wrap="none" rtlCol="0">
+            <a:spAutoFit/>
+          </a:bodyPr>
+          <a:lstStyle/>
+          <a:p>
+            <a:pPr marL="314325" indent="-314325">
+              <a:lnSpc>
+                <a:spcPct val="160000"/>
+              </a:lnSpc>
+              <a:buFont typeface="Arial" charset="0"/>
+              <a:buChar char="•"/>
+            </a:pPr>
+            <a:r>
+              <a:rPr lang="en-US" altLang="ko-KR" b="1" dirty="0">
+                <a:solidFill>
+                  <a:srgbClr val="C00000"/>
+                </a:solidFill>
+                <a:latin typeface="Seravek Light" charset="0"/>
+                <a:ea typeface="Seravek Light" charset="0"/>
+                <a:cs typeface="Seravek Light" charset="0"/>
+              </a:rPr>
+              <a:t>Normalization</a:t>
+            </a:r>
+            <a:r>
+              <a:rPr lang="en-US" altLang="ko-KR" dirty="0">
+                <a:solidFill>
+                  <a:srgbClr val="C00000"/>
+                </a:solidFill>
+                <a:latin typeface="Seravek Light" charset="0"/>
+                <a:ea typeface="Seravek Light" charset="0"/>
+                <a:cs typeface="Seravek Light" charset="0"/>
+              </a:rPr>
+              <a:t> </a:t>
+            </a:r>
+            <a:r>
+              <a:rPr lang="en-US" altLang="ko-KR" dirty="0">
+                <a:latin typeface="Seravek Light" charset="0"/>
+                <a:ea typeface="Seravek Light" charset="0"/>
+                <a:cs typeface="Seravek Light" charset="0"/>
+              </a:rPr>
+              <a:t>is one of the key elements of recent successes of artificial intelligence (machine learning)</a:t>
+            </a:r>
+          </a:p>
+        </p:txBody>
+      </p:sp>
+    </p:spTree>
+    <p:extLst>
+      <p:ext uri="{BB962C8B-B14F-4D97-AF65-F5344CB8AC3E}">
+        <p14:creationId xmlns:p14="http://schemas.microsoft.com/office/powerpoint/2010/main" val="1908728254"/>
+      </p:ext>
+    </p:extLst>
+  </p:cSld>
+  <p:clrMapOvr>
+    <a:masterClrMapping/>
+  </p:clrMapOvr>
+  <p:timing>
+    <p:tnLst>
+      <p:par>
+        <p:cTn id="1" dur="indefinite" restart="never" nodeType="tmRoot">
+          <p:childTnLst>
+            <p:seq concurrent="1" nextAc="seek">
+              <p:cTn id="2" dur="indefinite" nodeType="mainSeq">
+                <p:childTnLst>
+                  <p:par>
+                    <p:cTn id="3" fill="hold">
+                      <p:stCondLst>
+                        <p:cond delay="indefinite"/>
+                      </p:stCondLst>
+                      <p:childTnLst>
+                        <p:par>
+                          <p:cTn id="4" fill="hold">
+                            <p:stCondLst>
+                              <p:cond delay="0"/>
+                            </p:stCondLst>
+                            <p:childTnLst>
+                              <p:par>
+                                <p:cTn id="5" presetID="1" presetClass="entr" presetSubtype="0" fill="hold" nodeType="clickEffect">
+                                  <p:stCondLst>
+                                    <p:cond delay="0"/>
+                                  </p:stCondLst>
+                                  <p:childTnLst>
+                                    <p:set>
+                                      <p:cBhvr>
+                                        <p:cTn id="6" dur="1" fill="hold">
+                                          <p:stCondLst>
+                                            <p:cond delay="0"/>
+                                          </p:stCondLst>
+                                        </p:cTn>
+                                        <p:tgtEl>
+                                          <p:spTgt spid="19"/>
+                                        </p:tgtEl>
+                                        <p:attrNameLst>
+                                          <p:attrName>style.visibility</p:attrName>
+                                        </p:attrNameLst>
+                                      </p:cBhvr>
+                                      <p:to>
+                                        <p:strVal val="visible"/>
+                                      </p:to>
+                                    </p:set>
+                                  </p:childTnLst>
+                                </p:cTn>
+                              </p:par>
+                            </p:childTnLst>
+                          </p:cTn>
+                        </p:par>
+                      </p:childTnLst>
+                    </p:cTn>
+                  </p:par>
+                  <p:par>
+                    <p:cTn id="7" fill="hold">
+                      <p:stCondLst>
+                        <p:cond delay="indefinite"/>
+                      </p:stCondLst>
+                      <p:childTnLst>
+                        <p:par>
+                          <p:cTn id="8" fill="hold">
+                            <p:stCondLst>
+                              <p:cond delay="0"/>
+                            </p:stCondLst>
+                            <p:childTnLst>
+                              <p:par>
+                                <p:cTn id="9" presetID="1" presetClass="entr" presetSubtype="0" fill="hold" nodeType="clickEffect">
+                                  <p:stCondLst>
+                                    <p:cond delay="0"/>
+                                  </p:stCondLst>
+                                  <p:childTnLst>
+                                    <p:set>
+                                      <p:cBhvr>
+                                        <p:cTn id="10" dur="1" fill="hold">
+                                          <p:stCondLst>
+                                            <p:cond delay="0"/>
+                                          </p:stCondLst>
+                                        </p:cTn>
+                                        <p:tgtEl>
+                                          <p:spTgt spid="12"/>
+                                        </p:tgtEl>
+                                        <p:attrNameLst>
+                                          <p:attrName>style.visibility</p:attrName>
+                                        </p:attrNameLst>
+                                      </p:cBhvr>
+                                      <p:to>
+                                        <p:strVal val="visible"/>
+                                      </p:to>
+                                    </p:set>
+                                  </p:childTnLst>
+                                </p:cTn>
+                              </p:par>
+                            </p:childTnLst>
+                          </p:cTn>
+                        </p:par>
+                      </p:childTnLst>
+                    </p:cTn>
+                  </p:par>
+                  <p:par>
+                    <p:cTn id="11" fill="hold">
+                      <p:stCondLst>
+                        <p:cond delay="indefinite"/>
+                      </p:stCondLst>
+                      <p:childTnLst>
+                        <p:par>
+                          <p:cTn id="12" fill="hold">
+                            <p:stCondLst>
+                              <p:cond delay="0"/>
+                            </p:stCondLst>
+                            <p:childTnLst>
+                              <p:par>
+                                <p:cTn id="13" presetID="1" presetClass="entr" presetSubtype="0" fill="hold" grpId="0" nodeType="clickEffect">
+                                  <p:stCondLst>
+                                    <p:cond delay="0"/>
+                                  </p:stCondLst>
+                                  <p:childTnLst>
+                                    <p:set>
+                                      <p:cBhvr>
+                                        <p:cTn id="14" dur="1" fill="hold">
+                                          <p:stCondLst>
+                                            <p:cond delay="0"/>
+                                          </p:stCondLst>
+                                        </p:cTn>
+                                        <p:tgtEl>
+                                          <p:spTgt spid="21"/>
+                                        </p:tgtEl>
+                                        <p:attrNameLst>
+                                          <p:attrName>style.visibility</p:attrName>
+                                        </p:attrNameLst>
+                                      </p:cBhvr>
+                                      <p:to>
+                                        <p:strVal val="visible"/>
+                                      </p:to>
+                                    </p:set>
+                                  </p:childTnLst>
+                                </p:cTn>
+                              </p:par>
+                            </p:childTnLst>
+                          </p:cTn>
+                        </p:par>
+                      </p:childTnLst>
+                    </p:cTn>
+                  </p:par>
+                </p:childTnLst>
+              </p:cTn>
+              <p:prevCondLst>
+                <p:cond evt="onPrev" delay="0">
+                  <p:tgtEl>
+                    <p:sldTgt/>
+                  </p:tgtEl>
+                </p:cond>
+              </p:prevCondLst>
+              <p:nextCondLst>
+                <p:cond evt="onNext" delay="0">
+                  <p:tgtEl>
+                    <p:sldTgt/>
+                  </p:tgtEl>
+                </p:cond>
+              </p:nextCondLst>
+            </p:seq>
+          </p:childTnLst>
+        </p:cTn>
+      </p:par>
+    </p:tnLst>
+    <p:bldLst>
+      <p:bldP spid="21" grpId="0"/>
+    </p:bldLst>
+  </p:timing>
+</p:sld>
+</file>
+
+<file path=ppt/slides/slide6.xml><?xml version="1.0" encoding="utf-8"?>
 <p:sld xmlns:a="http://schemas.openxmlformats.org/drawingml/2006/main" xmlns:r="http://schemas.openxmlformats.org/officeDocument/2006/relationships" xmlns:p="http://schemas.openxmlformats.org/presentationml/2006/main">
   <p:cSld>
     <p:spTree>
@@ -14186,7 +13602,7 @@
     </p:spTree>
     <p:extLst>
       <p:ext uri="{BB962C8B-B14F-4D97-AF65-F5344CB8AC3E}">
-        <p14:creationId xmlns:p14="http://schemas.microsoft.com/office/powerpoint/2010/main" val="686501456"/>
+        <p14:creationId xmlns:p14="http://schemas.microsoft.com/office/powerpoint/2010/main" val="2602185169"/>
       </p:ext>
     </p:extLst>
   </p:cSld>
@@ -14409,7 +13825,7 @@
 </p:sld>
 </file>
 
-<file path=ppt/slides/slide6.xml><?xml version="1.0" encoding="utf-8"?>
+<file path=ppt/slides/slide7.xml><?xml version="1.0" encoding="utf-8"?>
 <p:sld xmlns:a="http://schemas.openxmlformats.org/drawingml/2006/main" xmlns:r="http://schemas.openxmlformats.org/officeDocument/2006/relationships" xmlns:p="http://schemas.openxmlformats.org/presentationml/2006/main">
   <p:cSld>
     <p:spTree>
@@ -14996,7 +14412,7 @@
     </p:spTree>
     <p:extLst>
       <p:ext uri="{BB962C8B-B14F-4D97-AF65-F5344CB8AC3E}">
-        <p14:creationId xmlns:p14="http://schemas.microsoft.com/office/powerpoint/2010/main" val="1447942314"/>
+        <p14:creationId xmlns:p14="http://schemas.microsoft.com/office/powerpoint/2010/main" val="4138035064"/>
       </p:ext>
     </p:extLst>
   </p:cSld>
@@ -15272,750 +14688,6 @@
 </p:sld>
 </file>
 
-<file path=ppt/slides/slide7.xml><?xml version="1.0" encoding="utf-8"?>
-<p:sld xmlns:a="http://schemas.openxmlformats.org/drawingml/2006/main" xmlns:r="http://schemas.openxmlformats.org/officeDocument/2006/relationships" xmlns:p="http://schemas.openxmlformats.org/presentationml/2006/main">
-  <p:cSld>
-    <p:spTree>
-      <p:nvGrpSpPr>
-        <p:cNvPr id="1" name=""/>
-        <p:cNvGrpSpPr/>
-        <p:nvPr/>
-      </p:nvGrpSpPr>
-      <p:grpSpPr>
-        <a:xfrm>
-          <a:off x="0" y="0"/>
-          <a:ext cx="0" cy="0"/>
-          <a:chOff x="0" y="0"/>
-          <a:chExt cx="0" cy="0"/>
-        </a:xfrm>
-      </p:grpSpPr>
-      <p:grpSp>
-        <p:nvGrpSpPr>
-          <p:cNvPr id="8" name="그룹 7"/>
-          <p:cNvGrpSpPr/>
-          <p:nvPr/>
-        </p:nvGrpSpPr>
-        <p:grpSpPr>
-          <a:xfrm>
-            <a:off x="10422294" y="6186196"/>
-            <a:ext cx="1661681" cy="671804"/>
-            <a:chOff x="18662" y="6209254"/>
-            <a:chExt cx="1661681" cy="671804"/>
-          </a:xfrm>
-        </p:grpSpPr>
-        <p:pic>
-          <p:nvPicPr>
-            <p:cNvPr id="5" name="그림 4"/>
-            <p:cNvPicPr>
-              <a:picLocks noChangeAspect="1"/>
-            </p:cNvPicPr>
-            <p:nvPr/>
-          </p:nvPicPr>
-          <p:blipFill>
-            <a:blip r:embed="rId2">
-              <a:extLst>
-                <a:ext uri="{28A0092B-C50C-407E-A947-70E740481C1C}">
-                  <a14:useLocalDpi xmlns:a14="http://schemas.microsoft.com/office/drawing/2010/main" val="0"/>
-                </a:ext>
-              </a:extLst>
-            </a:blip>
-            <a:stretch>
-              <a:fillRect/>
-            </a:stretch>
-          </p:blipFill>
-          <p:spPr>
-            <a:xfrm>
-              <a:off x="18662" y="6209254"/>
-              <a:ext cx="671804" cy="671804"/>
-            </a:xfrm>
-            <a:prstGeom prst="rect">
-              <a:avLst/>
-            </a:prstGeom>
-          </p:spPr>
-        </p:pic>
-        <p:pic>
-          <p:nvPicPr>
-            <p:cNvPr id="6" name="그림 5"/>
-            <p:cNvPicPr>
-              <a:picLocks noChangeAspect="1"/>
-            </p:cNvPicPr>
-            <p:nvPr/>
-          </p:nvPicPr>
-          <p:blipFill>
-            <a:blip r:embed="rId3"/>
-            <a:stretch>
-              <a:fillRect/>
-            </a:stretch>
-          </p:blipFill>
-          <p:spPr>
-            <a:xfrm>
-              <a:off x="625149" y="6262887"/>
-              <a:ext cx="597215" cy="517044"/>
-            </a:xfrm>
-            <a:prstGeom prst="rect">
-              <a:avLst/>
-            </a:prstGeom>
-          </p:spPr>
-        </p:pic>
-        <p:pic>
-          <p:nvPicPr>
-            <p:cNvPr id="7" name="그림 6"/>
-            <p:cNvPicPr>
-              <a:picLocks noChangeAspect="1"/>
-            </p:cNvPicPr>
-            <p:nvPr/>
-          </p:nvPicPr>
-          <p:blipFill>
-            <a:blip r:embed="rId4">
-              <a:extLst>
-                <a:ext uri="{28A0092B-C50C-407E-A947-70E740481C1C}">
-                  <a14:useLocalDpi xmlns:a14="http://schemas.microsoft.com/office/drawing/2010/main" val="0"/>
-                </a:ext>
-              </a:extLst>
-            </a:blip>
-            <a:stretch>
-              <a:fillRect/>
-            </a:stretch>
-          </p:blipFill>
-          <p:spPr>
-            <a:xfrm>
-              <a:off x="1241804" y="6322730"/>
-              <a:ext cx="438539" cy="438539"/>
-            </a:xfrm>
-            <a:prstGeom prst="rect">
-              <a:avLst/>
-            </a:prstGeom>
-          </p:spPr>
-        </p:pic>
-      </p:grpSp>
-      <p:sp>
-        <p:nvSpPr>
-          <p:cNvPr id="9" name="직사각형 8"/>
-          <p:cNvSpPr/>
-          <p:nvPr/>
-        </p:nvSpPr>
-        <p:spPr>
-          <a:xfrm>
-            <a:off x="0" y="0"/>
-            <a:ext cx="12192000" cy="102769"/>
-          </a:xfrm>
-          <a:prstGeom prst="rect">
-            <a:avLst/>
-          </a:prstGeom>
-          <a:solidFill>
-            <a:schemeClr val="accent6">
-              <a:lumMod val="60000"/>
-              <a:lumOff val="40000"/>
-            </a:schemeClr>
-          </a:solidFill>
-          <a:ln>
-            <a:noFill/>
-          </a:ln>
-        </p:spPr>
-        <p:style>
-          <a:lnRef idx="2">
-            <a:schemeClr val="accent1">
-              <a:shade val="50000"/>
-            </a:schemeClr>
-          </a:lnRef>
-          <a:fillRef idx="1">
-            <a:schemeClr val="accent1"/>
-          </a:fillRef>
-          <a:effectRef idx="0">
-            <a:schemeClr val="accent1"/>
-          </a:effectRef>
-          <a:fontRef idx="minor">
-            <a:schemeClr val="lt1"/>
-          </a:fontRef>
-        </p:style>
-        <p:txBody>
-          <a:bodyPr rtlCol="0" anchor="ctr"/>
-          <a:lstStyle/>
-          <a:p>
-            <a:pPr algn="ctr"/>
-            <a:endParaRPr kumimoji="1" lang="ko-KR" altLang="en-US" dirty="0">
-              <a:latin typeface="PT Sans Narrow" charset="-52"/>
-              <a:ea typeface="PT Sans Narrow" charset="-52"/>
-              <a:cs typeface="PT Sans Narrow" charset="-52"/>
-            </a:endParaRPr>
-          </a:p>
-        </p:txBody>
-      </p:sp>
-      <p:sp>
-        <p:nvSpPr>
-          <p:cNvPr id="10" name="직사각형 9"/>
-          <p:cNvSpPr/>
-          <p:nvPr/>
-        </p:nvSpPr>
-        <p:spPr>
-          <a:xfrm>
-            <a:off x="9894433" y="84109"/>
-            <a:ext cx="2301508" cy="276999"/>
-          </a:xfrm>
-          <a:prstGeom prst="rect">
-            <a:avLst/>
-          </a:prstGeom>
-        </p:spPr>
-        <p:txBody>
-          <a:bodyPr wrap="square">
-            <a:spAutoFit/>
-          </a:bodyPr>
-          <a:lstStyle/>
-          <a:p>
-            <a:pPr algn="r"/>
-            <a:r>
-              <a:rPr lang="en-US" altLang="ko-KR" sz="1200" dirty="0">
-                <a:latin typeface="Seravek Light" charset="0"/>
-                <a:ea typeface="Seravek Light" charset="0"/>
-                <a:cs typeface="Seravek Light" charset="0"/>
-              </a:rPr>
-              <a:t>Lecture </a:t>
-            </a:r>
-            <a:r>
-              <a:rPr lang="en-US" altLang="ko-KR" sz="1200">
-                <a:latin typeface="Seravek Light" charset="0"/>
-                <a:ea typeface="Seravek Light" charset="0"/>
-                <a:cs typeface="Seravek Light" charset="0"/>
-              </a:rPr>
-              <a:t>04   </a:t>
-            </a:r>
-            <a:endParaRPr lang="ko-KR" altLang="en-US" sz="1200" dirty="0">
-              <a:latin typeface="Seravek Light" charset="0"/>
-              <a:ea typeface="Seravek Light" charset="0"/>
-              <a:cs typeface="Seravek Light" charset="0"/>
-            </a:endParaRPr>
-          </a:p>
-        </p:txBody>
-      </p:sp>
-      <p:sp>
-        <p:nvSpPr>
-          <p:cNvPr id="11" name="직사각형 10"/>
-          <p:cNvSpPr/>
-          <p:nvPr/>
-        </p:nvSpPr>
-        <p:spPr>
-          <a:xfrm>
-            <a:off x="69202" y="6518941"/>
-            <a:ext cx="4169731" cy="261610"/>
-          </a:xfrm>
-          <a:prstGeom prst="rect">
-            <a:avLst/>
-          </a:prstGeom>
-        </p:spPr>
-        <p:txBody>
-          <a:bodyPr wrap="none">
-            <a:spAutoFit/>
-          </a:bodyPr>
-          <a:lstStyle/>
-          <a:p>
-            <a:r>
-              <a:rPr lang="en-US" altLang="ko-KR" sz="1100" dirty="0">
-                <a:latin typeface="Seravek Light" charset="0"/>
-                <a:ea typeface="Seravek Light" charset="0"/>
-                <a:cs typeface="Seravek Light" charset="0"/>
-              </a:rPr>
-              <a:t>CHOONG-WAN WOO  |  COCOAN lab  |  </a:t>
-            </a:r>
-            <a:r>
-              <a:rPr lang="en-US" altLang="ko-KR" sz="1100" dirty="0">
-                <a:latin typeface="Seravek Light" charset="0"/>
-                <a:ea typeface="Seravek Light" charset="0"/>
-                <a:cs typeface="Seravek Light" charset="0"/>
-                <a:hlinkClick r:id="rId5"/>
-              </a:rPr>
-              <a:t>http://cocoanlab.github.io</a:t>
-            </a:r>
-            <a:endParaRPr lang="en-US" altLang="ko-KR" sz="1100" dirty="0">
-              <a:latin typeface="Seravek Light" charset="0"/>
-              <a:ea typeface="Seravek Light" charset="0"/>
-              <a:cs typeface="Seravek Light" charset="0"/>
-            </a:endParaRPr>
-          </a:p>
-        </p:txBody>
-      </p:sp>
-      <p:sp>
-        <p:nvSpPr>
-          <p:cNvPr id="2" name="직사각형 1"/>
-          <p:cNvSpPr/>
-          <p:nvPr/>
-        </p:nvSpPr>
-        <p:spPr>
-          <a:xfrm>
-            <a:off x="216491" y="222608"/>
-            <a:ext cx="3135795" cy="523220"/>
-          </a:xfrm>
-          <a:prstGeom prst="rect">
-            <a:avLst/>
-          </a:prstGeom>
-        </p:spPr>
-        <p:txBody>
-          <a:bodyPr wrap="none">
-            <a:spAutoFit/>
-          </a:bodyPr>
-          <a:lstStyle/>
-          <a:p>
-            <a:r>
-              <a:rPr lang="en-US" altLang="ko-KR" sz="2800" dirty="0">
-                <a:latin typeface="Seravek" charset="0"/>
-                <a:ea typeface="Seravek" charset="0"/>
-                <a:cs typeface="Seravek" charset="0"/>
-              </a:rPr>
-              <a:t>Re-expressing Data</a:t>
-            </a:r>
-            <a:endParaRPr lang="ko-KR" altLang="en-US" sz="2800" dirty="0">
-              <a:latin typeface="Seravek" charset="0"/>
-              <a:ea typeface="Seravek" charset="0"/>
-              <a:cs typeface="Seravek" charset="0"/>
-            </a:endParaRPr>
-          </a:p>
-        </p:txBody>
-      </p:sp>
-      <p:sp>
-        <p:nvSpPr>
-          <p:cNvPr id="13" name="텍스트 상자 12"/>
-          <p:cNvSpPr txBox="1"/>
-          <p:nvPr/>
-        </p:nvSpPr>
-        <p:spPr>
-          <a:xfrm>
-            <a:off x="1136286" y="989045"/>
-            <a:ext cx="2655663" cy="535531"/>
-          </a:xfrm>
-          <a:prstGeom prst="rect">
-            <a:avLst/>
-          </a:prstGeom>
-          <a:noFill/>
-        </p:spPr>
-        <p:txBody>
-          <a:bodyPr wrap="none" rtlCol="0">
-            <a:spAutoFit/>
-          </a:bodyPr>
-          <a:lstStyle/>
-          <a:p>
-            <a:pPr marL="314325" indent="-314325">
-              <a:lnSpc>
-                <a:spcPct val="160000"/>
-              </a:lnSpc>
-              <a:buFont typeface="Arial" charset="0"/>
-              <a:buChar char="•"/>
-            </a:pPr>
-            <a:r>
-              <a:rPr lang="en-US" altLang="ko-KR" dirty="0">
-                <a:latin typeface="Seravek Light" charset="0"/>
-                <a:ea typeface="Seravek Light" charset="0"/>
-                <a:cs typeface="Seravek Light" charset="0"/>
-              </a:rPr>
-              <a:t>To improve symmetry:</a:t>
-            </a:r>
-          </a:p>
-        </p:txBody>
-      </p:sp>
-      <p:pic>
-        <p:nvPicPr>
-          <p:cNvPr id="12" name="그림 11"/>
-          <p:cNvPicPr>
-            <a:picLocks noChangeAspect="1"/>
-          </p:cNvPicPr>
-          <p:nvPr/>
-        </p:nvPicPr>
-        <p:blipFill>
-          <a:blip r:embed="rId6"/>
-          <a:stretch>
-            <a:fillRect/>
-          </a:stretch>
-        </p:blipFill>
-        <p:spPr>
-          <a:xfrm>
-            <a:off x="702931" y="1725154"/>
-            <a:ext cx="8478391" cy="2803877"/>
-          </a:xfrm>
-          <a:prstGeom prst="rect">
-            <a:avLst/>
-          </a:prstGeom>
-        </p:spPr>
-      </p:pic>
-      <p:grpSp>
-        <p:nvGrpSpPr>
-          <p:cNvPr id="16" name="그룹 15"/>
-          <p:cNvGrpSpPr/>
-          <p:nvPr/>
-        </p:nvGrpSpPr>
-        <p:grpSpPr>
-          <a:xfrm>
-            <a:off x="7932378" y="2569497"/>
-            <a:ext cx="3580297" cy="3147094"/>
-            <a:chOff x="7932378" y="2569497"/>
-            <a:chExt cx="3580297" cy="3147094"/>
-          </a:xfrm>
-        </p:grpSpPr>
-        <p:pic>
-          <p:nvPicPr>
-            <p:cNvPr id="14" name="그림 13"/>
-            <p:cNvPicPr>
-              <a:picLocks noChangeAspect="1"/>
-            </p:cNvPicPr>
-            <p:nvPr/>
-          </p:nvPicPr>
-          <p:blipFill>
-            <a:blip r:embed="rId7"/>
-            <a:stretch>
-              <a:fillRect/>
-            </a:stretch>
-          </p:blipFill>
-          <p:spPr>
-            <a:xfrm>
-              <a:off x="7932378" y="3038705"/>
-              <a:ext cx="3580297" cy="2677886"/>
-            </a:xfrm>
-            <a:prstGeom prst="rect">
-              <a:avLst/>
-            </a:prstGeom>
-            <a:ln w="19050">
-              <a:solidFill>
-                <a:schemeClr val="bg1">
-                  <a:lumMod val="65000"/>
-                </a:schemeClr>
-              </a:solidFill>
-            </a:ln>
-          </p:spPr>
-        </p:pic>
-        <p:sp>
-          <p:nvSpPr>
-            <p:cNvPr id="15" name="텍스트 상자 14"/>
-            <p:cNvSpPr txBox="1"/>
-            <p:nvPr/>
-          </p:nvSpPr>
-          <p:spPr>
-            <a:xfrm>
-              <a:off x="8117663" y="2569497"/>
-              <a:ext cx="3209725" cy="403893"/>
-            </a:xfrm>
-            <a:prstGeom prst="rect">
-              <a:avLst/>
-            </a:prstGeom>
-            <a:noFill/>
-          </p:spPr>
-          <p:txBody>
-            <a:bodyPr wrap="none" rtlCol="0">
-              <a:spAutoFit/>
-            </a:bodyPr>
-            <a:lstStyle/>
-            <a:p>
-              <a:pPr>
-                <a:lnSpc>
-                  <a:spcPct val="160000"/>
-                </a:lnSpc>
-              </a:pPr>
-              <a:r>
-                <a:rPr lang="en-US" altLang="ko-KR" sz="1400" b="1" dirty="0">
-                  <a:solidFill>
-                    <a:srgbClr val="C00000"/>
-                  </a:solidFill>
-                  <a:latin typeface="Seravek Light" charset="0"/>
-                  <a:ea typeface="Seravek Light" charset="0"/>
-                  <a:cs typeface="Seravek Light" charset="0"/>
-                </a:rPr>
-                <a:t>Logarithms</a:t>
-              </a:r>
-              <a:r>
-                <a:rPr lang="en-US" altLang="ko-KR" sz="1400" dirty="0">
-                  <a:solidFill>
-                    <a:srgbClr val="C00000"/>
-                  </a:solidFill>
-                  <a:latin typeface="Seravek Light" charset="0"/>
-                  <a:ea typeface="Seravek Light" charset="0"/>
-                  <a:cs typeface="Seravek Light" charset="0"/>
-                </a:rPr>
-                <a:t> of 2005 CEO compensations</a:t>
-              </a:r>
-            </a:p>
-          </p:txBody>
-        </p:sp>
-      </p:grpSp>
-      <p:sp>
-        <p:nvSpPr>
-          <p:cNvPr id="17" name="텍스트 상자 16"/>
-          <p:cNvSpPr txBox="1"/>
-          <p:nvPr/>
-        </p:nvSpPr>
-        <p:spPr>
-          <a:xfrm>
-            <a:off x="1136285" y="4720899"/>
-            <a:ext cx="5154168" cy="978729"/>
-          </a:xfrm>
-          <a:prstGeom prst="rect">
-            <a:avLst/>
-          </a:prstGeom>
-          <a:noFill/>
-        </p:spPr>
-        <p:txBody>
-          <a:bodyPr wrap="none" rtlCol="0">
-            <a:spAutoFit/>
-          </a:bodyPr>
-          <a:lstStyle/>
-          <a:p>
-            <a:pPr marL="314325" indent="-314325">
-              <a:lnSpc>
-                <a:spcPct val="160000"/>
-              </a:lnSpc>
-              <a:buFont typeface="Arial" charset="0"/>
-              <a:buChar char="•"/>
-            </a:pPr>
-            <a:r>
-              <a:rPr lang="en-US" altLang="ko-KR" dirty="0">
-                <a:latin typeface="Seravek Light" charset="0"/>
-                <a:ea typeface="Seravek Light" charset="0"/>
-                <a:cs typeface="Seravek Light" charset="0"/>
-              </a:rPr>
-              <a:t>Very common in physio data preprocessing </a:t>
-            </a:r>
-          </a:p>
-          <a:p>
-            <a:pPr marL="771525" lvl="1" indent="-314325">
-              <a:lnSpc>
-                <a:spcPct val="160000"/>
-              </a:lnSpc>
-              <a:buFont typeface="Arial" charset="0"/>
-              <a:buChar char="•"/>
-            </a:pPr>
-            <a:r>
-              <a:rPr lang="en-US" altLang="ko-KR" dirty="0">
-                <a:latin typeface="Seravek Light" charset="0"/>
-                <a:ea typeface="Seravek Light" charset="0"/>
-                <a:cs typeface="Seravek Light" charset="0"/>
-              </a:rPr>
-              <a:t>E.g., logarithm, square root (normalization)</a:t>
-            </a:r>
-          </a:p>
-        </p:txBody>
-      </p:sp>
-    </p:spTree>
-    <p:extLst>
-      <p:ext uri="{BB962C8B-B14F-4D97-AF65-F5344CB8AC3E}">
-        <p14:creationId xmlns:p14="http://schemas.microsoft.com/office/powerpoint/2010/main" val="837920117"/>
-      </p:ext>
-    </p:extLst>
-  </p:cSld>
-  <p:clrMapOvr>
-    <a:masterClrMapping/>
-  </p:clrMapOvr>
-  <p:timing>
-    <p:tnLst>
-      <p:par>
-        <p:cTn id="1" dur="indefinite" restart="never" nodeType="tmRoot">
-          <p:childTnLst>
-            <p:seq concurrent="1" nextAc="seek">
-              <p:cTn id="2" dur="indefinite" nodeType="mainSeq">
-                <p:childTnLst>
-                  <p:par>
-                    <p:cTn id="3" fill="hold">
-                      <p:stCondLst>
-                        <p:cond delay="indefinite"/>
-                      </p:stCondLst>
-                      <p:childTnLst>
-                        <p:par>
-                          <p:cTn id="4" fill="hold">
-                            <p:stCondLst>
-                              <p:cond delay="0"/>
-                            </p:stCondLst>
-                            <p:childTnLst>
-                              <p:par>
-                                <p:cTn id="5" presetID="1" presetClass="entr" presetSubtype="0" fill="hold" grpId="0" nodeType="clickEffect">
-                                  <p:stCondLst>
-                                    <p:cond delay="0"/>
-                                  </p:stCondLst>
-                                  <p:childTnLst>
-                                    <p:set>
-                                      <p:cBhvr>
-                                        <p:cTn id="6" dur="1" fill="hold">
-                                          <p:stCondLst>
-                                            <p:cond delay="0"/>
-                                          </p:stCondLst>
-                                        </p:cTn>
-                                        <p:tgtEl>
-                                          <p:spTgt spid="13"/>
-                                        </p:tgtEl>
-                                        <p:attrNameLst>
-                                          <p:attrName>style.visibility</p:attrName>
-                                        </p:attrNameLst>
-                                      </p:cBhvr>
-                                      <p:to>
-                                        <p:strVal val="visible"/>
-                                      </p:to>
-                                    </p:set>
-                                  </p:childTnLst>
-                                </p:cTn>
-                              </p:par>
-                            </p:childTnLst>
-                          </p:cTn>
-                        </p:par>
-                      </p:childTnLst>
-                    </p:cTn>
-                  </p:par>
-                  <p:par>
-                    <p:cTn id="7" fill="hold">
-                      <p:stCondLst>
-                        <p:cond delay="indefinite"/>
-                      </p:stCondLst>
-                      <p:childTnLst>
-                        <p:par>
-                          <p:cTn id="8" fill="hold">
-                            <p:stCondLst>
-                              <p:cond delay="0"/>
-                            </p:stCondLst>
-                            <p:childTnLst>
-                              <p:par>
-                                <p:cTn id="9" presetID="1" presetClass="entr" presetSubtype="0" fill="hold" nodeType="clickEffect">
-                                  <p:stCondLst>
-                                    <p:cond delay="0"/>
-                                  </p:stCondLst>
-                                  <p:childTnLst>
-                                    <p:set>
-                                      <p:cBhvr>
-                                        <p:cTn id="10" dur="1" fill="hold">
-                                          <p:stCondLst>
-                                            <p:cond delay="0"/>
-                                          </p:stCondLst>
-                                        </p:cTn>
-                                        <p:tgtEl>
-                                          <p:spTgt spid="12"/>
-                                        </p:tgtEl>
-                                        <p:attrNameLst>
-                                          <p:attrName>style.visibility</p:attrName>
-                                        </p:attrNameLst>
-                                      </p:cBhvr>
-                                      <p:to>
-                                        <p:strVal val="visible"/>
-                                      </p:to>
-                                    </p:set>
-                                  </p:childTnLst>
-                                </p:cTn>
-                              </p:par>
-                            </p:childTnLst>
-                          </p:cTn>
-                        </p:par>
-                      </p:childTnLst>
-                    </p:cTn>
-                  </p:par>
-                  <p:par>
-                    <p:cTn id="11" fill="hold">
-                      <p:stCondLst>
-                        <p:cond delay="indefinite"/>
-                      </p:stCondLst>
-                      <p:childTnLst>
-                        <p:par>
-                          <p:cTn id="12" fill="hold">
-                            <p:stCondLst>
-                              <p:cond delay="0"/>
-                            </p:stCondLst>
-                            <p:childTnLst>
-                              <p:par>
-                                <p:cTn id="13" presetID="1" presetClass="entr" presetSubtype="0" fill="hold" nodeType="clickEffect">
-                                  <p:stCondLst>
-                                    <p:cond delay="0"/>
-                                  </p:stCondLst>
-                                  <p:childTnLst>
-                                    <p:set>
-                                      <p:cBhvr>
-                                        <p:cTn id="14" dur="1" fill="hold">
-                                          <p:stCondLst>
-                                            <p:cond delay="0"/>
-                                          </p:stCondLst>
-                                        </p:cTn>
-                                        <p:tgtEl>
-                                          <p:spTgt spid="16"/>
-                                        </p:tgtEl>
-                                        <p:attrNameLst>
-                                          <p:attrName>style.visibility</p:attrName>
-                                        </p:attrNameLst>
-                                      </p:cBhvr>
-                                      <p:to>
-                                        <p:strVal val="visible"/>
-                                      </p:to>
-                                    </p:set>
-                                  </p:childTnLst>
-                                </p:cTn>
-                              </p:par>
-                            </p:childTnLst>
-                          </p:cTn>
-                        </p:par>
-                      </p:childTnLst>
-                    </p:cTn>
-                  </p:par>
-                  <p:par>
-                    <p:cTn id="15" fill="hold">
-                      <p:stCondLst>
-                        <p:cond delay="indefinite"/>
-                      </p:stCondLst>
-                      <p:childTnLst>
-                        <p:par>
-                          <p:cTn id="16" fill="hold">
-                            <p:stCondLst>
-                              <p:cond delay="0"/>
-                            </p:stCondLst>
-                            <p:childTnLst>
-                              <p:par>
-                                <p:cTn id="17" presetID="1" presetClass="entr" presetSubtype="0" fill="hold" grpId="0" nodeType="clickEffect">
-                                  <p:stCondLst>
-                                    <p:cond delay="0"/>
-                                  </p:stCondLst>
-                                  <p:childTnLst>
-                                    <p:set>
-                                      <p:cBhvr>
-                                        <p:cTn id="18" dur="1" fill="hold">
-                                          <p:stCondLst>
-                                            <p:cond delay="0"/>
-                                          </p:stCondLst>
-                                        </p:cTn>
-                                        <p:tgtEl>
-                                          <p:spTgt spid="17"/>
-                                        </p:tgtEl>
-                                        <p:attrNameLst>
-                                          <p:attrName>style.visibility</p:attrName>
-                                        </p:attrNameLst>
-                                      </p:cBhvr>
-                                      <p:to>
-                                        <p:strVal val="visible"/>
-                                      </p:to>
-                                    </p:set>
-                                  </p:childTnLst>
-                                </p:cTn>
-                              </p:par>
-                            </p:childTnLst>
-                          </p:cTn>
-                        </p:par>
-                      </p:childTnLst>
-                    </p:cTn>
-                  </p:par>
-                </p:childTnLst>
-              </p:cTn>
-              <p:prevCondLst>
-                <p:cond evt="onPrev" delay="0">
-                  <p:tgtEl>
-                    <p:sldTgt/>
-                  </p:tgtEl>
-                </p:cond>
-              </p:prevCondLst>
-              <p:nextCondLst>
-                <p:cond evt="onNext" delay="0">
-                  <p:tgtEl>
-                    <p:sldTgt/>
-                  </p:tgtEl>
-                </p:cond>
-              </p:nextCondLst>
-            </p:seq>
-          </p:childTnLst>
-        </p:cTn>
-      </p:par>
-    </p:tnLst>
-    <p:bldLst>
-      <p:bldP spid="13" grpId="0"/>
-      <p:bldP spid="17" grpId="0"/>
-    </p:bldLst>
-  </p:timing>
-</p:sld>
-</file>
-
 <file path=ppt/slides/slide8.xml><?xml version="1.0" encoding="utf-8"?>
 <p:sld xmlns:a="http://schemas.openxmlformats.org/drawingml/2006/main" xmlns:r="http://schemas.openxmlformats.org/officeDocument/2006/relationships" xmlns:p="http://schemas.openxmlformats.org/presentationml/2006/main">
   <p:cSld>
@@ -16286,7 +14958,7 @@
         <p:spPr>
           <a:xfrm>
             <a:off x="216491" y="222608"/>
-            <a:ext cx="3135795" cy="523220"/>
+            <a:ext cx="1758238" cy="523220"/>
           </a:xfrm>
           <a:prstGeom prst="rect">
             <a:avLst/>
@@ -16304,7 +14976,7 @@
                 <a:ea typeface="Seravek" charset="0"/>
                 <a:cs typeface="Seravek" charset="0"/>
               </a:rPr>
-              <a:t>Re-expressing Data</a:t>
+              <a:t>Key Points</a:t>
             </a:r>
             <a:endParaRPr lang="ko-KR" altLang="en-US" sz="2800" dirty="0">
               <a:latin typeface="Seravek" charset="0"/>
@@ -16316,14 +14988,14 @@
       </p:sp>
       <p:sp>
         <p:nvSpPr>
-          <p:cNvPr id="13" name="텍스트 상자 12"/>
+          <p:cNvPr id="18" name="텍스트 상자 17"/>
           <p:cNvSpPr txBox="1"/>
           <p:nvPr/>
         </p:nvSpPr>
         <p:spPr>
           <a:xfrm>
             <a:off x="1136286" y="989045"/>
-            <a:ext cx="3653372" cy="535531"/>
+            <a:ext cx="5112938" cy="3147400"/>
           </a:xfrm>
           <a:prstGeom prst="rect">
             <a:avLst/>
@@ -16336,6 +15008,21 @@
           </a:bodyPr>
           <a:lstStyle/>
           <a:p>
+            <a:pPr>
+              <a:lnSpc>
+                <a:spcPct val="160000"/>
+              </a:lnSpc>
+            </a:pPr>
+            <a:r>
+              <a:rPr lang="en-US" altLang="ko-KR" b="1" dirty="0">
+                <a:latin typeface="Seravek Light" charset="0"/>
+                <a:ea typeface="Seravek Light" charset="0"/>
+                <a:cs typeface="Seravek Light" charset="0"/>
+              </a:rPr>
+              <a:t>Chapter 5: Comparing distributions: considerations</a:t>
+            </a:r>
+          </a:p>
+          <a:p>
             <a:pPr marL="314325" indent="-314325">
               <a:lnSpc>
                 <a:spcPct val="160000"/>
@@ -16349,202 +15036,9 @@
                 <a:ea typeface="Seravek Light" charset="0"/>
                 <a:cs typeface="Seravek Light" charset="0"/>
               </a:rPr>
-              <a:t>To equalize spread across groups</a:t>
-            </a:r>
-          </a:p>
-        </p:txBody>
-      </p:sp>
-      <p:grpSp>
-        <p:nvGrpSpPr>
-          <p:cNvPr id="19" name="그룹 18"/>
-          <p:cNvGrpSpPr/>
-          <p:nvPr/>
-        </p:nvGrpSpPr>
-        <p:grpSpPr>
-          <a:xfrm>
-            <a:off x="1907020" y="1677107"/>
-            <a:ext cx="3537992" cy="3781623"/>
-            <a:chOff x="2532170" y="1677107"/>
-            <a:chExt cx="3537992" cy="3781623"/>
-          </a:xfrm>
-        </p:grpSpPr>
-        <p:pic>
-          <p:nvPicPr>
-            <p:cNvPr id="3" name="그림 2"/>
-            <p:cNvPicPr>
-              <a:picLocks noChangeAspect="1"/>
-            </p:cNvPicPr>
-            <p:nvPr/>
-          </p:nvPicPr>
-          <p:blipFill>
-            <a:blip r:embed="rId6"/>
-            <a:stretch>
-              <a:fillRect/>
-            </a:stretch>
-          </p:blipFill>
-          <p:spPr>
-            <a:xfrm>
-              <a:off x="2532170" y="1677107"/>
-              <a:ext cx="3151789" cy="3420027"/>
-            </a:xfrm>
-            <a:prstGeom prst="rect">
-              <a:avLst/>
-            </a:prstGeom>
-          </p:spPr>
-        </p:pic>
-        <p:sp>
-          <p:nvSpPr>
-            <p:cNvPr id="4" name="직사각형 3"/>
-            <p:cNvSpPr/>
-            <p:nvPr/>
-          </p:nvSpPr>
-          <p:spPr>
-            <a:xfrm>
-              <a:off x="4261654" y="5181731"/>
-              <a:ext cx="1808508" cy="276999"/>
-            </a:xfrm>
-            <a:prstGeom prst="rect">
-              <a:avLst/>
-            </a:prstGeom>
-          </p:spPr>
-          <p:txBody>
-            <a:bodyPr wrap="none">
-              <a:spAutoFit/>
-            </a:bodyPr>
-            <a:lstStyle/>
-            <a:p>
-              <a:r>
-                <a:rPr lang="en-US" altLang="ko-KR" sz="1200">
-                  <a:latin typeface="Palatino" charset="0"/>
-                </a:rPr>
-                <a:t>*ETS</a:t>
-              </a:r>
-              <a:r>
-                <a:rPr lang="en-US" altLang="ko-KR" sz="1200" dirty="0">
-                  <a:latin typeface="Palatino" charset="0"/>
-                </a:rPr>
-                <a:t>: exposed </a:t>
-              </a:r>
-              <a:r>
-                <a:rPr lang="en-US" altLang="ko-KR" sz="1200">
-                  <a:latin typeface="Palatino" charset="0"/>
-                </a:rPr>
-                <a:t>to smoke</a:t>
-              </a:r>
-              <a:endParaRPr lang="en-US" altLang="ko-KR" sz="1200" dirty="0"/>
-            </a:p>
-          </p:txBody>
-        </p:sp>
-      </p:grpSp>
-      <p:grpSp>
-        <p:nvGrpSpPr>
-          <p:cNvPr id="12" name="그룹 11"/>
-          <p:cNvGrpSpPr/>
-          <p:nvPr/>
-        </p:nvGrpSpPr>
-        <p:grpSpPr>
-          <a:xfrm>
-            <a:off x="6396009" y="1449929"/>
-            <a:ext cx="3312113" cy="3647205"/>
-            <a:chOff x="6396009" y="1449929"/>
-            <a:chExt cx="3312113" cy="3647205"/>
-          </a:xfrm>
-        </p:grpSpPr>
-        <p:pic>
-          <p:nvPicPr>
-            <p:cNvPr id="18" name="그림 17"/>
-            <p:cNvPicPr>
-              <a:picLocks noChangeAspect="1"/>
-            </p:cNvPicPr>
-            <p:nvPr/>
-          </p:nvPicPr>
-          <p:blipFill>
-            <a:blip r:embed="rId7"/>
-            <a:stretch>
-              <a:fillRect/>
-            </a:stretch>
-          </p:blipFill>
-          <p:spPr>
-            <a:xfrm>
-              <a:off x="6396009" y="1677107"/>
-              <a:ext cx="3312113" cy="3420027"/>
-            </a:xfrm>
-            <a:prstGeom prst="rect">
-              <a:avLst/>
-            </a:prstGeom>
-          </p:spPr>
-        </p:pic>
-        <p:sp>
-          <p:nvSpPr>
-            <p:cNvPr id="20" name="텍스트 상자 19"/>
-            <p:cNvSpPr txBox="1"/>
-            <p:nvPr/>
-          </p:nvSpPr>
-          <p:spPr>
-            <a:xfrm>
-              <a:off x="7707090" y="1449929"/>
-              <a:ext cx="1279133" cy="403893"/>
-            </a:xfrm>
-            <a:prstGeom prst="rect">
-              <a:avLst/>
-            </a:prstGeom>
-            <a:noFill/>
-          </p:spPr>
-          <p:txBody>
-            <a:bodyPr wrap="none" rtlCol="0">
-              <a:spAutoFit/>
-            </a:bodyPr>
-            <a:lstStyle/>
-            <a:p>
-              <a:pPr>
-                <a:lnSpc>
-                  <a:spcPct val="160000"/>
-                </a:lnSpc>
-              </a:pPr>
-              <a:r>
-                <a:rPr lang="en-US" altLang="ko-KR" sz="1400" b="1" dirty="0">
-                  <a:solidFill>
-                    <a:srgbClr val="C00000"/>
-                  </a:solidFill>
-                  <a:latin typeface="Seravek Light" charset="0"/>
-                  <a:ea typeface="Seravek Light" charset="0"/>
-                  <a:cs typeface="Seravek Light" charset="0"/>
-                </a:rPr>
-                <a:t>Log-transform</a:t>
-              </a:r>
-              <a:endParaRPr lang="en-US" altLang="ko-KR" sz="1400" dirty="0">
-                <a:solidFill>
-                  <a:srgbClr val="C00000"/>
-                </a:solidFill>
-                <a:latin typeface="Seravek Light" charset="0"/>
-                <a:ea typeface="Seravek Light" charset="0"/>
-                <a:cs typeface="Seravek Light" charset="0"/>
-              </a:endParaRPr>
-            </a:p>
-          </p:txBody>
-        </p:sp>
-      </p:grpSp>
-      <p:sp>
-        <p:nvSpPr>
-          <p:cNvPr id="21" name="텍스트 상자 20"/>
-          <p:cNvSpPr txBox="1"/>
-          <p:nvPr/>
-        </p:nvSpPr>
-        <p:spPr>
-          <a:xfrm>
-            <a:off x="1136286" y="5562918"/>
-            <a:ext cx="10582321" cy="535531"/>
-          </a:xfrm>
-          <a:prstGeom prst="rect">
-            <a:avLst/>
-          </a:prstGeom>
-          <a:noFill/>
-        </p:spPr>
-        <p:txBody>
-          <a:bodyPr wrap="none" rtlCol="0">
-            <a:spAutoFit/>
-          </a:bodyPr>
-          <a:lstStyle/>
+              <a:t>Outliers are context dependent</a:t>
+            </a:r>
+          </a:p>
           <a:p>
             <a:pPr marL="314325" indent="-314325">
               <a:lnSpc>
@@ -16554,34 +15048,85 @@
               <a:buChar char="•"/>
             </a:pPr>
             <a:r>
-              <a:rPr lang="en-US" altLang="ko-KR" b="1" dirty="0">
-                <a:solidFill>
-                  <a:srgbClr val="C00000"/>
-                </a:solidFill>
-                <a:latin typeface="Seravek Light" charset="0"/>
-                <a:ea typeface="Seravek Light" charset="0"/>
-                <a:cs typeface="Seravek Light" charset="0"/>
-              </a:rPr>
-              <a:t>Normalization</a:t>
-            </a:r>
-            <a:r>
-              <a:rPr lang="en-US" altLang="ko-KR" dirty="0">
-                <a:solidFill>
-                  <a:srgbClr val="C00000"/>
-                </a:solidFill>
-                <a:latin typeface="Seravek Light" charset="0"/>
-                <a:ea typeface="Seravek Light" charset="0"/>
-                <a:cs typeface="Seravek Light" charset="0"/>
-              </a:rPr>
-              <a:t> </a:t>
-            </a:r>
-            <a:r>
               <a:rPr lang="en-US" altLang="ko-KR" dirty="0">
                 <a:latin typeface="Seravek Light" charset="0"/>
                 <a:ea typeface="Seravek Light" charset="0"/>
                 <a:cs typeface="Seravek Light" charset="0"/>
               </a:rPr>
-              <a:t>is one of the key elements for recent successes of artificial intelligence (machine learning)</a:t>
+              <a:t>Re-expressing data (log, sqrt) </a:t>
+            </a:r>
+          </a:p>
+          <a:p>
+            <a:pPr marL="771525" lvl="1" indent="-314325">
+              <a:lnSpc>
+                <a:spcPct val="160000"/>
+              </a:lnSpc>
+              <a:buFont typeface="Arial" charset="0"/>
+              <a:buChar char="•"/>
+            </a:pPr>
+            <a:r>
+              <a:rPr lang="en-US" altLang="ko-KR" dirty="0">
+                <a:latin typeface="Seravek Light" charset="0"/>
+                <a:ea typeface="Seravek Light" charset="0"/>
+                <a:cs typeface="Seravek Light" charset="0"/>
+              </a:rPr>
+              <a:t>to improve symmetry</a:t>
+            </a:r>
+          </a:p>
+          <a:p>
+            <a:pPr marL="771525" lvl="1" indent="-314325">
+              <a:lnSpc>
+                <a:spcPct val="160000"/>
+              </a:lnSpc>
+              <a:buFont typeface="Arial" charset="0"/>
+              <a:buChar char="•"/>
+            </a:pPr>
+            <a:r>
+              <a:rPr lang="en-US" altLang="ko-KR" dirty="0">
+                <a:latin typeface="Seravek Light" charset="0"/>
+                <a:ea typeface="Seravek Light" charset="0"/>
+                <a:cs typeface="Seravek Light" charset="0"/>
+              </a:rPr>
+              <a:t>to equalize spread</a:t>
+            </a:r>
+          </a:p>
+          <a:p>
+            <a:pPr marL="314325" indent="-314325">
+              <a:lnSpc>
+                <a:spcPct val="160000"/>
+              </a:lnSpc>
+              <a:buFont typeface="Arial" charset="0"/>
+              <a:buChar char="•"/>
+            </a:pPr>
+            <a:r>
+              <a:rPr lang="en-US" altLang="ko-KR" dirty="0" err="1">
+                <a:latin typeface="Seravek Light" charset="0"/>
+                <a:ea typeface="Seravek Light" charset="0"/>
+                <a:cs typeface="Seravek Light" charset="0"/>
+              </a:rPr>
+              <a:t>Timeplots</a:t>
+            </a:r>
+            <a:endParaRPr lang="en-US" altLang="ko-KR" dirty="0">
+              <a:latin typeface="Seravek Light" charset="0"/>
+              <a:ea typeface="Seravek Light" charset="0"/>
+              <a:cs typeface="Seravek Light" charset="0"/>
+            </a:endParaRPr>
+          </a:p>
+          <a:p>
+            <a:pPr marL="314325" indent="-314325">
+              <a:lnSpc>
+                <a:spcPct val="160000"/>
+              </a:lnSpc>
+              <a:buFont typeface="Arial" charset="0"/>
+              <a:buChar char="•"/>
+            </a:pPr>
+            <a:r>
+              <a:rPr lang="en-US" altLang="ko-KR" dirty="0">
+                <a:latin typeface="Seravek Light" charset="0"/>
+                <a:ea typeface="Seravek Light" charset="0"/>
+                <a:cs typeface="Seravek Light" charset="0"/>
+              </a:rPr>
+              <a:t>Moving-averages, smoothing</a:t>
             </a:r>
           </a:p>
         </p:txBody>
@@ -16589,181 +15134,13 @@
     </p:spTree>
     <p:extLst>
       <p:ext uri="{BB962C8B-B14F-4D97-AF65-F5344CB8AC3E}">
-        <p14:creationId xmlns:p14="http://schemas.microsoft.com/office/powerpoint/2010/main" val="1908728254"/>
+        <p14:creationId xmlns:p14="http://schemas.microsoft.com/office/powerpoint/2010/main" val="1484151824"/>
       </p:ext>
     </p:extLst>
   </p:cSld>
   <p:clrMapOvr>
     <a:masterClrMapping/>
   </p:clrMapOvr>
-  <p:timing>
-    <p:tnLst>
-      <p:par>
-        <p:cTn id="1" dur="indefinite" restart="never" nodeType="tmRoot">
-          <p:childTnLst>
-            <p:seq concurrent="1" nextAc="seek">
-              <p:cTn id="2" dur="indefinite" nodeType="mainSeq">
-                <p:childTnLst>
-                  <p:par>
-                    <p:cTn id="3" fill="hold">
-                      <p:stCondLst>
-                        <p:cond delay="indefinite"/>
-                      </p:stCondLst>
-                      <p:childTnLst>
-                        <p:par>
-                          <p:cTn id="4" fill="hold">
-                            <p:stCondLst>
-                              <p:cond delay="0"/>
-                            </p:stCondLst>
-                            <p:childTnLst>
-                              <p:par>
-                                <p:cTn id="5" presetID="1" presetClass="entr" presetSubtype="0" fill="hold" nodeType="clickEffect">
-                                  <p:stCondLst>
-                                    <p:cond delay="0"/>
-                                  </p:stCondLst>
-                                  <p:childTnLst>
-                                    <p:set>
-                                      <p:cBhvr>
-                                        <p:cTn id="6" dur="1" fill="hold">
-                                          <p:stCondLst>
-                                            <p:cond delay="0"/>
-                                          </p:stCondLst>
-                                        </p:cTn>
-                                        <p:tgtEl>
-                                          <p:spTgt spid="19"/>
-                                        </p:tgtEl>
-                                        <p:attrNameLst>
-                                          <p:attrName>style.visibility</p:attrName>
-                                        </p:attrNameLst>
-                                      </p:cBhvr>
-                                      <p:to>
-                                        <p:strVal val="visible"/>
-                                      </p:to>
-                                    </p:set>
-                                  </p:childTnLst>
-                                </p:cTn>
-                              </p:par>
-                            </p:childTnLst>
-                          </p:cTn>
-                        </p:par>
-                      </p:childTnLst>
-                    </p:cTn>
-                  </p:par>
-                  <p:par>
-                    <p:cTn id="7" fill="hold">
-                      <p:stCondLst>
-                        <p:cond delay="indefinite"/>
-                      </p:stCondLst>
-                      <p:childTnLst>
-                        <p:par>
-                          <p:cTn id="8" fill="hold">
-                            <p:stCondLst>
-                              <p:cond delay="0"/>
-                            </p:stCondLst>
-                            <p:childTnLst>
-                              <p:par>
-                                <p:cTn id="9" presetID="1" presetClass="entr" presetSubtype="0" fill="hold" nodeType="clickEffect">
-                                  <p:stCondLst>
-                                    <p:cond delay="0"/>
-                                  </p:stCondLst>
-                                  <p:childTnLst>
-                                    <p:set>
-                                      <p:cBhvr>
-                                        <p:cTn id="10" dur="1" fill="hold">
-                                          <p:stCondLst>
-                                            <p:cond delay="0"/>
-                                          </p:stCondLst>
-                                        </p:cTn>
-                                        <p:tgtEl>
-                                          <p:spTgt spid="12"/>
-                                        </p:tgtEl>
-                                        <p:attrNameLst>
-                                          <p:attrName>style.visibility</p:attrName>
-                                        </p:attrNameLst>
-                                      </p:cBhvr>
-                                      <p:to>
-                                        <p:strVal val="visible"/>
-                                      </p:to>
-                                    </p:set>
-                                  </p:childTnLst>
-                                </p:cTn>
-                              </p:par>
-                            </p:childTnLst>
-                          </p:cTn>
-                        </p:par>
-                      </p:childTnLst>
-                    </p:cTn>
-                  </p:par>
-                  <p:par>
-                    <p:cTn id="11" fill="hold">
-                      <p:stCondLst>
-                        <p:cond delay="indefinite"/>
-                      </p:stCondLst>
-                      <p:childTnLst>
-                        <p:par>
-                          <p:cTn id="12" fill="hold">
-                            <p:stCondLst>
-                              <p:cond delay="0"/>
-                            </p:stCondLst>
-                            <p:childTnLst>
-                              <p:par>
-                                <p:cTn id="13" presetID="1" presetClass="entr" presetSubtype="0" fill="hold" grpId="0" nodeType="clickEffect">
-                                  <p:stCondLst>
-                                    <p:cond delay="0"/>
-                                  </p:stCondLst>
-                                  <p:childTnLst>
-                                    <p:set>
-                                      <p:cBhvr>
-                                        <p:cTn id="14" dur="1" fill="hold">
-                                          <p:stCondLst>
-                                            <p:cond delay="0"/>
-                                          </p:stCondLst>
-                                        </p:cTn>
-                                        <p:tgtEl>
-                                          <p:spTgt spid="21"/>
-                                        </p:tgtEl>
-                                        <p:attrNameLst>
-                                          <p:attrName>style.visibility</p:attrName>
-                                        </p:attrNameLst>
-                                      </p:cBhvr>
-                                      <p:to>
-                                        <p:strVal val="visible"/>
-                                      </p:to>
-                                    </p:set>
-                                  </p:childTnLst>
-                                </p:cTn>
-                              </p:par>
-                            </p:childTnLst>
-                          </p:cTn>
-                        </p:par>
-                      </p:childTnLst>
-                    </p:cTn>
-                  </p:par>
-                </p:childTnLst>
-              </p:cTn>
-              <p:prevCondLst>
-                <p:cond evt="onPrev" delay="0">
-                  <p:tgtEl>
-                    <p:sldTgt/>
-                  </p:tgtEl>
-                </p:cond>
-              </p:prevCondLst>
-              <p:nextCondLst>
-                <p:cond evt="onNext" delay="0">
-                  <p:tgtEl>
-                    <p:sldTgt/>
-                  </p:tgtEl>
-                </p:cond>
-              </p:nextCondLst>
-            </p:seq>
-          </p:childTnLst>
-        </p:cTn>
-      </p:par>
-    </p:tnLst>
-    <p:bldLst>
-      <p:bldP spid="21" grpId="0"/>
-    </p:bldLst>
-  </p:timing>
 </p:sld>
 </file>
 
@@ -17037,7 +15414,7 @@
         <p:spPr>
           <a:xfrm>
             <a:off x="216491" y="222608"/>
-            <a:ext cx="1758238" cy="523220"/>
+            <a:ext cx="1463862" cy="523220"/>
           </a:xfrm>
           <a:prstGeom prst="rect">
             <a:avLst/>
@@ -17055,7 +15432,7 @@
                 <a:ea typeface="Seravek" charset="0"/>
                 <a:cs typeface="Seravek" charset="0"/>
               </a:rPr>
-              <a:t>Key Points</a:t>
+              <a:t>z-Scores</a:t>
             </a:r>
             <a:endParaRPr lang="ko-KR" altLang="en-US" sz="2800" dirty="0">
               <a:latin typeface="Seravek" charset="0"/>
@@ -17067,14 +15444,14 @@
       </p:sp>
       <p:sp>
         <p:nvSpPr>
-          <p:cNvPr id="18" name="텍스트 상자 17"/>
+          <p:cNvPr id="13" name="텍스트 상자 12"/>
           <p:cNvSpPr txBox="1"/>
           <p:nvPr/>
         </p:nvSpPr>
         <p:spPr>
           <a:xfrm>
             <a:off x="1136286" y="989045"/>
-            <a:ext cx="3580019" cy="3194721"/>
+            <a:ext cx="5019516" cy="4033797"/>
           </a:xfrm>
           <a:prstGeom prst="rect">
             <a:avLst/>
@@ -17087,21 +15464,6 @@
           </a:bodyPr>
           <a:lstStyle/>
           <a:p>
-            <a:pPr>
-              <a:lnSpc>
-                <a:spcPct val="160000"/>
-              </a:lnSpc>
-            </a:pPr>
-            <a:r>
-              <a:rPr lang="en-US" altLang="ko-KR" b="1" dirty="0">
-                <a:latin typeface="Seravek Light" charset="0"/>
-                <a:ea typeface="Seravek Light" charset="0"/>
-                <a:cs typeface="Seravek Light" charset="0"/>
-              </a:rPr>
-              <a:t>Chapter 5: Comparing distributions</a:t>
-            </a:r>
-          </a:p>
-          <a:p>
             <a:pPr marL="314325" indent="-314325">
               <a:lnSpc>
                 <a:spcPct val="160000"/>
@@ -17115,7 +15477,7 @@
                 <a:ea typeface="Seravek Light" charset="0"/>
                 <a:cs typeface="Seravek Light" charset="0"/>
               </a:rPr>
-              <a:t>Outliers are context dependent</a:t>
+              <a:t>To compare different values in different units,</a:t>
             </a:r>
           </a:p>
           <a:p>
@@ -17127,18 +15489,24 @@
               <a:buChar char="•"/>
             </a:pPr>
             <a:r>
-              <a:rPr lang="en-US" altLang="ko-KR" dirty="0" err="1">
+              <a:rPr lang="en-US" altLang="ko-KR" dirty="0">
                 <a:latin typeface="Seravek Light" charset="0"/>
                 <a:ea typeface="Seravek Light" charset="0"/>
                 <a:cs typeface="Seravek Light" charset="0"/>
               </a:rPr>
-              <a:t>Timeplots</a:t>
-            </a:r>
-            <a:endParaRPr lang="en-US" altLang="ko-KR" dirty="0">
-              <a:latin typeface="Seravek Light" charset="0"/>
-              <a:ea typeface="Seravek Light" charset="0"/>
-              <a:cs typeface="Seravek Light" charset="0"/>
-            </a:endParaRPr>
+              <a:t>the values should be </a:t>
+            </a:r>
+            <a:r>
+              <a:rPr lang="en-US" altLang="ko-KR" i="1" dirty="0">
+                <a:solidFill>
+                  <a:srgbClr val="C00000"/>
+                </a:solidFill>
+                <a:latin typeface="Seravek Light" charset="0"/>
+                <a:ea typeface="Seravek Light" charset="0"/>
+                <a:cs typeface="Seravek Light" charset="0"/>
+              </a:rPr>
+              <a:t>standardized!</a:t>
+            </a:r>
           </a:p>
           <a:p>
             <a:pPr marL="314325" indent="-314325">
@@ -17148,14 +15516,14 @@
               <a:buFont typeface="Arial" charset="0"/>
               <a:buChar char="•"/>
             </a:pPr>
-            <a:r>
-              <a:rPr lang="en-US" altLang="ko-KR" dirty="0">
-                <a:latin typeface="Seravek Light" charset="0"/>
-                <a:ea typeface="Seravek Light" charset="0"/>
-                <a:cs typeface="Seravek Light" charset="0"/>
-              </a:rPr>
-              <a:t>Moving-averages, smoothing</a:t>
-            </a:r>
+            <a:endParaRPr lang="en-US" altLang="ko-KR" i="1" dirty="0">
+              <a:solidFill>
+                <a:srgbClr val="C00000"/>
+              </a:solidFill>
+              <a:latin typeface="Seravek Light" charset="0"/>
+              <a:ea typeface="Seravek Light" charset="0"/>
+              <a:cs typeface="Seravek Light" charset="0"/>
+            </a:endParaRPr>
           </a:p>
           <a:p>
             <a:pPr marL="314325" indent="-314325">
@@ -17165,50 +15533,109 @@
               <a:buFont typeface="Arial" charset="0"/>
               <a:buChar char="•"/>
             </a:pPr>
+            <a:endParaRPr lang="en-US" altLang="ko-KR" i="1" dirty="0">
+              <a:solidFill>
+                <a:srgbClr val="C00000"/>
+              </a:solidFill>
+              <a:latin typeface="Seravek Light" charset="0"/>
+              <a:ea typeface="Seravek Light" charset="0"/>
+              <a:cs typeface="Seravek Light" charset="0"/>
+            </a:endParaRPr>
+          </a:p>
+          <a:p>
+            <a:pPr marL="771525" lvl="1" indent="-314325">
+              <a:lnSpc>
+                <a:spcPct val="160000"/>
+              </a:lnSpc>
+              <a:buFont typeface="Wingdings" charset="2"/>
+              <a:buChar char="§"/>
+            </a:pPr>
+            <a:r>
+              <a:rPr lang="en-US" altLang="ko-KR" i="1" dirty="0">
+                <a:latin typeface="Seravek Light" charset="0"/>
+                <a:ea typeface="Seravek Light" charset="0"/>
+                <a:cs typeface="Seravek Light" charset="0"/>
+              </a:rPr>
+              <a:t>z</a:t>
+            </a:r>
             <a:r>
               <a:rPr lang="en-US" altLang="ko-KR" dirty="0">
                 <a:latin typeface="Seravek Light" charset="0"/>
                 <a:ea typeface="Seravek Light" charset="0"/>
                 <a:cs typeface="Seravek Light" charset="0"/>
               </a:rPr>
-              <a:t>Re-expressing data (log, </a:t>
-            </a:r>
-            <a:r>
-              <a:rPr lang="en-US" altLang="ko-KR" dirty="0" err="1">
-                <a:latin typeface="Seravek Light" charset="0"/>
-                <a:ea typeface="Seravek Light" charset="0"/>
-                <a:cs typeface="Seravek Light" charset="0"/>
-              </a:rPr>
-              <a:t>sqrt</a:t>
-            </a:r>
+              <a:t>-scores: mean = 0, standard deviation = 1</a:t>
+            </a:r>
+          </a:p>
+          <a:p>
+            <a:pPr marL="771525" lvl="1" indent="-314325">
+              <a:lnSpc>
+                <a:spcPct val="160000"/>
+              </a:lnSpc>
+              <a:buFont typeface="Wingdings" charset="2"/>
+              <a:buChar char="§"/>
+            </a:pPr>
             <a:r>
               <a:rPr lang="en-US" altLang="ko-KR" dirty="0">
                 <a:latin typeface="Seravek Light" charset="0"/>
                 <a:ea typeface="Seravek Light" charset="0"/>
                 <a:cs typeface="Seravek Light" charset="0"/>
               </a:rPr>
-              <a:t>) </a:t>
+              <a:t>standardized values</a:t>
             </a:r>
           </a:p>
           <a:p>
             <a:pPr marL="771525" lvl="1" indent="-314325">
+              <a:lnSpc>
+                <a:spcPct val="160000"/>
+              </a:lnSpc>
+              <a:buFont typeface="Wingdings" charset="2"/>
+              <a:buChar char="§"/>
+            </a:pPr>
+            <a:r>
+              <a:rPr lang="en-US" altLang="ko-KR" dirty="0">
+                <a:latin typeface="Seravek Light" charset="0"/>
+                <a:ea typeface="Seravek Light" charset="0"/>
+                <a:cs typeface="Seravek Light" charset="0"/>
+              </a:rPr>
+              <a:t>= using standard deviation as a </a:t>
+            </a:r>
+            <a:r>
+              <a:rPr lang="en-US" altLang="ko-KR" dirty="0">
+                <a:solidFill>
+                  <a:srgbClr val="C00000"/>
+                </a:solidFill>
+                <a:latin typeface="Seravek Light" charset="0"/>
+                <a:ea typeface="Seravek Light" charset="0"/>
+                <a:cs typeface="Seravek Light" charset="0"/>
+              </a:rPr>
+              <a:t>ruler</a:t>
+            </a:r>
+            <a:r>
+              <a:rPr lang="en-US" altLang="ko-KR" dirty="0">
+                <a:latin typeface="Seravek Light" charset="0"/>
+                <a:ea typeface="Seravek Light" charset="0"/>
+                <a:cs typeface="Seravek Light" charset="0"/>
+              </a:rPr>
+              <a:t>!</a:t>
+            </a:r>
+          </a:p>
+          <a:p>
+            <a:pPr marL="314325" indent="-314325">
               <a:lnSpc>
                 <a:spcPct val="160000"/>
               </a:lnSpc>
               <a:buFont typeface="Arial" charset="0"/>
               <a:buChar char="•"/>
             </a:pPr>
-            <a:r>
-              <a:rPr lang="en-US" altLang="ko-KR" dirty="0">
-                <a:latin typeface="Seravek Light" charset="0"/>
-                <a:ea typeface="Seravek Light" charset="0"/>
-                <a:cs typeface="Seravek Light" charset="0"/>
-              </a:rPr>
-              <a:t>to improve symmetry</a:t>
-            </a:r>
-          </a:p>
-          <a:p>
-            <a:pPr marL="771525" lvl="1" indent="-314325">
+            <a:endParaRPr lang="en-US" altLang="ko-KR" dirty="0">
+              <a:latin typeface="Seravek Light" charset="0"/>
+              <a:ea typeface="Seravek Light" charset="0"/>
+              <a:cs typeface="Seravek Light" charset="0"/>
+            </a:endParaRPr>
+          </a:p>
+          <a:p>
+            <a:pPr marL="314325" indent="-314325">
               <a:lnSpc>
                 <a:spcPct val="160000"/>
               </a:lnSpc>
@@ -17221,15 +15648,69 @@
                 <a:ea typeface="Seravek Light" charset="0"/>
                 <a:cs typeface="Seravek Light" charset="0"/>
               </a:rPr>
-              <a:t>to equalize spread</a:t>
+              <a:t>Two elements: </a:t>
+            </a:r>
+            <a:r>
+              <a:rPr lang="en-US" altLang="ko-KR" dirty="0">
+                <a:solidFill>
+                  <a:srgbClr val="C00000"/>
+                </a:solidFill>
+                <a:latin typeface="Seravek Light" charset="0"/>
+                <a:ea typeface="Seravek Light" charset="0"/>
+                <a:cs typeface="Seravek Light" charset="0"/>
+              </a:rPr>
+              <a:t>shifting</a:t>
+            </a:r>
+            <a:r>
+              <a:rPr lang="en-US" altLang="ko-KR" dirty="0">
+                <a:latin typeface="Seravek Light" charset="0"/>
+                <a:ea typeface="Seravek Light" charset="0"/>
+                <a:cs typeface="Seravek Light" charset="0"/>
+              </a:rPr>
+              <a:t> and </a:t>
+            </a:r>
+            <a:r>
+              <a:rPr lang="en-US" altLang="ko-KR" dirty="0">
+                <a:solidFill>
+                  <a:srgbClr val="C00000"/>
+                </a:solidFill>
+                <a:latin typeface="Seravek Light" charset="0"/>
+                <a:ea typeface="Seravek Light" charset="0"/>
+                <a:cs typeface="Seravek Light" charset="0"/>
+              </a:rPr>
+              <a:t>scaling</a:t>
             </a:r>
           </a:p>
         </p:txBody>
       </p:sp>
+      <p:pic>
+        <p:nvPicPr>
+          <p:cNvPr id="3" name="그림 2"/>
+          <p:cNvPicPr>
+            <a:picLocks noChangeAspect="1"/>
+          </p:cNvPicPr>
+          <p:nvPr/>
+        </p:nvPicPr>
+        <p:blipFill>
+          <a:blip r:embed="rId6"/>
+          <a:stretch>
+            <a:fillRect/>
+          </a:stretch>
+        </p:blipFill>
+        <p:spPr>
+          <a:xfrm>
+            <a:off x="1587047" y="1941828"/>
+            <a:ext cx="1347696" cy="845956"/>
+          </a:xfrm>
+          <a:prstGeom prst="rect">
+            <a:avLst/>
+          </a:prstGeom>
+        </p:spPr>
+      </p:pic>
     </p:spTree>
     <p:extLst>
       <p:ext uri="{BB962C8B-B14F-4D97-AF65-F5344CB8AC3E}">
-        <p14:creationId xmlns:p14="http://schemas.microsoft.com/office/powerpoint/2010/main" val="1484151824"/>
+        <p14:creationId xmlns:p14="http://schemas.microsoft.com/office/powerpoint/2010/main" val="865846821"/>
       </p:ext>
     </p:extLst>
   </p:cSld>
@@ -17270,7 +15751,7 @@
                                           </p:stCondLst>
                                         </p:cTn>
                                         <p:tgtEl>
-                                          <p:spTgt spid="18">
+                                          <p:spTgt spid="13">
                                             <p:txEl>
                                               <p:pRg st="0" end="0"/>
                                             </p:txEl>
@@ -17319,7 +15800,7 @@
                                           </p:stCondLst>
                                         </p:cTn>
                                         <p:tgtEl>
-                                          <p:spTgt spid="18">
+                                          <p:spTgt spid="13">
                                             <p:txEl>
                                               <p:pRg st="1" end="1"/>
                                             </p:txEl>
@@ -17336,41 +15817,23 @@
                                   </p:childTnLst>
                                 </p:cTn>
                               </p:par>
-                            </p:childTnLst>
-                          </p:cTn>
-                        </p:par>
-                      </p:childTnLst>
-                    </p:cTn>
-                  </p:par>
-                  <p:par>
-                    <p:cTn id="11" fill="hold">
-                      <p:stCondLst>
-                        <p:cond delay="indefinite"/>
-                      </p:stCondLst>
-                      <p:childTnLst>
-                        <p:par>
-                          <p:cTn id="12" fill="hold">
-                            <p:stCondLst>
-                              <p:cond delay="0"/>
-                            </p:stCondLst>
-                            <p:childTnLst>
                               <p:par>
-                                <p:cTn id="13" presetID="1" presetClass="entr" presetSubtype="0" fill="hold" grpId="0" nodeType="clickEffect">
+                                <p:cTn id="11" presetID="1" presetClass="entr" presetSubtype="0" fill="hold" grpId="0" nodeType="withEffect">
                                   <p:stCondLst>
                                     <p:cond delay="0"/>
                                   </p:stCondLst>
                                   <p:childTnLst>
                                     <p:set>
                                       <p:cBhvr>
-                                        <p:cTn id="14" dur="1" fill="hold">
+                                        <p:cTn id="12" dur="1" fill="hold">
                                           <p:stCondLst>
                                             <p:cond delay="0"/>
                                           </p:stCondLst>
                                         </p:cTn>
                                         <p:tgtEl>
-                                          <p:spTgt spid="18">
+                                          <p:spTgt spid="13">
                                             <p:txEl>
-                                              <p:pRg st="2" end="2"/>
+                                              <p:pRg st="4" end="4"/>
                                             </p:txEl>
                                           </p:spTgt>
                                         </p:tgtEl>
@@ -17385,26 +15848,66 @@
                                   </p:childTnLst>
                                 </p:cTn>
                               </p:par>
-                            </p:childTnLst>
-                          </p:cTn>
-                        </p:par>
-                      </p:childTnLst>
-                    </p:cTn>
-                  </p:par>
-                  <p:par>
-                    <p:cTn id="15" fill="hold">
-                      <p:stCondLst>
-                        <p:cond delay="indefinite"/>
-                      </p:stCondLst>
-                      <p:childTnLst>
-                        <p:par>
-                          <p:cTn id="16" fill="hold">
-                            <p:stCondLst>
-                              <p:cond delay="0"/>
-                            </p:stCondLst>
-                            <p:childTnLst>
                               <p:par>
-                                <p:cTn id="17" presetID="1" presetClass="entr" presetSubtype="0" fill="hold" grpId="0" nodeType="clickEffect">
+                                <p:cTn id="13" presetID="1" presetClass="entr" presetSubtype="0" fill="hold" nodeType="withEffect">
+                                  <p:stCondLst>
+                                    <p:cond delay="0"/>
+                                  </p:stCondLst>
+                                  <p:childTnLst>
+                                    <p:set>
+                                      <p:cBhvr>
+                                        <p:cTn id="14" dur="1" fill="hold">
+                                          <p:stCondLst>
+                                            <p:cond delay="0"/>
+                                          </p:stCondLst>
+                                        </p:cTn>
+                                        <p:tgtEl>
+                                          <p:spTgt spid="3"/>
+                                        </p:tgtEl>
+                                        <p:attrNameLst>
+                                          <p:attrName>style.visibility</p:attrName>
+                                        </p:attrNameLst>
+                                      </p:cBhvr>
+                                      <p:to>
+                                        <p:strVal val="visible"/>
+                                      </p:to>
+                                    </p:set>
+                                  </p:childTnLst>
+                                </p:cTn>
+                              </p:par>
+                              <p:par>
+                                <p:cTn id="15" presetID="1" presetClass="entr" presetSubtype="0" fill="hold" grpId="0" nodeType="withEffect">
+                                  <p:stCondLst>
+                                    <p:cond delay="0"/>
+                                  </p:stCondLst>
+                                  <p:childTnLst>
+                                    <p:set>
+                                      <p:cBhvr>
+                                        <p:cTn id="16" dur="1" fill="hold">
+                                          <p:stCondLst>
+                                            <p:cond delay="0"/>
+                                          </p:stCondLst>
+                                        </p:cTn>
+                                        <p:tgtEl>
+                                          <p:spTgt spid="13">
+                                            <p:txEl>
+                                              <p:pRg st="5" end="5"/>
+                                            </p:txEl>
+                                          </p:spTgt>
+                                        </p:tgtEl>
+                                        <p:attrNameLst>
+                                          <p:attrName>style.visibility</p:attrName>
+                                        </p:attrNameLst>
+                                      </p:cBhvr>
+                                      <p:to>
+                                        <p:strVal val="visible"/>
+                                      </p:to>
+                                    </p:set>
+                                  </p:childTnLst>
+                                </p:cTn>
+                              </p:par>
+                              <p:par>
+                                <p:cTn id="17" presetID="1" presetClass="entr" presetSubtype="0" fill="hold" grpId="0" nodeType="withEffect">
                                   <p:stCondLst>
                                     <p:cond delay="0"/>
                                   </p:stCondLst>
@@ -17417,9 +15920,9 @@
                                           </p:stCondLst>
                                         </p:cTn>
                                         <p:tgtEl>
-                                          <p:spTgt spid="18">
+                                          <p:spTgt spid="13">
                                             <p:txEl>
-                                              <p:pRg st="3" end="3"/>
+                                              <p:pRg st="6" end="6"/>
                                             </p:txEl>
                                           </p:spTgt>
                                         </p:tgtEl>
@@ -17466,71 +15969,9 @@
                                           </p:stCondLst>
                                         </p:cTn>
                                         <p:tgtEl>
-                                          <p:spTgt spid="18">
+                                          <p:spTgt spid="13">
                                             <p:txEl>
-                                              <p:pRg st="4" end="4"/>
-                                            </p:txEl>
-                                          </p:spTgt>
-                                        </p:tgtEl>
-                                        <p:attrNameLst>
-                                          <p:attrName>style.visibility</p:attrName>
-                                        </p:attrNameLst>
-                                      </p:cBhvr>
-                                      <p:to>
-                                        <p:strVal val="visible"/>
-                                      </p:to>
-                                    </p:set>
-                                  </p:childTnLst>
-                                </p:cTn>
-                              </p:par>
-                              <p:par>
-                                <p:cTn id="23" presetID="1" presetClass="entr" presetSubtype="0" fill="hold" grpId="0" nodeType="withEffect">
-                                  <p:stCondLst>
-                                    <p:cond delay="0"/>
-                                  </p:stCondLst>
-                                  <p:childTnLst>
-                                    <p:set>
-                                      <p:cBhvr>
-                                        <p:cTn id="24" dur="1" fill="hold">
-                                          <p:stCondLst>
-                                            <p:cond delay="0"/>
-                                          </p:stCondLst>
-                                        </p:cTn>
-                                        <p:tgtEl>
-                                          <p:spTgt spid="18">
-                                            <p:txEl>
-                                              <p:pRg st="5" end="5"/>
-                                            </p:txEl>
-                                          </p:spTgt>
-                                        </p:tgtEl>
-                                        <p:attrNameLst>
-                                          <p:attrName>style.visibility</p:attrName>
-                                        </p:attrNameLst>
-                                      </p:cBhvr>
-                                      <p:to>
-                                        <p:strVal val="visible"/>
-                                      </p:to>
-                                    </p:set>
-                                  </p:childTnLst>
-                                </p:cTn>
-                              </p:par>
-                              <p:par>
-                                <p:cTn id="25" presetID="1" presetClass="entr" presetSubtype="0" fill="hold" grpId="0" nodeType="withEffect">
-                                  <p:stCondLst>
-                                    <p:cond delay="0"/>
-                                  </p:stCondLst>
-                                  <p:childTnLst>
-                                    <p:set>
-                                      <p:cBhvr>
-                                        <p:cTn id="26" dur="1" fill="hold">
-                                          <p:stCondLst>
-                                            <p:cond delay="0"/>
-                                          </p:stCondLst>
-                                        </p:cTn>
-                                        <p:tgtEl>
-                                          <p:spTgt spid="18">
-                                            <p:txEl>
-                                              <p:pRg st="6" end="6"/>
+                                              <p:pRg st="8" end="8"/>
                                             </p:txEl>
                                           </p:spTgt>
                                         </p:tgtEl>
@@ -17573,7 +16014,7 @@
       </p:par>
     </p:tnLst>
     <p:bldLst>
-      <p:bldP spid="18" grpId="0" build="p"/>
+      <p:bldP spid="13" grpId="0" uiExpand="1" build="p"/>
     </p:bldLst>
   </p:timing>
 </p:sld>
